--- a/Diane-python.pptx
+++ b/Diane-python.pptx
@@ -4,13 +4,19 @@
   <p:sldMasterIdLst>
     <p:sldMasterId id="2147483648" r:id="rId1"/>
   </p:sldMasterIdLst>
+  <p:notesMasterIdLst>
+    <p:notesMasterId r:id="rId11"/>
+  </p:notesMasterIdLst>
   <p:sldIdLst>
     <p:sldId id="256" r:id="rId2"/>
     <p:sldId id="258" r:id="rId3"/>
-    <p:sldId id="261" r:id="rId4"/>
-    <p:sldId id="259" r:id="rId5"/>
-    <p:sldId id="257" r:id="rId6"/>
-    <p:sldId id="260" r:id="rId7"/>
+    <p:sldId id="262" r:id="rId4"/>
+    <p:sldId id="263" r:id="rId5"/>
+    <p:sldId id="264" r:id="rId6"/>
+    <p:sldId id="269" r:id="rId7"/>
+    <p:sldId id="270" r:id="rId8"/>
+    <p:sldId id="265" r:id="rId9"/>
+    <p:sldId id="268" r:id="rId10"/>
   </p:sldIdLst>
   <p:sldSz cx="9144000" cy="6858000" type="screen4x3"/>
   <p:notesSz cx="6858000" cy="9144000"/>
@@ -109,7 +115,457 @@
       </a:defRPr>
     </a:lvl9pPr>
   </p:defaultTextStyle>
+  <p:extLst>
+    <p:ext uri="{EFAFB233-063F-42B5-8137-9DF3F51BA10A}">
+      <p15:sldGuideLst xmlns:p15="http://schemas.microsoft.com/office/powerpoint/2012/main">
+        <p15:guide id="1" orient="horz" pos="2160">
+          <p15:clr>
+            <a:srgbClr val="A4A3A4"/>
+          </p15:clr>
+        </p15:guide>
+        <p15:guide id="2" pos="2880">
+          <p15:clr>
+            <a:srgbClr val="A4A3A4"/>
+          </p15:clr>
+        </p15:guide>
+      </p15:sldGuideLst>
+    </p:ext>
+  </p:extLst>
 </p:presentation>
+</file>
+
+<file path=ppt/notesMasters/notesMaster1.xml><?xml version="1.0" encoding="utf-8"?>
+<p:notesMaster xmlns:a="http://schemas.openxmlformats.org/drawingml/2006/main" xmlns:r="http://schemas.openxmlformats.org/officeDocument/2006/relationships" xmlns:p="http://schemas.openxmlformats.org/presentationml/2006/main">
+  <p:cSld>
+    <p:bg>
+      <p:bgRef idx="1001">
+        <a:schemeClr val="bg1"/>
+      </p:bgRef>
+    </p:bg>
+    <p:spTree>
+      <p:nvGrpSpPr>
+        <p:cNvPr id="1" name=""/>
+        <p:cNvGrpSpPr/>
+        <p:nvPr/>
+      </p:nvGrpSpPr>
+      <p:grpSpPr>
+        <a:xfrm>
+          <a:off x="0" y="0"/>
+          <a:ext cx="0" cy="0"/>
+          <a:chOff x="0" y="0"/>
+          <a:chExt cx="0" cy="0"/>
+        </a:xfrm>
+      </p:grpSpPr>
+      <p:sp>
+        <p:nvSpPr>
+          <p:cNvPr id="2" name="页眉占位符 1"/>
+          <p:cNvSpPr>
+            <a:spLocks noGrp="1"/>
+          </p:cNvSpPr>
+          <p:nvPr>
+            <p:ph type="hdr" sz="quarter"/>
+          </p:nvPr>
+        </p:nvSpPr>
+        <p:spPr>
+          <a:xfrm>
+            <a:off x="0" y="0"/>
+            <a:ext cx="2971800" cy="458788"/>
+          </a:xfrm>
+          <a:prstGeom prst="rect">
+            <a:avLst/>
+          </a:prstGeom>
+        </p:spPr>
+        <p:txBody>
+          <a:bodyPr vert="horz" lIns="91440" tIns="45720" rIns="91440" bIns="45720" rtlCol="0"/>
+          <a:lstStyle>
+            <a:lvl1pPr algn="l">
+              <a:defRPr sz="1200"/>
+            </a:lvl1pPr>
+          </a:lstStyle>
+          <a:p>
+            <a:endParaRPr lang="zh-CN" altLang="en-US"/>
+          </a:p>
+        </p:txBody>
+      </p:sp>
+      <p:sp>
+        <p:nvSpPr>
+          <p:cNvPr id="3" name="日期占位符 2"/>
+          <p:cNvSpPr>
+            <a:spLocks noGrp="1"/>
+          </p:cNvSpPr>
+          <p:nvPr>
+            <p:ph type="dt" idx="1"/>
+          </p:nvPr>
+        </p:nvSpPr>
+        <p:spPr>
+          <a:xfrm>
+            <a:off x="3884613" y="0"/>
+            <a:ext cx="2971800" cy="458788"/>
+          </a:xfrm>
+          <a:prstGeom prst="rect">
+            <a:avLst/>
+          </a:prstGeom>
+        </p:spPr>
+        <p:txBody>
+          <a:bodyPr vert="horz" lIns="91440" tIns="45720" rIns="91440" bIns="45720" rtlCol="0"/>
+          <a:lstStyle>
+            <a:lvl1pPr algn="r">
+              <a:defRPr sz="1200"/>
+            </a:lvl1pPr>
+          </a:lstStyle>
+          <a:p>
+            <a:fld id="{40CDEA7E-E079-4CC6-8954-D8C135EFBE4D}" type="datetimeFigureOut">
+              <a:rPr lang="zh-CN" altLang="en-US" smtClean="0"/>
+              <a:t>2016/8/15</a:t>
+            </a:fld>
+            <a:endParaRPr lang="zh-CN" altLang="en-US"/>
+          </a:p>
+        </p:txBody>
+      </p:sp>
+      <p:sp>
+        <p:nvSpPr>
+          <p:cNvPr id="4" name="幻灯片图像占位符 3"/>
+          <p:cNvSpPr>
+            <a:spLocks noGrp="1" noRot="1" noChangeAspect="1"/>
+          </p:cNvSpPr>
+          <p:nvPr>
+            <p:ph type="sldImg" idx="2"/>
+          </p:nvPr>
+        </p:nvSpPr>
+        <p:spPr>
+          <a:xfrm>
+            <a:off x="1371600" y="1143000"/>
+            <a:ext cx="4114800" cy="3086100"/>
+          </a:xfrm>
+          <a:prstGeom prst="rect">
+            <a:avLst/>
+          </a:prstGeom>
+          <a:noFill/>
+          <a:ln w="12700">
+            <a:solidFill>
+              <a:prstClr val="black"/>
+            </a:solidFill>
+          </a:ln>
+        </p:spPr>
+        <p:txBody>
+          <a:bodyPr vert="horz" lIns="91440" tIns="45720" rIns="91440" bIns="45720" rtlCol="0" anchor="ctr"/>
+          <a:lstStyle/>
+          <a:p>
+            <a:endParaRPr lang="zh-CN" altLang="en-US"/>
+          </a:p>
+        </p:txBody>
+      </p:sp>
+      <p:sp>
+        <p:nvSpPr>
+          <p:cNvPr id="5" name="备注占位符 4"/>
+          <p:cNvSpPr>
+            <a:spLocks noGrp="1"/>
+          </p:cNvSpPr>
+          <p:nvPr>
+            <p:ph type="body" sz="quarter" idx="3"/>
+          </p:nvPr>
+        </p:nvSpPr>
+        <p:spPr>
+          <a:xfrm>
+            <a:off x="685800" y="4400550"/>
+            <a:ext cx="5486400" cy="3600450"/>
+          </a:xfrm>
+          <a:prstGeom prst="rect">
+            <a:avLst/>
+          </a:prstGeom>
+        </p:spPr>
+        <p:txBody>
+          <a:bodyPr vert="horz" lIns="91440" tIns="45720" rIns="91440" bIns="45720" rtlCol="0"/>
+          <a:lstStyle/>
+          <a:p>
+            <a:pPr lvl="0"/>
+            <a:r>
+              <a:rPr lang="zh-CN" altLang="en-US" smtClean="0"/>
+              <a:t>单击此处编辑母版文本样式</a:t>
+            </a:r>
+          </a:p>
+          <a:p>
+            <a:pPr lvl="1"/>
+            <a:r>
+              <a:rPr lang="zh-CN" altLang="en-US" smtClean="0"/>
+              <a:t>第二级</a:t>
+            </a:r>
+          </a:p>
+          <a:p>
+            <a:pPr lvl="2"/>
+            <a:r>
+              <a:rPr lang="zh-CN" altLang="en-US" smtClean="0"/>
+              <a:t>第三级</a:t>
+            </a:r>
+          </a:p>
+          <a:p>
+            <a:pPr lvl="3"/>
+            <a:r>
+              <a:rPr lang="zh-CN" altLang="en-US" smtClean="0"/>
+              <a:t>第四级</a:t>
+            </a:r>
+          </a:p>
+          <a:p>
+            <a:pPr lvl="4"/>
+            <a:r>
+              <a:rPr lang="zh-CN" altLang="en-US" smtClean="0"/>
+              <a:t>第五级</a:t>
+            </a:r>
+            <a:endParaRPr lang="zh-CN" altLang="en-US"/>
+          </a:p>
+        </p:txBody>
+      </p:sp>
+      <p:sp>
+        <p:nvSpPr>
+          <p:cNvPr id="6" name="页脚占位符 5"/>
+          <p:cNvSpPr>
+            <a:spLocks noGrp="1"/>
+          </p:cNvSpPr>
+          <p:nvPr>
+            <p:ph type="ftr" sz="quarter" idx="4"/>
+          </p:nvPr>
+        </p:nvSpPr>
+        <p:spPr>
+          <a:xfrm>
+            <a:off x="0" y="8685213"/>
+            <a:ext cx="2971800" cy="458787"/>
+          </a:xfrm>
+          <a:prstGeom prst="rect">
+            <a:avLst/>
+          </a:prstGeom>
+        </p:spPr>
+        <p:txBody>
+          <a:bodyPr vert="horz" lIns="91440" tIns="45720" rIns="91440" bIns="45720" rtlCol="0" anchor="b"/>
+          <a:lstStyle>
+            <a:lvl1pPr algn="l">
+              <a:defRPr sz="1200"/>
+            </a:lvl1pPr>
+          </a:lstStyle>
+          <a:p>
+            <a:endParaRPr lang="zh-CN" altLang="en-US"/>
+          </a:p>
+        </p:txBody>
+      </p:sp>
+      <p:sp>
+        <p:nvSpPr>
+          <p:cNvPr id="7" name="灯片编号占位符 6"/>
+          <p:cNvSpPr>
+            <a:spLocks noGrp="1"/>
+          </p:cNvSpPr>
+          <p:nvPr>
+            <p:ph type="sldNum" sz="quarter" idx="5"/>
+          </p:nvPr>
+        </p:nvSpPr>
+        <p:spPr>
+          <a:xfrm>
+            <a:off x="3884613" y="8685213"/>
+            <a:ext cx="2971800" cy="458787"/>
+          </a:xfrm>
+          <a:prstGeom prst="rect">
+            <a:avLst/>
+          </a:prstGeom>
+        </p:spPr>
+        <p:txBody>
+          <a:bodyPr vert="horz" lIns="91440" tIns="45720" rIns="91440" bIns="45720" rtlCol="0" anchor="b"/>
+          <a:lstStyle>
+            <a:lvl1pPr algn="r">
+              <a:defRPr sz="1200"/>
+            </a:lvl1pPr>
+          </a:lstStyle>
+          <a:p>
+            <a:fld id="{3C70B78B-9F77-43F7-98B1-33AB2FF1480C}" type="slidenum">
+              <a:rPr lang="zh-CN" altLang="en-US" smtClean="0"/>
+              <a:t>‹#›</a:t>
+            </a:fld>
+            <a:endParaRPr lang="zh-CN" altLang="en-US"/>
+          </a:p>
+        </p:txBody>
+      </p:sp>
+    </p:spTree>
+    <p:extLst>
+      <p:ext uri="{BB962C8B-B14F-4D97-AF65-F5344CB8AC3E}">
+        <p14:creationId xmlns:p14="http://schemas.microsoft.com/office/powerpoint/2010/main" val="3836290973"/>
+      </p:ext>
+    </p:extLst>
+  </p:cSld>
+  <p:clrMap bg1="lt1" tx1="dk1" bg2="lt2" tx2="dk2" accent1="accent1" accent2="accent2" accent3="accent3" accent4="accent4" accent5="accent5" accent6="accent6" hlink="hlink" folHlink="folHlink"/>
+  <p:notesStyle>
+    <a:lvl1pPr marL="0" algn="l" defTabSz="914400" rtl="0" eaLnBrk="1" latinLnBrk="0" hangingPunct="1">
+      <a:defRPr sz="1200" kern="1200">
+        <a:solidFill>
+          <a:schemeClr val="tx1"/>
+        </a:solidFill>
+        <a:latin typeface="+mn-lt"/>
+        <a:ea typeface="+mn-ea"/>
+        <a:cs typeface="+mn-cs"/>
+      </a:defRPr>
+    </a:lvl1pPr>
+    <a:lvl2pPr marL="457200" algn="l" defTabSz="914400" rtl="0" eaLnBrk="1" latinLnBrk="0" hangingPunct="1">
+      <a:defRPr sz="1200" kern="1200">
+        <a:solidFill>
+          <a:schemeClr val="tx1"/>
+        </a:solidFill>
+        <a:latin typeface="+mn-lt"/>
+        <a:ea typeface="+mn-ea"/>
+        <a:cs typeface="+mn-cs"/>
+      </a:defRPr>
+    </a:lvl2pPr>
+    <a:lvl3pPr marL="914400" algn="l" defTabSz="914400" rtl="0" eaLnBrk="1" latinLnBrk="0" hangingPunct="1">
+      <a:defRPr sz="1200" kern="1200">
+        <a:solidFill>
+          <a:schemeClr val="tx1"/>
+        </a:solidFill>
+        <a:latin typeface="+mn-lt"/>
+        <a:ea typeface="+mn-ea"/>
+        <a:cs typeface="+mn-cs"/>
+      </a:defRPr>
+    </a:lvl3pPr>
+    <a:lvl4pPr marL="1371600" algn="l" defTabSz="914400" rtl="0" eaLnBrk="1" latinLnBrk="0" hangingPunct="1">
+      <a:defRPr sz="1200" kern="1200">
+        <a:solidFill>
+          <a:schemeClr val="tx1"/>
+        </a:solidFill>
+        <a:latin typeface="+mn-lt"/>
+        <a:ea typeface="+mn-ea"/>
+        <a:cs typeface="+mn-cs"/>
+      </a:defRPr>
+    </a:lvl4pPr>
+    <a:lvl5pPr marL="1828800" algn="l" defTabSz="914400" rtl="0" eaLnBrk="1" latinLnBrk="0" hangingPunct="1">
+      <a:defRPr sz="1200" kern="1200">
+        <a:solidFill>
+          <a:schemeClr val="tx1"/>
+        </a:solidFill>
+        <a:latin typeface="+mn-lt"/>
+        <a:ea typeface="+mn-ea"/>
+        <a:cs typeface="+mn-cs"/>
+      </a:defRPr>
+    </a:lvl5pPr>
+    <a:lvl6pPr marL="2286000" algn="l" defTabSz="914400" rtl="0" eaLnBrk="1" latinLnBrk="0" hangingPunct="1">
+      <a:defRPr sz="1200" kern="1200">
+        <a:solidFill>
+          <a:schemeClr val="tx1"/>
+        </a:solidFill>
+        <a:latin typeface="+mn-lt"/>
+        <a:ea typeface="+mn-ea"/>
+        <a:cs typeface="+mn-cs"/>
+      </a:defRPr>
+    </a:lvl6pPr>
+    <a:lvl7pPr marL="2743200" algn="l" defTabSz="914400" rtl="0" eaLnBrk="1" latinLnBrk="0" hangingPunct="1">
+      <a:defRPr sz="1200" kern="1200">
+        <a:solidFill>
+          <a:schemeClr val="tx1"/>
+        </a:solidFill>
+        <a:latin typeface="+mn-lt"/>
+        <a:ea typeface="+mn-ea"/>
+        <a:cs typeface="+mn-cs"/>
+      </a:defRPr>
+    </a:lvl7pPr>
+    <a:lvl8pPr marL="3200400" algn="l" defTabSz="914400" rtl="0" eaLnBrk="1" latinLnBrk="0" hangingPunct="1">
+      <a:defRPr sz="1200" kern="1200">
+        <a:solidFill>
+          <a:schemeClr val="tx1"/>
+        </a:solidFill>
+        <a:latin typeface="+mn-lt"/>
+        <a:ea typeface="+mn-ea"/>
+        <a:cs typeface="+mn-cs"/>
+      </a:defRPr>
+    </a:lvl8pPr>
+    <a:lvl9pPr marL="3657600" algn="l" defTabSz="914400" rtl="0" eaLnBrk="1" latinLnBrk="0" hangingPunct="1">
+      <a:defRPr sz="1200" kern="1200">
+        <a:solidFill>
+          <a:schemeClr val="tx1"/>
+        </a:solidFill>
+        <a:latin typeface="+mn-lt"/>
+        <a:ea typeface="+mn-ea"/>
+        <a:cs typeface="+mn-cs"/>
+      </a:defRPr>
+    </a:lvl9pPr>
+  </p:notesStyle>
+</p:notesMaster>
+</file>
+
+<file path=ppt/notesSlides/notesSlide1.xml><?xml version="1.0" encoding="utf-8"?>
+<p:notes xmlns:a="http://schemas.openxmlformats.org/drawingml/2006/main" xmlns:r="http://schemas.openxmlformats.org/officeDocument/2006/relationships" xmlns:p="http://schemas.openxmlformats.org/presentationml/2006/main">
+  <p:cSld>
+    <p:spTree>
+      <p:nvGrpSpPr>
+        <p:cNvPr id="1" name=""/>
+        <p:cNvGrpSpPr/>
+        <p:nvPr/>
+      </p:nvGrpSpPr>
+      <p:grpSpPr>
+        <a:xfrm>
+          <a:off x="0" y="0"/>
+          <a:ext cx="0" cy="0"/>
+          <a:chOff x="0" y="0"/>
+          <a:chExt cx="0" cy="0"/>
+        </a:xfrm>
+      </p:grpSpPr>
+      <p:sp>
+        <p:nvSpPr>
+          <p:cNvPr id="2" name="幻灯片图像占位符 1"/>
+          <p:cNvSpPr>
+            <a:spLocks noGrp="1" noRot="1" noChangeAspect="1"/>
+          </p:cNvSpPr>
+          <p:nvPr>
+            <p:ph type="sldImg"/>
+          </p:nvPr>
+        </p:nvSpPr>
+        <p:spPr/>
+      </p:sp>
+      <p:sp>
+        <p:nvSpPr>
+          <p:cNvPr id="3" name="备注占位符 2"/>
+          <p:cNvSpPr>
+            <a:spLocks noGrp="1"/>
+          </p:cNvSpPr>
+          <p:nvPr>
+            <p:ph type="body" idx="1"/>
+          </p:nvPr>
+        </p:nvSpPr>
+        <p:spPr/>
+        <p:txBody>
+          <a:bodyPr/>
+          <a:lstStyle/>
+          <a:p>
+            <a:endParaRPr lang="zh-CN" altLang="en-US" dirty="0"/>
+          </a:p>
+        </p:txBody>
+      </p:sp>
+      <p:sp>
+        <p:nvSpPr>
+          <p:cNvPr id="4" name="灯片编号占位符 3"/>
+          <p:cNvSpPr>
+            <a:spLocks noGrp="1"/>
+          </p:cNvSpPr>
+          <p:nvPr>
+            <p:ph type="sldNum" sz="quarter" idx="10"/>
+          </p:nvPr>
+        </p:nvSpPr>
+        <p:spPr/>
+        <p:txBody>
+          <a:bodyPr/>
+          <a:lstStyle/>
+          <a:p>
+            <a:fld id="{3C70B78B-9F77-43F7-98B1-33AB2FF1480C}" type="slidenum">
+              <a:rPr lang="zh-CN" altLang="en-US" smtClean="0"/>
+              <a:t>5</a:t>
+            </a:fld>
+            <a:endParaRPr lang="zh-CN" altLang="en-US"/>
+          </a:p>
+        </p:txBody>
+      </p:sp>
+    </p:spTree>
+    <p:extLst>
+      <p:ext uri="{BB962C8B-B14F-4D97-AF65-F5344CB8AC3E}">
+        <p14:creationId xmlns:p14="http://schemas.microsoft.com/office/powerpoint/2010/main" val="2922361551"/>
+      </p:ext>
+    </p:extLst>
+  </p:cSld>
+  <p:clrMapOvr>
+    <a:masterClrMapping/>
+  </p:clrMapOvr>
+</p:notes>
 </file>
 
 <file path=ppt/slideLayouts/slideLayout1.xml><?xml version="1.0" encoding="utf-8"?>
@@ -3064,6 +3520,115 @@
           <a:chExt cx="0" cy="0"/>
         </a:xfrm>
       </p:grpSpPr>
+      <p:grpSp>
+        <p:nvGrpSpPr>
+          <p:cNvPr id="6" name="组合 5"/>
+          <p:cNvGrpSpPr/>
+          <p:nvPr/>
+        </p:nvGrpSpPr>
+        <p:grpSpPr>
+          <a:xfrm>
+            <a:off x="1" y="0"/>
+            <a:ext cx="9144000" cy="6858000"/>
+            <a:chOff x="1" y="0"/>
+            <a:chExt cx="9144000" cy="6858000"/>
+          </a:xfrm>
+        </p:grpSpPr>
+        <p:sp>
+          <p:nvSpPr>
+            <p:cNvPr id="5" name="矩形 4"/>
+            <p:cNvSpPr/>
+            <p:nvPr/>
+          </p:nvSpPr>
+          <p:spPr>
+            <a:xfrm>
+              <a:off x="1" y="3124200"/>
+              <a:ext cx="9144000" cy="3733800"/>
+            </a:xfrm>
+            <a:prstGeom prst="rect">
+              <a:avLst/>
+            </a:prstGeom>
+            <a:solidFill>
+              <a:srgbClr val="BBDFBB"/>
+            </a:solidFill>
+            <a:ln>
+              <a:solidFill>
+                <a:srgbClr val="BBDFBB"/>
+              </a:solidFill>
+            </a:ln>
+          </p:spPr>
+          <p:style>
+            <a:lnRef idx="2">
+              <a:schemeClr val="accent1">
+                <a:shade val="50000"/>
+              </a:schemeClr>
+            </a:lnRef>
+            <a:fillRef idx="1">
+              <a:schemeClr val="accent1"/>
+            </a:fillRef>
+            <a:effectRef idx="0">
+              <a:schemeClr val="accent1"/>
+            </a:effectRef>
+            <a:fontRef idx="minor">
+              <a:schemeClr val="lt1"/>
+            </a:fontRef>
+          </p:style>
+          <p:txBody>
+            <a:bodyPr rtlCol="0" anchor="ctr"/>
+            <a:lstStyle/>
+            <a:p>
+              <a:pPr algn="ctr"/>
+              <a:endParaRPr lang="zh-CN" altLang="en-US"/>
+            </a:p>
+          </p:txBody>
+        </p:sp>
+        <p:sp>
+          <p:nvSpPr>
+            <p:cNvPr id="4" name="矩形 3"/>
+            <p:cNvSpPr/>
+            <p:nvPr/>
+          </p:nvSpPr>
+          <p:spPr>
+            <a:xfrm>
+              <a:off x="1" y="0"/>
+              <a:ext cx="9144000" cy="3600450"/>
+            </a:xfrm>
+            <a:prstGeom prst="rect">
+              <a:avLst/>
+            </a:prstGeom>
+            <a:solidFill>
+              <a:srgbClr val="FBC9F0"/>
+            </a:solidFill>
+            <a:ln>
+              <a:noFill/>
+            </a:ln>
+          </p:spPr>
+          <p:style>
+            <a:lnRef idx="2">
+              <a:schemeClr val="accent1">
+                <a:shade val="50000"/>
+              </a:schemeClr>
+            </a:lnRef>
+            <a:fillRef idx="1">
+              <a:schemeClr val="accent1"/>
+            </a:fillRef>
+            <a:effectRef idx="0">
+              <a:schemeClr val="accent1"/>
+            </a:effectRef>
+            <a:fontRef idx="minor">
+              <a:schemeClr val="lt1"/>
+            </a:fontRef>
+          </p:style>
+          <p:txBody>
+            <a:bodyPr rtlCol="0" anchor="ctr"/>
+            <a:lstStyle/>
+            <a:p>
+              <a:pPr algn="ctr"/>
+              <a:endParaRPr lang="zh-CN" altLang="en-US"/>
+            </a:p>
+          </p:txBody>
+        </p:sp>
+      </p:grpSp>
       <p:sp>
         <p:nvSpPr>
           <p:cNvPr id="2" name="Title 1"/>
@@ -3076,10 +3641,20 @@
         </p:nvSpPr>
         <p:spPr/>
         <p:txBody>
-          <a:bodyPr/>
-          <a:lstStyle/>
-          <a:p>
-            <a:endParaRPr lang="en-US"/>
+          <a:bodyPr>
+            <a:normAutofit/>
+          </a:bodyPr>
+          <a:lstStyle/>
+          <a:p>
+            <a:r>
+              <a:rPr lang="en-US" altLang="zh-CN" b="1" dirty="0"/>
+              <a:t>Python </a:t>
+            </a:r>
+            <a:r>
+              <a:rPr lang="en-US" altLang="zh-CN" b="1" dirty="0" smtClean="0"/>
+              <a:t>Programming</a:t>
+            </a:r>
+            <a:endParaRPr lang="en-US" dirty="0"/>
           </a:p>
         </p:txBody>
       </p:sp>
@@ -3093,12 +3668,29 @@
             <p:ph type="subTitle" idx="1"/>
           </p:nvPr>
         </p:nvSpPr>
-        <p:spPr/>
+        <p:spPr>
+          <a:xfrm>
+            <a:off x="1143000" y="3505200"/>
+            <a:ext cx="6400800" cy="1752600"/>
+          </a:xfrm>
+        </p:spPr>
         <p:txBody>
           <a:bodyPr/>
           <a:lstStyle/>
           <a:p>
-            <a:endParaRPr lang="en-US"/>
+            <a:pPr algn="r"/>
+            <a:r>
+              <a:rPr lang="en-US" altLang="zh-CN" dirty="0" smtClean="0"/>
+              <a:t>By Diane</a:t>
+            </a:r>
+          </a:p>
+          <a:p>
+            <a:pPr algn="r"/>
+            <a:r>
+              <a:rPr lang="en-US" altLang="zh-CN" dirty="0"/>
+              <a:t>DM18232</a:t>
+            </a:r>
+            <a:endParaRPr lang="en-US" dirty="0"/>
           </a:p>
         </p:txBody>
       </p:sp>
@@ -3112,6 +3704,13 @@
   <p:clrMapOvr>
     <a:masterClrMapping/>
   </p:clrMapOvr>
+  <p:timing>
+    <p:tnLst>
+      <p:par>
+        <p:cTn id="1" dur="indefinite" restart="never" nodeType="tmRoot"/>
+      </p:par>
+    </p:tnLst>
+  </p:timing>
 </p:sld>
 </file>
 
@@ -3132,6 +3731,115 @@
           <a:chExt cx="0" cy="0"/>
         </a:xfrm>
       </p:grpSpPr>
+      <p:grpSp>
+        <p:nvGrpSpPr>
+          <p:cNvPr id="4" name="组合 3"/>
+          <p:cNvGrpSpPr/>
+          <p:nvPr/>
+        </p:nvGrpSpPr>
+        <p:grpSpPr>
+          <a:xfrm>
+            <a:off x="1" y="0"/>
+            <a:ext cx="9144000" cy="6858000"/>
+            <a:chOff x="1" y="0"/>
+            <a:chExt cx="9144000" cy="6858000"/>
+          </a:xfrm>
+        </p:grpSpPr>
+        <p:sp>
+          <p:nvSpPr>
+            <p:cNvPr id="5" name="矩形 4"/>
+            <p:cNvSpPr/>
+            <p:nvPr/>
+          </p:nvSpPr>
+          <p:spPr>
+            <a:xfrm>
+              <a:off x="1" y="3124200"/>
+              <a:ext cx="9144000" cy="3733800"/>
+            </a:xfrm>
+            <a:prstGeom prst="rect">
+              <a:avLst/>
+            </a:prstGeom>
+            <a:solidFill>
+              <a:srgbClr val="BBDFBB"/>
+            </a:solidFill>
+            <a:ln>
+              <a:solidFill>
+                <a:srgbClr val="BBDFBB"/>
+              </a:solidFill>
+            </a:ln>
+          </p:spPr>
+          <p:style>
+            <a:lnRef idx="2">
+              <a:schemeClr val="accent1">
+                <a:shade val="50000"/>
+              </a:schemeClr>
+            </a:lnRef>
+            <a:fillRef idx="1">
+              <a:schemeClr val="accent1"/>
+            </a:fillRef>
+            <a:effectRef idx="0">
+              <a:schemeClr val="accent1"/>
+            </a:effectRef>
+            <a:fontRef idx="minor">
+              <a:schemeClr val="lt1"/>
+            </a:fontRef>
+          </p:style>
+          <p:txBody>
+            <a:bodyPr rtlCol="0" anchor="ctr"/>
+            <a:lstStyle/>
+            <a:p>
+              <a:pPr algn="ctr"/>
+              <a:endParaRPr lang="zh-CN" altLang="en-US"/>
+            </a:p>
+          </p:txBody>
+        </p:sp>
+        <p:sp>
+          <p:nvSpPr>
+            <p:cNvPr id="6" name="矩形 5"/>
+            <p:cNvSpPr/>
+            <p:nvPr/>
+          </p:nvSpPr>
+          <p:spPr>
+            <a:xfrm>
+              <a:off x="1" y="0"/>
+              <a:ext cx="9144000" cy="3600450"/>
+            </a:xfrm>
+            <a:prstGeom prst="rect">
+              <a:avLst/>
+            </a:prstGeom>
+            <a:solidFill>
+              <a:srgbClr val="FBC9F0"/>
+            </a:solidFill>
+            <a:ln>
+              <a:noFill/>
+            </a:ln>
+          </p:spPr>
+          <p:style>
+            <a:lnRef idx="2">
+              <a:schemeClr val="accent1">
+                <a:shade val="50000"/>
+              </a:schemeClr>
+            </a:lnRef>
+            <a:fillRef idx="1">
+              <a:schemeClr val="accent1"/>
+            </a:fillRef>
+            <a:effectRef idx="0">
+              <a:schemeClr val="accent1"/>
+            </a:effectRef>
+            <a:fontRef idx="minor">
+              <a:schemeClr val="lt1"/>
+            </a:fontRef>
+          </p:style>
+          <p:txBody>
+            <a:bodyPr rtlCol="0" anchor="ctr"/>
+            <a:lstStyle/>
+            <a:p>
+              <a:pPr algn="ctr"/>
+              <a:endParaRPr lang="zh-CN" altLang="en-US"/>
+            </a:p>
+          </p:txBody>
+        </p:sp>
+      </p:grpSp>
       <p:sp>
         <p:nvSpPr>
           <p:cNvPr id="2" name="Title 1"/>
@@ -3232,6 +3940,220 @@
           <a:p>
             <a:pPr lvl="1"/>
             <a:endParaRPr lang="en-US" b="1" dirty="0" smtClean="0"/>
+          </a:p>
+        </p:txBody>
+      </p:sp>
+      <p:sp>
+        <p:nvSpPr>
+          <p:cNvPr id="7" name="矩形 6"/>
+          <p:cNvSpPr/>
+          <p:nvPr/>
+        </p:nvSpPr>
+        <p:spPr>
+          <a:xfrm>
+            <a:off x="1" y="6126163"/>
+            <a:ext cx="4724398" cy="748145"/>
+          </a:xfrm>
+          <a:prstGeom prst="rect">
+            <a:avLst/>
+          </a:prstGeom>
+          <a:solidFill>
+            <a:srgbClr val="F945EC"/>
+          </a:solidFill>
+          <a:ln>
+            <a:noFill/>
+          </a:ln>
+        </p:spPr>
+        <p:style>
+          <a:lnRef idx="2">
+            <a:schemeClr val="accent1">
+              <a:shade val="50000"/>
+            </a:schemeClr>
+          </a:lnRef>
+          <a:fillRef idx="1">
+            <a:schemeClr val="accent1"/>
+          </a:fillRef>
+          <a:effectRef idx="0">
+            <a:schemeClr val="accent1"/>
+          </a:effectRef>
+          <a:fontRef idx="minor">
+            <a:schemeClr val="lt1"/>
+          </a:fontRef>
+        </p:style>
+        <p:txBody>
+          <a:bodyPr rtlCol="0" anchor="ctr"/>
+          <a:lstStyle/>
+          <a:p>
+            <a:pPr algn="ctr"/>
+            <a:endParaRPr lang="zh-CN" altLang="en-US"/>
+          </a:p>
+        </p:txBody>
+      </p:sp>
+      <p:sp>
+        <p:nvSpPr>
+          <p:cNvPr id="8" name="矩形 7"/>
+          <p:cNvSpPr/>
+          <p:nvPr/>
+        </p:nvSpPr>
+        <p:spPr>
+          <a:xfrm>
+            <a:off x="4724401" y="6125606"/>
+            <a:ext cx="4419600" cy="748145"/>
+          </a:xfrm>
+          <a:prstGeom prst="rect">
+            <a:avLst/>
+          </a:prstGeom>
+          <a:solidFill>
+            <a:srgbClr val="3B87CD"/>
+          </a:solidFill>
+          <a:ln>
+            <a:noFill/>
+          </a:ln>
+        </p:spPr>
+        <p:style>
+          <a:lnRef idx="2">
+            <a:schemeClr val="accent1">
+              <a:shade val="50000"/>
+            </a:schemeClr>
+          </a:lnRef>
+          <a:fillRef idx="1">
+            <a:schemeClr val="accent1"/>
+          </a:fillRef>
+          <a:effectRef idx="0">
+            <a:schemeClr val="accent1"/>
+          </a:effectRef>
+          <a:fontRef idx="minor">
+            <a:schemeClr val="lt1"/>
+          </a:fontRef>
+        </p:style>
+        <p:txBody>
+          <a:bodyPr rtlCol="0" anchor="ctr"/>
+          <a:lstStyle/>
+          <a:p>
+            <a:pPr algn="ctr"/>
+            <a:endParaRPr lang="zh-CN" altLang="en-US"/>
+          </a:p>
+        </p:txBody>
+      </p:sp>
+      <p:sp>
+        <p:nvSpPr>
+          <p:cNvPr id="9" name="文本框 8"/>
+          <p:cNvSpPr txBox="1"/>
+          <p:nvPr/>
+        </p:nvSpPr>
+        <p:spPr>
+          <a:xfrm>
+            <a:off x="3810000" y="6048299"/>
+            <a:ext cx="3803072" cy="646331"/>
+          </a:xfrm>
+          <a:prstGeom prst="rect">
+            <a:avLst/>
+          </a:prstGeom>
+          <a:noFill/>
+        </p:spPr>
+        <p:txBody>
+          <a:bodyPr wrap="square" rtlCol="0">
+            <a:spAutoFit/>
+          </a:bodyPr>
+          <a:lstStyle/>
+          <a:p>
+            <a:r>
+              <a:rPr lang="en-US" altLang="zh-CN" sz="3600" dirty="0" smtClean="0">
+                <a:latin typeface="Bauhaus 93" panose="04030905020B02020C02" pitchFamily="82" charset="0"/>
+              </a:rPr>
+              <a:t>Python</a:t>
+            </a:r>
+            <a:endParaRPr lang="zh-CN" altLang="en-US" sz="3600" dirty="0">
+              <a:latin typeface="Bauhaus 93" panose="04030905020B02020C02" pitchFamily="82" charset="0"/>
+            </a:endParaRPr>
+          </a:p>
+        </p:txBody>
+      </p:sp>
+      <p:sp>
+        <p:nvSpPr>
+          <p:cNvPr id="10" name="文本框 9"/>
+          <p:cNvSpPr txBox="1"/>
+          <p:nvPr/>
+        </p:nvSpPr>
+        <p:spPr>
+          <a:xfrm>
+            <a:off x="0" y="6088283"/>
+            <a:ext cx="2078182" cy="523220"/>
+          </a:xfrm>
+          <a:prstGeom prst="rect">
+            <a:avLst/>
+          </a:prstGeom>
+          <a:noFill/>
+        </p:spPr>
+        <p:txBody>
+          <a:bodyPr wrap="square" rtlCol="0">
+            <a:spAutoFit/>
+          </a:bodyPr>
+          <a:lstStyle/>
+          <a:p>
+            <a:r>
+              <a:rPr lang="en-US" altLang="zh-CN" sz="2800" dirty="0" smtClean="0">
+                <a:solidFill>
+                  <a:schemeClr val="tx1">
+                    <a:lumMod val="65000"/>
+                    <a:lumOff val="35000"/>
+                  </a:schemeClr>
+                </a:solidFill>
+              </a:rPr>
+              <a:t>1</a:t>
+            </a:r>
+            <a:endParaRPr lang="zh-CN" altLang="en-US" sz="2800" dirty="0">
+              <a:solidFill>
+                <a:schemeClr val="tx1">
+                  <a:lumMod val="65000"/>
+                  <a:lumOff val="35000"/>
+                </a:schemeClr>
+              </a:solidFill>
+            </a:endParaRPr>
+          </a:p>
+        </p:txBody>
+      </p:sp>
+      <p:sp>
+        <p:nvSpPr>
+          <p:cNvPr id="11" name="文本框 10"/>
+          <p:cNvSpPr txBox="1"/>
+          <p:nvPr/>
+        </p:nvSpPr>
+        <p:spPr>
+          <a:xfrm>
+            <a:off x="8132619" y="6133091"/>
+            <a:ext cx="2078182" cy="523220"/>
+          </a:xfrm>
+          <a:prstGeom prst="rect">
+            <a:avLst/>
+          </a:prstGeom>
+          <a:noFill/>
+        </p:spPr>
+        <p:txBody>
+          <a:bodyPr wrap="square" rtlCol="0">
+            <a:spAutoFit/>
+          </a:bodyPr>
+          <a:lstStyle/>
+          <a:p>
+            <a:r>
+              <a:rPr lang="en-US" altLang="zh-CN" sz="2800" dirty="0" smtClean="0">
+                <a:solidFill>
+                  <a:schemeClr val="tx1">
+                    <a:lumMod val="65000"/>
+                    <a:lumOff val="35000"/>
+                  </a:schemeClr>
+                </a:solidFill>
+              </a:rPr>
+              <a:t>CSTC</a:t>
+            </a:r>
+            <a:endParaRPr lang="zh-CN" altLang="en-US" sz="2800" dirty="0">
+              <a:solidFill>
+                <a:schemeClr val="tx1">
+                  <a:lumMod val="65000"/>
+                  <a:lumOff val="35000"/>
+                </a:schemeClr>
+              </a:solidFill>
+            </a:endParaRPr>
           </a:p>
         </p:txBody>
       </p:sp>
@@ -3245,6 +4167,13 @@
   <p:clrMapOvr>
     <a:masterClrMapping/>
   </p:clrMapOvr>
+  <p:timing>
+    <p:tnLst>
+      <p:par>
+        <p:cTn id="1" dur="indefinite" restart="never" nodeType="tmRoot"/>
+      </p:par>
+    </p:tnLst>
+  </p:timing>
 </p:sld>
 </file>
 
@@ -3265,6 +4194,115 @@
           <a:chExt cx="0" cy="0"/>
         </a:xfrm>
       </p:grpSpPr>
+      <p:grpSp>
+        <p:nvGrpSpPr>
+          <p:cNvPr id="4" name="组合 3"/>
+          <p:cNvGrpSpPr/>
+          <p:nvPr/>
+        </p:nvGrpSpPr>
+        <p:grpSpPr>
+          <a:xfrm>
+            <a:off x="1" y="0"/>
+            <a:ext cx="9144000" cy="6858000"/>
+            <a:chOff x="1" y="0"/>
+            <a:chExt cx="9144000" cy="6858000"/>
+          </a:xfrm>
+        </p:grpSpPr>
+        <p:sp>
+          <p:nvSpPr>
+            <p:cNvPr id="5" name="矩形 4"/>
+            <p:cNvSpPr/>
+            <p:nvPr/>
+          </p:nvSpPr>
+          <p:spPr>
+            <a:xfrm>
+              <a:off x="1" y="3124200"/>
+              <a:ext cx="9144000" cy="3733800"/>
+            </a:xfrm>
+            <a:prstGeom prst="rect">
+              <a:avLst/>
+            </a:prstGeom>
+            <a:solidFill>
+              <a:srgbClr val="BBDFBB"/>
+            </a:solidFill>
+            <a:ln>
+              <a:solidFill>
+                <a:srgbClr val="BBDFBB"/>
+              </a:solidFill>
+            </a:ln>
+          </p:spPr>
+          <p:style>
+            <a:lnRef idx="2">
+              <a:schemeClr val="accent1">
+                <a:shade val="50000"/>
+              </a:schemeClr>
+            </a:lnRef>
+            <a:fillRef idx="1">
+              <a:schemeClr val="accent1"/>
+            </a:fillRef>
+            <a:effectRef idx="0">
+              <a:schemeClr val="accent1"/>
+            </a:effectRef>
+            <a:fontRef idx="minor">
+              <a:schemeClr val="lt1"/>
+            </a:fontRef>
+          </p:style>
+          <p:txBody>
+            <a:bodyPr rtlCol="0" anchor="ctr"/>
+            <a:lstStyle/>
+            <a:p>
+              <a:pPr algn="ctr"/>
+              <a:endParaRPr lang="zh-CN" altLang="en-US"/>
+            </a:p>
+          </p:txBody>
+        </p:sp>
+        <p:sp>
+          <p:nvSpPr>
+            <p:cNvPr id="6" name="矩形 5"/>
+            <p:cNvSpPr/>
+            <p:nvPr/>
+          </p:nvSpPr>
+          <p:spPr>
+            <a:xfrm>
+              <a:off x="1" y="0"/>
+              <a:ext cx="9144000" cy="3600450"/>
+            </a:xfrm>
+            <a:prstGeom prst="rect">
+              <a:avLst/>
+            </a:prstGeom>
+            <a:solidFill>
+              <a:srgbClr val="FBC9F0"/>
+            </a:solidFill>
+            <a:ln>
+              <a:noFill/>
+            </a:ln>
+          </p:spPr>
+          <p:style>
+            <a:lnRef idx="2">
+              <a:schemeClr val="accent1">
+                <a:shade val="50000"/>
+              </a:schemeClr>
+            </a:lnRef>
+            <a:fillRef idx="1">
+              <a:schemeClr val="accent1"/>
+            </a:fillRef>
+            <a:effectRef idx="0">
+              <a:schemeClr val="accent1"/>
+            </a:effectRef>
+            <a:fontRef idx="minor">
+              <a:schemeClr val="lt1"/>
+            </a:fontRef>
+          </p:style>
+          <p:txBody>
+            <a:bodyPr rtlCol="0" anchor="ctr"/>
+            <a:lstStyle/>
+            <a:p>
+              <a:pPr algn="ctr"/>
+              <a:endParaRPr lang="zh-CN" altLang="en-US"/>
+            </a:p>
+          </p:txBody>
+        </p:sp>
+      </p:grpSp>
       <p:sp>
         <p:nvSpPr>
           <p:cNvPr id="2" name="Title 1"/>
@@ -3277,13 +4315,11 @@
         </p:nvSpPr>
         <p:spPr/>
         <p:txBody>
-          <a:bodyPr>
-            <a:normAutofit/>
-          </a:bodyPr>
-          <a:lstStyle/>
-          <a:p>
-            <a:r>
-              <a:rPr lang="en-US" dirty="0" smtClean="0"/>
+          <a:bodyPr/>
+          <a:lstStyle/>
+          <a:p>
+            <a:r>
+              <a:rPr lang="en-US" altLang="zh-CN" dirty="0"/>
               <a:t>Static VS Dynamic </a:t>
             </a:r>
             <a:endParaRPr lang="en-US" dirty="0"/>
@@ -3300,105 +4336,300 @@
             <p:ph idx="1"/>
           </p:nvPr>
         </p:nvSpPr>
-        <p:spPr/>
+        <p:spPr>
+          <a:xfrm>
+            <a:off x="495300" y="1973715"/>
+            <a:ext cx="8458200" cy="4525963"/>
+          </a:xfrm>
+        </p:spPr>
         <p:txBody>
           <a:bodyPr/>
           <a:lstStyle/>
           <a:p>
             <a:r>
-              <a:rPr lang="en-US" dirty="0" smtClean="0"/>
+              <a:rPr lang="en-US" altLang="zh-CN" dirty="0"/>
               <a:t>Static</a:t>
             </a:r>
           </a:p>
           <a:p>
             <a:pPr lvl="1"/>
             <a:r>
-              <a:rPr lang="en-US" dirty="0"/>
-              <a:t>every variable </a:t>
-            </a:r>
-            <a:r>
-              <a:rPr lang="en-US" dirty="0" smtClean="0"/>
-              <a:t>is </a:t>
-            </a:r>
-            <a:r>
-              <a:rPr lang="en-US" dirty="0"/>
-              <a:t>bound </a:t>
-            </a:r>
-            <a:r>
-              <a:rPr lang="en-US" dirty="0" smtClean="0"/>
-              <a:t>both type and object</a:t>
+              <a:rPr lang="en-US" altLang="zh-CN" dirty="0"/>
+              <a:t>every variable is bound both type and object</a:t>
             </a:r>
           </a:p>
           <a:p>
             <a:pPr lvl="1"/>
             <a:r>
-              <a:rPr lang="en-US" dirty="0" err="1" smtClean="0"/>
+              <a:rPr lang="en-US" altLang="zh-CN" dirty="0" err="1"/>
               <a:t>Java|C|C</a:t>
             </a:r>
             <a:r>
-              <a:rPr lang="en-US" dirty="0" smtClean="0"/>
+              <a:rPr lang="en-US" altLang="zh-CN" dirty="0"/>
               <a:t>++|C#</a:t>
             </a:r>
           </a:p>
           <a:p>
             <a:r>
-              <a:rPr lang="en-US" dirty="0" smtClean="0"/>
+              <a:rPr lang="en-US" altLang="zh-CN" dirty="0"/>
               <a:t>Dynamic</a:t>
             </a:r>
           </a:p>
           <a:p>
             <a:pPr lvl="1"/>
             <a:r>
-              <a:rPr lang="en-US" dirty="0"/>
-              <a:t>every variable </a:t>
-            </a:r>
-            <a:r>
-              <a:rPr lang="en-US" dirty="0" smtClean="0"/>
-              <a:t>is bound </a:t>
-            </a:r>
-            <a:r>
-              <a:rPr lang="en-US" dirty="0"/>
-              <a:t>only to an </a:t>
-            </a:r>
-            <a:r>
-              <a:rPr lang="en-US" dirty="0" smtClean="0"/>
-              <a:t>object</a:t>
+              <a:rPr lang="en-US" altLang="zh-CN" dirty="0"/>
+              <a:t>every variable is bound only to an object</a:t>
             </a:r>
           </a:p>
           <a:p>
             <a:pPr lvl="1"/>
             <a:r>
-              <a:rPr lang="en-US" dirty="0"/>
-              <a:t>c</a:t>
-            </a:r>
-            <a:r>
-              <a:rPr lang="en-US" dirty="0" smtClean="0"/>
-              <a:t>heck type during run-time</a:t>
+              <a:rPr lang="en-US" altLang="zh-CN" dirty="0"/>
+              <a:t>check type during run-time</a:t>
             </a:r>
           </a:p>
           <a:p>
             <a:pPr lvl="1"/>
             <a:r>
-              <a:rPr lang="en-US" dirty="0" err="1" smtClean="0"/>
+              <a:rPr lang="en-US" altLang="zh-CN" dirty="0" err="1" smtClean="0"/>
               <a:t>Python|JavaScript</a:t>
             </a:r>
-            <a:endParaRPr lang="en-US" dirty="0"/>
-          </a:p>
-          <a:p>
-            <a:endParaRPr lang="en-US" dirty="0"/>
+            <a:endParaRPr lang="en-US" altLang="zh-CN" dirty="0"/>
+          </a:p>
+        </p:txBody>
+      </p:sp>
+      <p:sp>
+        <p:nvSpPr>
+          <p:cNvPr id="7" name="矩形 6"/>
+          <p:cNvSpPr/>
+          <p:nvPr/>
+        </p:nvSpPr>
+        <p:spPr>
+          <a:xfrm>
+            <a:off x="1" y="6126163"/>
+            <a:ext cx="4724398" cy="748145"/>
+          </a:xfrm>
+          <a:prstGeom prst="rect">
+            <a:avLst/>
+          </a:prstGeom>
+          <a:solidFill>
+            <a:srgbClr val="F945EC"/>
+          </a:solidFill>
+          <a:ln>
+            <a:noFill/>
+          </a:ln>
+        </p:spPr>
+        <p:style>
+          <a:lnRef idx="2">
+            <a:schemeClr val="accent1">
+              <a:shade val="50000"/>
+            </a:schemeClr>
+          </a:lnRef>
+          <a:fillRef idx="1">
+            <a:schemeClr val="accent1"/>
+          </a:fillRef>
+          <a:effectRef idx="0">
+            <a:schemeClr val="accent1"/>
+          </a:effectRef>
+          <a:fontRef idx="minor">
+            <a:schemeClr val="lt1"/>
+          </a:fontRef>
+        </p:style>
+        <p:txBody>
+          <a:bodyPr rtlCol="0" anchor="ctr"/>
+          <a:lstStyle/>
+          <a:p>
+            <a:pPr algn="ctr"/>
+            <a:endParaRPr lang="zh-CN" altLang="en-US"/>
+          </a:p>
+        </p:txBody>
+      </p:sp>
+      <p:sp>
+        <p:nvSpPr>
+          <p:cNvPr id="8" name="矩形 7"/>
+          <p:cNvSpPr/>
+          <p:nvPr/>
+        </p:nvSpPr>
+        <p:spPr>
+          <a:xfrm>
+            <a:off x="4724401" y="6125606"/>
+            <a:ext cx="4419600" cy="748145"/>
+          </a:xfrm>
+          <a:prstGeom prst="rect">
+            <a:avLst/>
+          </a:prstGeom>
+          <a:solidFill>
+            <a:srgbClr val="3B87CD"/>
+          </a:solidFill>
+          <a:ln>
+            <a:noFill/>
+          </a:ln>
+        </p:spPr>
+        <p:style>
+          <a:lnRef idx="2">
+            <a:schemeClr val="accent1">
+              <a:shade val="50000"/>
+            </a:schemeClr>
+          </a:lnRef>
+          <a:fillRef idx="1">
+            <a:schemeClr val="accent1"/>
+          </a:fillRef>
+          <a:effectRef idx="0">
+            <a:schemeClr val="accent1"/>
+          </a:effectRef>
+          <a:fontRef idx="minor">
+            <a:schemeClr val="lt1"/>
+          </a:fontRef>
+        </p:style>
+        <p:txBody>
+          <a:bodyPr rtlCol="0" anchor="ctr"/>
+          <a:lstStyle/>
+          <a:p>
+            <a:pPr algn="ctr"/>
+            <a:endParaRPr lang="zh-CN" altLang="en-US"/>
+          </a:p>
+        </p:txBody>
+      </p:sp>
+      <p:sp>
+        <p:nvSpPr>
+          <p:cNvPr id="9" name="文本框 8"/>
+          <p:cNvSpPr txBox="1"/>
+          <p:nvPr/>
+        </p:nvSpPr>
+        <p:spPr>
+          <a:xfrm>
+            <a:off x="3810000" y="6048299"/>
+            <a:ext cx="3803072" cy="646331"/>
+          </a:xfrm>
+          <a:prstGeom prst="rect">
+            <a:avLst/>
+          </a:prstGeom>
+          <a:noFill/>
+        </p:spPr>
+        <p:txBody>
+          <a:bodyPr wrap="square" rtlCol="0">
+            <a:spAutoFit/>
+          </a:bodyPr>
+          <a:lstStyle/>
+          <a:p>
+            <a:r>
+              <a:rPr lang="en-US" altLang="zh-CN" sz="3600" dirty="0" smtClean="0">
+                <a:latin typeface="Bauhaus 93" panose="04030905020B02020C02" pitchFamily="82" charset="0"/>
+              </a:rPr>
+              <a:t>Python</a:t>
+            </a:r>
+            <a:endParaRPr lang="zh-CN" altLang="en-US" sz="3600" dirty="0">
+              <a:latin typeface="Bauhaus 93" panose="04030905020B02020C02" pitchFamily="82" charset="0"/>
+            </a:endParaRPr>
+          </a:p>
+        </p:txBody>
+      </p:sp>
+      <p:sp>
+        <p:nvSpPr>
+          <p:cNvPr id="10" name="文本框 9"/>
+          <p:cNvSpPr txBox="1"/>
+          <p:nvPr/>
+        </p:nvSpPr>
+        <p:spPr>
+          <a:xfrm>
+            <a:off x="0" y="6088283"/>
+            <a:ext cx="2078182" cy="523220"/>
+          </a:xfrm>
+          <a:prstGeom prst="rect">
+            <a:avLst/>
+          </a:prstGeom>
+          <a:noFill/>
+        </p:spPr>
+        <p:txBody>
+          <a:bodyPr wrap="square" rtlCol="0">
+            <a:spAutoFit/>
+          </a:bodyPr>
+          <a:lstStyle/>
+          <a:p>
+            <a:r>
+              <a:rPr lang="en-US" altLang="zh-CN" sz="2800" dirty="0">
+                <a:solidFill>
+                  <a:schemeClr val="tx1">
+                    <a:lumMod val="65000"/>
+                    <a:lumOff val="35000"/>
+                  </a:schemeClr>
+                </a:solidFill>
+              </a:rPr>
+              <a:t>2</a:t>
+            </a:r>
+            <a:endParaRPr lang="zh-CN" altLang="en-US" sz="2800" dirty="0">
+              <a:solidFill>
+                <a:schemeClr val="tx1">
+                  <a:lumMod val="65000"/>
+                  <a:lumOff val="35000"/>
+                </a:schemeClr>
+              </a:solidFill>
+            </a:endParaRPr>
+          </a:p>
+        </p:txBody>
+      </p:sp>
+      <p:sp>
+        <p:nvSpPr>
+          <p:cNvPr id="11" name="文本框 10"/>
+          <p:cNvSpPr txBox="1"/>
+          <p:nvPr/>
+        </p:nvSpPr>
+        <p:spPr>
+          <a:xfrm>
+            <a:off x="8132619" y="6133091"/>
+            <a:ext cx="2078182" cy="523220"/>
+          </a:xfrm>
+          <a:prstGeom prst="rect">
+            <a:avLst/>
+          </a:prstGeom>
+          <a:noFill/>
+        </p:spPr>
+        <p:txBody>
+          <a:bodyPr wrap="square" rtlCol="0">
+            <a:spAutoFit/>
+          </a:bodyPr>
+          <a:lstStyle/>
+          <a:p>
+            <a:r>
+              <a:rPr lang="en-US" altLang="zh-CN" sz="2800" dirty="0" smtClean="0">
+                <a:solidFill>
+                  <a:schemeClr val="tx1">
+                    <a:lumMod val="65000"/>
+                    <a:lumOff val="35000"/>
+                  </a:schemeClr>
+                </a:solidFill>
+              </a:rPr>
+              <a:t>CSTC</a:t>
+            </a:r>
+            <a:endParaRPr lang="zh-CN" altLang="en-US" sz="2800" dirty="0">
+              <a:solidFill>
+                <a:schemeClr val="tx1">
+                  <a:lumMod val="65000"/>
+                  <a:lumOff val="35000"/>
+                </a:schemeClr>
+              </a:solidFill>
+            </a:endParaRPr>
           </a:p>
         </p:txBody>
       </p:sp>
     </p:spTree>
     <p:extLst>
       <p:ext uri="{BB962C8B-B14F-4D97-AF65-F5344CB8AC3E}">
-        <p14:creationId xmlns:p14="http://schemas.microsoft.com/office/powerpoint/2010/main" val="2458038376"/>
+        <p14:creationId xmlns:p14="http://schemas.microsoft.com/office/powerpoint/2010/main" val="1568597106"/>
       </p:ext>
     </p:extLst>
   </p:cSld>
   <p:clrMapOvr>
     <a:masterClrMapping/>
   </p:clrMapOvr>
+  <p:timing>
+    <p:tnLst>
+      <p:par>
+        <p:cTn id="1" dur="indefinite" restart="never" nodeType="tmRoot"/>
+      </p:par>
+    </p:tnLst>
+  </p:timing>
 </p:sld>
 </file>
 
@@ -3419,6 +4650,115 @@
           <a:chExt cx="0" cy="0"/>
         </a:xfrm>
       </p:grpSpPr>
+      <p:grpSp>
+        <p:nvGrpSpPr>
+          <p:cNvPr id="4" name="组合 3"/>
+          <p:cNvGrpSpPr/>
+          <p:nvPr/>
+        </p:nvGrpSpPr>
+        <p:grpSpPr>
+          <a:xfrm>
+            <a:off x="1" y="0"/>
+            <a:ext cx="9144000" cy="6858000"/>
+            <a:chOff x="1" y="0"/>
+            <a:chExt cx="9144000" cy="6858000"/>
+          </a:xfrm>
+        </p:grpSpPr>
+        <p:sp>
+          <p:nvSpPr>
+            <p:cNvPr id="5" name="矩形 4"/>
+            <p:cNvSpPr/>
+            <p:nvPr/>
+          </p:nvSpPr>
+          <p:spPr>
+            <a:xfrm>
+              <a:off x="1" y="3124200"/>
+              <a:ext cx="9144000" cy="3733800"/>
+            </a:xfrm>
+            <a:prstGeom prst="rect">
+              <a:avLst/>
+            </a:prstGeom>
+            <a:solidFill>
+              <a:srgbClr val="BBDFBB"/>
+            </a:solidFill>
+            <a:ln>
+              <a:solidFill>
+                <a:srgbClr val="BBDFBB"/>
+              </a:solidFill>
+            </a:ln>
+          </p:spPr>
+          <p:style>
+            <a:lnRef idx="2">
+              <a:schemeClr val="accent1">
+                <a:shade val="50000"/>
+              </a:schemeClr>
+            </a:lnRef>
+            <a:fillRef idx="1">
+              <a:schemeClr val="accent1"/>
+            </a:fillRef>
+            <a:effectRef idx="0">
+              <a:schemeClr val="accent1"/>
+            </a:effectRef>
+            <a:fontRef idx="minor">
+              <a:schemeClr val="lt1"/>
+            </a:fontRef>
+          </p:style>
+          <p:txBody>
+            <a:bodyPr rtlCol="0" anchor="ctr"/>
+            <a:lstStyle/>
+            <a:p>
+              <a:pPr algn="ctr"/>
+              <a:endParaRPr lang="zh-CN" altLang="en-US"/>
+            </a:p>
+          </p:txBody>
+        </p:sp>
+        <p:sp>
+          <p:nvSpPr>
+            <p:cNvPr id="6" name="矩形 5"/>
+            <p:cNvSpPr/>
+            <p:nvPr/>
+          </p:nvSpPr>
+          <p:spPr>
+            <a:xfrm>
+              <a:off x="1" y="0"/>
+              <a:ext cx="9144000" cy="3600450"/>
+            </a:xfrm>
+            <a:prstGeom prst="rect">
+              <a:avLst/>
+            </a:prstGeom>
+            <a:solidFill>
+              <a:srgbClr val="FBC9F0"/>
+            </a:solidFill>
+            <a:ln>
+              <a:noFill/>
+            </a:ln>
+          </p:spPr>
+          <p:style>
+            <a:lnRef idx="2">
+              <a:schemeClr val="accent1">
+                <a:shade val="50000"/>
+              </a:schemeClr>
+            </a:lnRef>
+            <a:fillRef idx="1">
+              <a:schemeClr val="accent1"/>
+            </a:fillRef>
+            <a:effectRef idx="0">
+              <a:schemeClr val="accent1"/>
+            </a:effectRef>
+            <a:fontRef idx="minor">
+              <a:schemeClr val="lt1"/>
+            </a:fontRef>
+          </p:style>
+          <p:txBody>
+            <a:bodyPr rtlCol="0" anchor="ctr"/>
+            <a:lstStyle/>
+            <a:p>
+              <a:pPr algn="ctr"/>
+              <a:endParaRPr lang="zh-CN" altLang="en-US"/>
+            </a:p>
+          </p:txBody>
+        </p:sp>
+      </p:grpSp>
       <p:sp>
         <p:nvSpPr>
           <p:cNvPr id="2" name="Title 1"/>
@@ -3431,18 +4771,12 @@
         </p:nvSpPr>
         <p:spPr/>
         <p:txBody>
-          <a:bodyPr>
-            <a:normAutofit/>
-          </a:bodyPr>
-          <a:lstStyle/>
-          <a:p>
-            <a:r>
-              <a:rPr lang="en-US" dirty="0"/>
-              <a:t>Compiled </a:t>
-            </a:r>
-            <a:r>
-              <a:rPr lang="en-US" dirty="0"/>
-              <a:t>VS  Interpreted</a:t>
+          <a:bodyPr/>
+          <a:lstStyle/>
+          <a:p>
+            <a:r>
+              <a:rPr lang="en-US" altLang="zh-CN" dirty="0"/>
+              <a:t>Compiled VS  Interpreted</a:t>
             </a:r>
             <a:endParaRPr lang="en-US" dirty="0"/>
           </a:p>
@@ -3458,129 +4792,332 @@
             <p:ph idx="1"/>
           </p:nvPr>
         </p:nvSpPr>
-        <p:spPr/>
-        <p:txBody>
-          <a:bodyPr>
-            <a:normAutofit fontScale="92500" lnSpcReduction="10000"/>
+        <p:spPr>
+          <a:xfrm>
+            <a:off x="492579" y="1620756"/>
+            <a:ext cx="8458200" cy="4525963"/>
+          </a:xfrm>
+        </p:spPr>
+        <p:txBody>
+          <a:bodyPr/>
+          <a:lstStyle/>
+          <a:p>
+            <a:r>
+              <a:rPr lang="en-US" altLang="zh-CN" sz="2800" dirty="0"/>
+              <a:t>Compiled Languages</a:t>
+            </a:r>
+          </a:p>
+          <a:p>
+            <a:pPr lvl="1"/>
+            <a:r>
+              <a:rPr lang="en-US" altLang="zh-CN" dirty="0"/>
+              <a:t>converts human-readable code into computer-readable instructions </a:t>
+            </a:r>
+          </a:p>
+          <a:p>
+            <a:pPr lvl="1"/>
+            <a:r>
+              <a:rPr lang="en-US" altLang="zh-CN" dirty="0"/>
+              <a:t>C|C++|Scala</a:t>
+            </a:r>
+          </a:p>
+          <a:p>
+            <a:r>
+              <a:rPr lang="en-US" altLang="zh-CN" sz="2800" dirty="0"/>
+              <a:t>Interpreted Languages</a:t>
+            </a:r>
+          </a:p>
+          <a:p>
+            <a:pPr lvl="1"/>
+            <a:r>
+              <a:rPr lang="en-US" altLang="zh-CN" dirty="0"/>
+              <a:t>converts human-readable code into machine code</a:t>
+            </a:r>
+          </a:p>
+          <a:p>
+            <a:pPr lvl="1"/>
+            <a:r>
+              <a:rPr lang="en-US" altLang="zh-CN" dirty="0">
+                <a:solidFill>
+                  <a:srgbClr val="FF0000"/>
+                </a:solidFill>
+              </a:rPr>
+              <a:t>Java(compile then interpret)</a:t>
+            </a:r>
+            <a:r>
+              <a:rPr lang="en-US" altLang="zh-CN" dirty="0"/>
+              <a:t>|</a:t>
+            </a:r>
+            <a:r>
+              <a:rPr lang="en-US" altLang="zh-CN" dirty="0" err="1"/>
+              <a:t>python|javascript</a:t>
+            </a:r>
+            <a:endParaRPr lang="en-US" altLang="zh-CN" dirty="0"/>
+          </a:p>
+          <a:p>
+            <a:pPr marL="342900" lvl="1" indent="-342900">
+              <a:buFont typeface="Arial" pitchFamily="34" charset="0"/>
+              <a:buChar char="•"/>
+            </a:pPr>
+            <a:r>
+              <a:rPr lang="en-US" altLang="zh-CN" dirty="0"/>
+              <a:t>Just in Time (JIT) Compilers:</a:t>
+            </a:r>
+            <a:r>
+              <a:rPr lang="en-US" altLang="zh-CN" dirty="0">
+                <a:solidFill>
+                  <a:srgbClr val="FF0000"/>
+                </a:solidFill>
+              </a:rPr>
+              <a:t> C</a:t>
+            </a:r>
+            <a:r>
+              <a:rPr lang="en-US" altLang="zh-CN" dirty="0" smtClean="0">
+                <a:solidFill>
+                  <a:srgbClr val="FF0000"/>
+                </a:solidFill>
+              </a:rPr>
+              <a:t>#</a:t>
+            </a:r>
+            <a:endParaRPr lang="en-US" altLang="zh-CN" dirty="0">
+              <a:solidFill>
+                <a:srgbClr val="FF0000"/>
+              </a:solidFill>
+            </a:endParaRPr>
+          </a:p>
+        </p:txBody>
+      </p:sp>
+      <p:sp>
+        <p:nvSpPr>
+          <p:cNvPr id="7" name="矩形 6"/>
+          <p:cNvSpPr/>
+          <p:nvPr/>
+        </p:nvSpPr>
+        <p:spPr>
+          <a:xfrm>
+            <a:off x="1" y="6126163"/>
+            <a:ext cx="4724398" cy="748145"/>
+          </a:xfrm>
+          <a:prstGeom prst="rect">
+            <a:avLst/>
+          </a:prstGeom>
+          <a:solidFill>
+            <a:srgbClr val="F945EC"/>
+          </a:solidFill>
+          <a:ln>
+            <a:noFill/>
+          </a:ln>
+        </p:spPr>
+        <p:style>
+          <a:lnRef idx="2">
+            <a:schemeClr val="accent1">
+              <a:shade val="50000"/>
+            </a:schemeClr>
+          </a:lnRef>
+          <a:fillRef idx="1">
+            <a:schemeClr val="accent1"/>
+          </a:fillRef>
+          <a:effectRef idx="0">
+            <a:schemeClr val="accent1"/>
+          </a:effectRef>
+          <a:fontRef idx="minor">
+            <a:schemeClr val="lt1"/>
+          </a:fontRef>
+        </p:style>
+        <p:txBody>
+          <a:bodyPr rtlCol="0" anchor="ctr"/>
+          <a:lstStyle/>
+          <a:p>
+            <a:pPr algn="ctr"/>
+            <a:endParaRPr lang="zh-CN" altLang="en-US"/>
+          </a:p>
+        </p:txBody>
+      </p:sp>
+      <p:sp>
+        <p:nvSpPr>
+          <p:cNvPr id="8" name="矩形 7"/>
+          <p:cNvSpPr/>
+          <p:nvPr/>
+        </p:nvSpPr>
+        <p:spPr>
+          <a:xfrm>
+            <a:off x="4724401" y="6125606"/>
+            <a:ext cx="4419600" cy="748145"/>
+          </a:xfrm>
+          <a:prstGeom prst="rect">
+            <a:avLst/>
+          </a:prstGeom>
+          <a:solidFill>
+            <a:srgbClr val="3B87CD"/>
+          </a:solidFill>
+          <a:ln>
+            <a:noFill/>
+          </a:ln>
+        </p:spPr>
+        <p:style>
+          <a:lnRef idx="2">
+            <a:schemeClr val="accent1">
+              <a:shade val="50000"/>
+            </a:schemeClr>
+          </a:lnRef>
+          <a:fillRef idx="1">
+            <a:schemeClr val="accent1"/>
+          </a:fillRef>
+          <a:effectRef idx="0">
+            <a:schemeClr val="accent1"/>
+          </a:effectRef>
+          <a:fontRef idx="minor">
+            <a:schemeClr val="lt1"/>
+          </a:fontRef>
+        </p:style>
+        <p:txBody>
+          <a:bodyPr rtlCol="0" anchor="ctr"/>
+          <a:lstStyle/>
+          <a:p>
+            <a:pPr algn="ctr"/>
+            <a:endParaRPr lang="zh-CN" altLang="en-US"/>
+          </a:p>
+        </p:txBody>
+      </p:sp>
+      <p:sp>
+        <p:nvSpPr>
+          <p:cNvPr id="9" name="文本框 8"/>
+          <p:cNvSpPr txBox="1"/>
+          <p:nvPr/>
+        </p:nvSpPr>
+        <p:spPr>
+          <a:xfrm>
+            <a:off x="3810000" y="6048299"/>
+            <a:ext cx="3803072" cy="646331"/>
+          </a:xfrm>
+          <a:prstGeom prst="rect">
+            <a:avLst/>
+          </a:prstGeom>
+          <a:noFill/>
+        </p:spPr>
+        <p:txBody>
+          <a:bodyPr wrap="square" rtlCol="0">
+            <a:spAutoFit/>
           </a:bodyPr>
           <a:lstStyle/>
           <a:p>
             <a:r>
-              <a:rPr lang="en-US" sz="2800" dirty="0"/>
-              <a:t>Compiled </a:t>
-            </a:r>
-            <a:r>
-              <a:rPr lang="en-US" sz="2800" dirty="0" smtClean="0"/>
-              <a:t>Languages</a:t>
-            </a:r>
-          </a:p>
-          <a:p>
-            <a:pPr lvl="1"/>
-            <a:r>
-              <a:rPr lang="en-US" dirty="0" smtClean="0"/>
-              <a:t>converts </a:t>
-            </a:r>
-            <a:r>
-              <a:rPr lang="en-US" dirty="0"/>
-              <a:t>human-readable code into computer-readable </a:t>
-            </a:r>
-            <a:r>
-              <a:rPr lang="en-US" dirty="0"/>
-              <a:t>instructions before </a:t>
-            </a:r>
-            <a:r>
-              <a:rPr lang="en-US" dirty="0" smtClean="0"/>
-              <a:t>executing</a:t>
-            </a:r>
-            <a:endParaRPr lang="en-US" dirty="0"/>
-          </a:p>
-          <a:p>
-            <a:pPr lvl="1"/>
-            <a:r>
-              <a:rPr lang="en-US" dirty="0" smtClean="0"/>
-              <a:t>C|C++|Scala</a:t>
-            </a:r>
-          </a:p>
-          <a:p>
-            <a:pPr lvl="1"/>
-            <a:r>
-              <a:rPr lang="en-US" dirty="0"/>
-              <a:t>Just in Time (JIT) </a:t>
-            </a:r>
-            <a:r>
-              <a:rPr lang="en-US" dirty="0" smtClean="0"/>
-              <a:t>Compilers: C#</a:t>
-            </a:r>
-            <a:endParaRPr lang="en-US" dirty="0"/>
-          </a:p>
-          <a:p>
-            <a:r>
-              <a:rPr lang="en-US" sz="2800" dirty="0"/>
-              <a:t>Interpreted </a:t>
-            </a:r>
-            <a:r>
-              <a:rPr lang="en-US" sz="2800" dirty="0" smtClean="0"/>
-              <a:t>Languages</a:t>
-            </a:r>
-          </a:p>
-          <a:p>
-            <a:pPr lvl="1"/>
-            <a:r>
-              <a:rPr lang="en-US" dirty="0"/>
-              <a:t>converts </a:t>
-            </a:r>
-            <a:r>
-              <a:rPr lang="en-US" dirty="0"/>
-              <a:t>human-readable </a:t>
-            </a:r>
-            <a:r>
-              <a:rPr lang="en-US" dirty="0" smtClean="0"/>
-              <a:t>code into </a:t>
-            </a:r>
-            <a:r>
-              <a:rPr lang="en-US" dirty="0"/>
-              <a:t>machine </a:t>
-            </a:r>
-            <a:r>
-              <a:rPr lang="en-US" dirty="0"/>
-              <a:t>code</a:t>
-            </a:r>
-          </a:p>
-          <a:p>
-            <a:pPr lvl="1"/>
-            <a:r>
-              <a:rPr lang="en-US" dirty="0" err="1" smtClean="0"/>
-              <a:t>java|python|javascript</a:t>
-            </a:r>
-            <a:endParaRPr lang="en-US" dirty="0" smtClean="0"/>
-          </a:p>
-          <a:p>
-            <a:pPr lvl="1"/>
-            <a:r>
-              <a:rPr lang="en-US" dirty="0" smtClean="0"/>
-              <a:t>Script languages are texts can be interpreted before </a:t>
-            </a:r>
-            <a:r>
-              <a:rPr lang="en-US" dirty="0" err="1" smtClean="0"/>
-              <a:t>exectuting</a:t>
-            </a:r>
-            <a:endParaRPr lang="en-US" dirty="0"/>
-          </a:p>
-          <a:p>
-            <a:endParaRPr lang="en-US" sz="2800" dirty="0"/>
+              <a:rPr lang="en-US" altLang="zh-CN" sz="3600" dirty="0" smtClean="0">
+                <a:latin typeface="Bauhaus 93" panose="04030905020B02020C02" pitchFamily="82" charset="0"/>
+              </a:rPr>
+              <a:t>Python</a:t>
+            </a:r>
+            <a:endParaRPr lang="zh-CN" altLang="en-US" sz="3600" dirty="0">
+              <a:latin typeface="Bauhaus 93" panose="04030905020B02020C02" pitchFamily="82" charset="0"/>
+            </a:endParaRPr>
+          </a:p>
+        </p:txBody>
+      </p:sp>
+      <p:sp>
+        <p:nvSpPr>
+          <p:cNvPr id="10" name="文本框 9"/>
+          <p:cNvSpPr txBox="1"/>
+          <p:nvPr/>
+        </p:nvSpPr>
+        <p:spPr>
+          <a:xfrm>
+            <a:off x="0" y="6088283"/>
+            <a:ext cx="2078182" cy="523220"/>
+          </a:xfrm>
+          <a:prstGeom prst="rect">
+            <a:avLst/>
+          </a:prstGeom>
+          <a:noFill/>
+        </p:spPr>
+        <p:txBody>
+          <a:bodyPr wrap="square" rtlCol="0">
+            <a:spAutoFit/>
+          </a:bodyPr>
+          <a:lstStyle/>
+          <a:p>
+            <a:r>
+              <a:rPr lang="en-US" altLang="zh-CN" sz="2800" dirty="0" smtClean="0">
+                <a:solidFill>
+                  <a:schemeClr val="tx1">
+                    <a:lumMod val="65000"/>
+                    <a:lumOff val="35000"/>
+                  </a:schemeClr>
+                </a:solidFill>
+              </a:rPr>
+              <a:t>3</a:t>
+            </a:r>
+            <a:endParaRPr lang="zh-CN" altLang="en-US" sz="2800" dirty="0">
+              <a:solidFill>
+                <a:schemeClr val="tx1">
+                  <a:lumMod val="65000"/>
+                  <a:lumOff val="35000"/>
+                </a:schemeClr>
+              </a:solidFill>
+            </a:endParaRPr>
+          </a:p>
+        </p:txBody>
+      </p:sp>
+      <p:sp>
+        <p:nvSpPr>
+          <p:cNvPr id="11" name="文本框 10"/>
+          <p:cNvSpPr txBox="1"/>
+          <p:nvPr/>
+        </p:nvSpPr>
+        <p:spPr>
+          <a:xfrm>
+            <a:off x="8132619" y="6133091"/>
+            <a:ext cx="2078182" cy="523220"/>
+          </a:xfrm>
+          <a:prstGeom prst="rect">
+            <a:avLst/>
+          </a:prstGeom>
+          <a:noFill/>
+        </p:spPr>
+        <p:txBody>
+          <a:bodyPr wrap="square" rtlCol="0">
+            <a:spAutoFit/>
+          </a:bodyPr>
+          <a:lstStyle/>
+          <a:p>
+            <a:r>
+              <a:rPr lang="en-US" altLang="zh-CN" sz="2800" dirty="0" smtClean="0">
+                <a:solidFill>
+                  <a:schemeClr val="tx1">
+                    <a:lumMod val="65000"/>
+                    <a:lumOff val="35000"/>
+                  </a:schemeClr>
+                </a:solidFill>
+              </a:rPr>
+              <a:t>CSTC</a:t>
+            </a:r>
+            <a:endParaRPr lang="zh-CN" altLang="en-US" sz="2800" dirty="0">
+              <a:solidFill>
+                <a:schemeClr val="tx1">
+                  <a:lumMod val="65000"/>
+                  <a:lumOff val="35000"/>
+                </a:schemeClr>
+              </a:solidFill>
+            </a:endParaRPr>
           </a:p>
         </p:txBody>
       </p:sp>
     </p:spTree>
     <p:extLst>
       <p:ext uri="{BB962C8B-B14F-4D97-AF65-F5344CB8AC3E}">
-        <p14:creationId xmlns:p14="http://schemas.microsoft.com/office/powerpoint/2010/main" val="1864132384"/>
+        <p14:creationId xmlns:p14="http://schemas.microsoft.com/office/powerpoint/2010/main" val="176693975"/>
       </p:ext>
     </p:extLst>
   </p:cSld>
   <p:clrMapOvr>
     <a:masterClrMapping/>
   </p:clrMapOvr>
+  <p:timing>
+    <p:tnLst>
+      <p:par>
+        <p:cTn id="1" dur="indefinite" restart="never" nodeType="tmRoot"/>
+      </p:par>
+    </p:tnLst>
+  </p:timing>
 </p:sld>
 </file>
 
@@ -3601,6 +5138,115 @@
           <a:chExt cx="0" cy="0"/>
         </a:xfrm>
       </p:grpSpPr>
+      <p:grpSp>
+        <p:nvGrpSpPr>
+          <p:cNvPr id="4" name="组合 3"/>
+          <p:cNvGrpSpPr/>
+          <p:nvPr/>
+        </p:nvGrpSpPr>
+        <p:grpSpPr>
+          <a:xfrm>
+            <a:off x="1" y="0"/>
+            <a:ext cx="9144000" cy="6858000"/>
+            <a:chOff x="1" y="0"/>
+            <a:chExt cx="9144000" cy="6858000"/>
+          </a:xfrm>
+        </p:grpSpPr>
+        <p:sp>
+          <p:nvSpPr>
+            <p:cNvPr id="5" name="矩形 4"/>
+            <p:cNvSpPr/>
+            <p:nvPr/>
+          </p:nvSpPr>
+          <p:spPr>
+            <a:xfrm>
+              <a:off x="1" y="3124200"/>
+              <a:ext cx="9144000" cy="3733800"/>
+            </a:xfrm>
+            <a:prstGeom prst="rect">
+              <a:avLst/>
+            </a:prstGeom>
+            <a:solidFill>
+              <a:srgbClr val="BBDFBB"/>
+            </a:solidFill>
+            <a:ln>
+              <a:solidFill>
+                <a:srgbClr val="BBDFBB"/>
+              </a:solidFill>
+            </a:ln>
+          </p:spPr>
+          <p:style>
+            <a:lnRef idx="2">
+              <a:schemeClr val="accent1">
+                <a:shade val="50000"/>
+              </a:schemeClr>
+            </a:lnRef>
+            <a:fillRef idx="1">
+              <a:schemeClr val="accent1"/>
+            </a:fillRef>
+            <a:effectRef idx="0">
+              <a:schemeClr val="accent1"/>
+            </a:effectRef>
+            <a:fontRef idx="minor">
+              <a:schemeClr val="lt1"/>
+            </a:fontRef>
+          </p:style>
+          <p:txBody>
+            <a:bodyPr rtlCol="0" anchor="ctr"/>
+            <a:lstStyle/>
+            <a:p>
+              <a:pPr algn="ctr"/>
+              <a:endParaRPr lang="zh-CN" altLang="en-US"/>
+            </a:p>
+          </p:txBody>
+        </p:sp>
+        <p:sp>
+          <p:nvSpPr>
+            <p:cNvPr id="6" name="矩形 5"/>
+            <p:cNvSpPr/>
+            <p:nvPr/>
+          </p:nvSpPr>
+          <p:spPr>
+            <a:xfrm>
+              <a:off x="1" y="0"/>
+              <a:ext cx="9144000" cy="3600450"/>
+            </a:xfrm>
+            <a:prstGeom prst="rect">
+              <a:avLst/>
+            </a:prstGeom>
+            <a:solidFill>
+              <a:srgbClr val="FBC9F0"/>
+            </a:solidFill>
+            <a:ln>
+              <a:noFill/>
+            </a:ln>
+          </p:spPr>
+          <p:style>
+            <a:lnRef idx="2">
+              <a:schemeClr val="accent1">
+                <a:shade val="50000"/>
+              </a:schemeClr>
+            </a:lnRef>
+            <a:fillRef idx="1">
+              <a:schemeClr val="accent1"/>
+            </a:fillRef>
+            <a:effectRef idx="0">
+              <a:schemeClr val="accent1"/>
+            </a:effectRef>
+            <a:fontRef idx="minor">
+              <a:schemeClr val="lt1"/>
+            </a:fontRef>
+          </p:style>
+          <p:txBody>
+            <a:bodyPr rtlCol="0" anchor="ctr"/>
+            <a:lstStyle/>
+            <a:p>
+              <a:pPr algn="ctr"/>
+              <a:endParaRPr lang="zh-CN" altLang="en-US"/>
+            </a:p>
+          </p:txBody>
+        </p:sp>
+      </p:grpSp>
       <p:sp>
         <p:nvSpPr>
           <p:cNvPr id="2" name="Title 1"/>
@@ -3613,18 +5259,12 @@
         </p:nvSpPr>
         <p:spPr/>
         <p:txBody>
-          <a:bodyPr>
-            <a:normAutofit/>
-          </a:bodyPr>
-          <a:lstStyle/>
-          <a:p>
-            <a:r>
-              <a:rPr lang="en-US" dirty="0"/>
-              <a:t>R</a:t>
-            </a:r>
-            <a:r>
-              <a:rPr lang="en-US" dirty="0"/>
-              <a:t>un python</a:t>
+          <a:bodyPr/>
+          <a:lstStyle/>
+          <a:p>
+            <a:r>
+              <a:rPr lang="en-US" altLang="zh-CN" dirty="0"/>
+              <a:t>Run python</a:t>
             </a:r>
             <a:endParaRPr lang="en-US" dirty="0"/>
           </a:p>
@@ -3640,48 +5280,49 @@
             <p:ph idx="1"/>
           </p:nvPr>
         </p:nvSpPr>
-        <p:spPr/>
+        <p:spPr>
+          <a:xfrm>
+            <a:off x="492579" y="1620756"/>
+            <a:ext cx="8458200" cy="4525963"/>
+          </a:xfrm>
+        </p:spPr>
         <p:txBody>
           <a:bodyPr/>
           <a:lstStyle/>
           <a:p>
             <a:r>
-              <a:rPr lang="en-US" dirty="0"/>
-              <a:t>Interactive </a:t>
-            </a:r>
-            <a:r>
-              <a:rPr lang="en-US" dirty="0" smtClean="0"/>
-              <a:t>interpreter</a:t>
+              <a:rPr lang="en-US" altLang="zh-CN" dirty="0"/>
+              <a:t>Interactive interpreter</a:t>
             </a:r>
           </a:p>
           <a:p>
             <a:pPr lvl="1"/>
             <a:r>
-              <a:rPr lang="en-US" dirty="0" err="1" smtClean="0"/>
+              <a:rPr lang="en-US" altLang="zh-CN" dirty="0" err="1"/>
               <a:t>CPython</a:t>
             </a:r>
             <a:r>
-              <a:rPr lang="en-US" dirty="0" smtClean="0"/>
+              <a:rPr lang="en-US" altLang="zh-CN" dirty="0"/>
               <a:t>, </a:t>
             </a:r>
             <a:r>
-              <a:rPr lang="en-US" dirty="0" err="1" smtClean="0"/>
+              <a:rPr lang="en-US" altLang="zh-CN" dirty="0" err="1"/>
               <a:t>IPython</a:t>
             </a:r>
             <a:r>
-              <a:rPr lang="en-US" dirty="0" smtClean="0"/>
+              <a:rPr lang="en-US" altLang="zh-CN" dirty="0"/>
               <a:t>, </a:t>
             </a:r>
             <a:r>
-              <a:rPr lang="en-US" dirty="0" err="1" smtClean="0"/>
+              <a:rPr lang="en-US" altLang="zh-CN" dirty="0" err="1"/>
               <a:t>Pypy</a:t>
             </a:r>
             <a:r>
-              <a:rPr lang="en-US" dirty="0" smtClean="0"/>
+              <a:rPr lang="en-US" altLang="zh-CN" dirty="0"/>
               <a:t>, </a:t>
             </a:r>
             <a:r>
-              <a:rPr lang="en-US" dirty="0" err="1" smtClean="0">
+              <a:rPr lang="en-US" altLang="zh-CN" dirty="0" err="1">
                 <a:solidFill>
                   <a:srgbClr val="FF0000"/>
                 </a:solidFill>
@@ -3689,7 +5330,7 @@
               <a:t>Jython</a:t>
             </a:r>
             <a:r>
-              <a:rPr lang="en-US" dirty="0" smtClean="0">
+              <a:rPr lang="en-US" altLang="zh-CN" dirty="0">
                 <a:solidFill>
                   <a:srgbClr val="FF0000"/>
                 </a:solidFill>
@@ -3697,98 +5338,307 @@
               <a:t>(java)</a:t>
             </a:r>
             <a:r>
-              <a:rPr lang="en-US" dirty="0" smtClean="0"/>
+              <a:rPr lang="en-US" altLang="zh-CN" dirty="0"/>
               <a:t>, </a:t>
             </a:r>
             <a:r>
-              <a:rPr lang="en-US" dirty="0" err="1" smtClean="0"/>
+              <a:rPr lang="en-US" altLang="zh-CN" dirty="0" err="1"/>
               <a:t>IronPython</a:t>
             </a:r>
             <a:r>
-              <a:rPr lang="en-US" dirty="0" smtClean="0"/>
+              <a:rPr lang="en-US" altLang="zh-CN" dirty="0"/>
               <a:t>(</a:t>
             </a:r>
             <a:r>
-              <a:rPr lang="en-US" dirty="0" err="1" smtClean="0"/>
+              <a:rPr lang="en-US" altLang="zh-CN" dirty="0" err="1"/>
               <a:t>.Net</a:t>
             </a:r>
             <a:r>
-              <a:rPr lang="en-US" dirty="0" smtClean="0"/>
+              <a:rPr lang="en-US" altLang="zh-CN" dirty="0"/>
               <a:t>)</a:t>
             </a:r>
-            <a:endParaRPr lang="en-US" dirty="0"/>
-          </a:p>
-          <a:p>
-            <a:r>
-              <a:rPr lang="en-US" dirty="0"/>
-              <a:t>Command line run python </a:t>
-            </a:r>
-            <a:r>
-              <a:rPr lang="en-US" dirty="0" smtClean="0"/>
-              <a:t>script</a:t>
+          </a:p>
+          <a:p>
+            <a:r>
+              <a:rPr lang="en-US" altLang="zh-CN" dirty="0"/>
+              <a:t>Command line run python script</a:t>
             </a:r>
           </a:p>
           <a:p>
             <a:pPr lvl="1"/>
             <a:r>
-              <a:rPr lang="en-US" dirty="0"/>
-              <a:t>p</a:t>
-            </a:r>
-            <a:r>
-              <a:rPr lang="en-US" dirty="0" smtClean="0"/>
-              <a:t>ython script.py</a:t>
-            </a:r>
-            <a:endParaRPr lang="en-US" dirty="0"/>
-          </a:p>
-          <a:p>
-            <a:r>
-              <a:rPr lang="en-US" dirty="0"/>
-              <a:t>IDE</a:t>
-            </a:r>
-            <a:r>
-              <a:rPr lang="en-US" dirty="0" smtClean="0"/>
-              <a:t>: Integrated </a:t>
-            </a:r>
-            <a:r>
-              <a:rPr lang="en-US" dirty="0"/>
-              <a:t>Development </a:t>
-            </a:r>
-            <a:r>
-              <a:rPr lang="en-US" dirty="0" smtClean="0"/>
-              <a:t>Environment</a:t>
+              <a:rPr lang="en-US" altLang="zh-CN" dirty="0"/>
+              <a:t>python script.py</a:t>
+            </a:r>
+          </a:p>
+          <a:p>
+            <a:r>
+              <a:rPr lang="en-US" altLang="zh-CN" dirty="0"/>
+              <a:t>IDE: Integrated Development Environment</a:t>
             </a:r>
           </a:p>
           <a:p>
             <a:pPr lvl="1"/>
             <a:r>
-              <a:rPr lang="en-US" dirty="0" err="1" smtClean="0"/>
+              <a:rPr lang="en-US" altLang="zh-CN" dirty="0" err="1"/>
               <a:t>Eclipse+Pydev</a:t>
             </a:r>
             <a:r>
-              <a:rPr lang="en-US" dirty="0" smtClean="0"/>
+              <a:rPr lang="en-US" altLang="zh-CN" dirty="0"/>
               <a:t>, </a:t>
             </a:r>
             <a:r>
-              <a:rPr lang="en-US" dirty="0" err="1" smtClean="0"/>
+              <a:rPr lang="en-US" altLang="zh-CN" dirty="0" err="1"/>
               <a:t>Pycharm</a:t>
             </a:r>
-            <a:endParaRPr lang="en-US" dirty="0"/>
-          </a:p>
-          <a:p>
-            <a:endParaRPr lang="en-US" dirty="0"/>
+            <a:endParaRPr lang="en-US" altLang="zh-CN" dirty="0"/>
+          </a:p>
+          <a:p>
+            <a:pPr marL="0" indent="0">
+              <a:buNone/>
+            </a:pPr>
+            <a:r>
+              <a:rPr lang="en-US" altLang="zh-CN" u="sng" dirty="0">
+                <a:solidFill>
+                  <a:srgbClr val="0070C0"/>
+                </a:solidFill>
+              </a:rPr>
+              <a:t>https://try.jupyter.org/</a:t>
+            </a:r>
+          </a:p>
+        </p:txBody>
+      </p:sp>
+      <p:sp>
+        <p:nvSpPr>
+          <p:cNvPr id="7" name="矩形 6"/>
+          <p:cNvSpPr/>
+          <p:nvPr/>
+        </p:nvSpPr>
+        <p:spPr>
+          <a:xfrm>
+            <a:off x="1" y="6126163"/>
+            <a:ext cx="4724398" cy="748145"/>
+          </a:xfrm>
+          <a:prstGeom prst="rect">
+            <a:avLst/>
+          </a:prstGeom>
+          <a:solidFill>
+            <a:srgbClr val="F945EC"/>
+          </a:solidFill>
+          <a:ln>
+            <a:noFill/>
+          </a:ln>
+        </p:spPr>
+        <p:style>
+          <a:lnRef idx="2">
+            <a:schemeClr val="accent1">
+              <a:shade val="50000"/>
+            </a:schemeClr>
+          </a:lnRef>
+          <a:fillRef idx="1">
+            <a:schemeClr val="accent1"/>
+          </a:fillRef>
+          <a:effectRef idx="0">
+            <a:schemeClr val="accent1"/>
+          </a:effectRef>
+          <a:fontRef idx="minor">
+            <a:schemeClr val="lt1"/>
+          </a:fontRef>
+        </p:style>
+        <p:txBody>
+          <a:bodyPr rtlCol="0" anchor="ctr"/>
+          <a:lstStyle/>
+          <a:p>
+            <a:pPr algn="ctr"/>
+            <a:endParaRPr lang="zh-CN" altLang="en-US"/>
+          </a:p>
+        </p:txBody>
+      </p:sp>
+      <p:sp>
+        <p:nvSpPr>
+          <p:cNvPr id="8" name="矩形 7"/>
+          <p:cNvSpPr/>
+          <p:nvPr/>
+        </p:nvSpPr>
+        <p:spPr>
+          <a:xfrm>
+            <a:off x="4724401" y="6125606"/>
+            <a:ext cx="4419600" cy="748145"/>
+          </a:xfrm>
+          <a:prstGeom prst="rect">
+            <a:avLst/>
+          </a:prstGeom>
+          <a:solidFill>
+            <a:srgbClr val="3B87CD"/>
+          </a:solidFill>
+          <a:ln>
+            <a:noFill/>
+          </a:ln>
+        </p:spPr>
+        <p:style>
+          <a:lnRef idx="2">
+            <a:schemeClr val="accent1">
+              <a:shade val="50000"/>
+            </a:schemeClr>
+          </a:lnRef>
+          <a:fillRef idx="1">
+            <a:schemeClr val="accent1"/>
+          </a:fillRef>
+          <a:effectRef idx="0">
+            <a:schemeClr val="accent1"/>
+          </a:effectRef>
+          <a:fontRef idx="minor">
+            <a:schemeClr val="lt1"/>
+          </a:fontRef>
+        </p:style>
+        <p:txBody>
+          <a:bodyPr rtlCol="0" anchor="ctr"/>
+          <a:lstStyle/>
+          <a:p>
+            <a:pPr algn="ctr"/>
+            <a:endParaRPr lang="zh-CN" altLang="en-US"/>
+          </a:p>
+        </p:txBody>
+      </p:sp>
+      <p:sp>
+        <p:nvSpPr>
+          <p:cNvPr id="9" name="文本框 8"/>
+          <p:cNvSpPr txBox="1"/>
+          <p:nvPr/>
+        </p:nvSpPr>
+        <p:spPr>
+          <a:xfrm>
+            <a:off x="3810000" y="6048299"/>
+            <a:ext cx="3803072" cy="646331"/>
+          </a:xfrm>
+          <a:prstGeom prst="rect">
+            <a:avLst/>
+          </a:prstGeom>
+          <a:noFill/>
+        </p:spPr>
+        <p:txBody>
+          <a:bodyPr wrap="square" rtlCol="0">
+            <a:spAutoFit/>
+          </a:bodyPr>
+          <a:lstStyle/>
+          <a:p>
+            <a:r>
+              <a:rPr lang="en-US" altLang="zh-CN" sz="3600" dirty="0" smtClean="0">
+                <a:latin typeface="Bauhaus 93" panose="04030905020B02020C02" pitchFamily="82" charset="0"/>
+              </a:rPr>
+              <a:t>Python</a:t>
+            </a:r>
+            <a:endParaRPr lang="zh-CN" altLang="en-US" sz="3600" dirty="0">
+              <a:latin typeface="Bauhaus 93" panose="04030905020B02020C02" pitchFamily="82" charset="0"/>
+            </a:endParaRPr>
+          </a:p>
+        </p:txBody>
+      </p:sp>
+      <p:sp>
+        <p:nvSpPr>
+          <p:cNvPr id="10" name="文本框 9"/>
+          <p:cNvSpPr txBox="1"/>
+          <p:nvPr/>
+        </p:nvSpPr>
+        <p:spPr>
+          <a:xfrm>
+            <a:off x="0" y="6088283"/>
+            <a:ext cx="2078182" cy="523220"/>
+          </a:xfrm>
+          <a:prstGeom prst="rect">
+            <a:avLst/>
+          </a:prstGeom>
+          <a:noFill/>
+        </p:spPr>
+        <p:txBody>
+          <a:bodyPr wrap="square" rtlCol="0">
+            <a:spAutoFit/>
+          </a:bodyPr>
+          <a:lstStyle/>
+          <a:p>
+            <a:r>
+              <a:rPr lang="en-US" altLang="zh-CN" sz="2800" dirty="0">
+                <a:solidFill>
+                  <a:schemeClr val="tx1">
+                    <a:lumMod val="65000"/>
+                    <a:lumOff val="35000"/>
+                  </a:schemeClr>
+                </a:solidFill>
+              </a:rPr>
+              <a:t>4</a:t>
+            </a:r>
+            <a:endParaRPr lang="zh-CN" altLang="en-US" sz="2800" dirty="0">
+              <a:solidFill>
+                <a:schemeClr val="tx1">
+                  <a:lumMod val="65000"/>
+                  <a:lumOff val="35000"/>
+                </a:schemeClr>
+              </a:solidFill>
+            </a:endParaRPr>
+          </a:p>
+        </p:txBody>
+      </p:sp>
+      <p:sp>
+        <p:nvSpPr>
+          <p:cNvPr id="11" name="文本框 10"/>
+          <p:cNvSpPr txBox="1"/>
+          <p:nvPr/>
+        </p:nvSpPr>
+        <p:spPr>
+          <a:xfrm>
+            <a:off x="8132619" y="6133091"/>
+            <a:ext cx="2078182" cy="523220"/>
+          </a:xfrm>
+          <a:prstGeom prst="rect">
+            <a:avLst/>
+          </a:prstGeom>
+          <a:noFill/>
+        </p:spPr>
+        <p:txBody>
+          <a:bodyPr wrap="square" rtlCol="0">
+            <a:spAutoFit/>
+          </a:bodyPr>
+          <a:lstStyle/>
+          <a:p>
+            <a:r>
+              <a:rPr lang="en-US" altLang="zh-CN" sz="2800" dirty="0" smtClean="0">
+                <a:solidFill>
+                  <a:schemeClr val="tx1">
+                    <a:lumMod val="65000"/>
+                    <a:lumOff val="35000"/>
+                  </a:schemeClr>
+                </a:solidFill>
+              </a:rPr>
+              <a:t>CSTC</a:t>
+            </a:r>
+            <a:endParaRPr lang="zh-CN" altLang="en-US" sz="2800" dirty="0">
+              <a:solidFill>
+                <a:schemeClr val="tx1">
+                  <a:lumMod val="65000"/>
+                  <a:lumOff val="35000"/>
+                </a:schemeClr>
+              </a:solidFill>
+            </a:endParaRPr>
           </a:p>
         </p:txBody>
       </p:sp>
     </p:spTree>
     <p:extLst>
       <p:ext uri="{BB962C8B-B14F-4D97-AF65-F5344CB8AC3E}">
-        <p14:creationId xmlns:p14="http://schemas.microsoft.com/office/powerpoint/2010/main" val="1370958363"/>
+        <p14:creationId xmlns:p14="http://schemas.microsoft.com/office/powerpoint/2010/main" val="1216493073"/>
       </p:ext>
     </p:extLst>
   </p:cSld>
   <p:clrMapOvr>
     <a:masterClrMapping/>
   </p:clrMapOvr>
+  <p:timing>
+    <p:tnLst>
+      <p:par>
+        <p:cTn id="1" dur="indefinite" restart="never" nodeType="tmRoot"/>
+      </p:par>
+    </p:tnLst>
+  </p:timing>
 </p:sld>
 </file>
 
@@ -3809,6 +5659,115 @@
           <a:chExt cx="0" cy="0"/>
         </a:xfrm>
       </p:grpSpPr>
+      <p:grpSp>
+        <p:nvGrpSpPr>
+          <p:cNvPr id="4" name="组合 3"/>
+          <p:cNvGrpSpPr/>
+          <p:nvPr/>
+        </p:nvGrpSpPr>
+        <p:grpSpPr>
+          <a:xfrm>
+            <a:off x="1" y="0"/>
+            <a:ext cx="9144000" cy="6858000"/>
+            <a:chOff x="1" y="0"/>
+            <a:chExt cx="9144000" cy="6858000"/>
+          </a:xfrm>
+        </p:grpSpPr>
+        <p:sp>
+          <p:nvSpPr>
+            <p:cNvPr id="5" name="矩形 4"/>
+            <p:cNvSpPr/>
+            <p:nvPr/>
+          </p:nvSpPr>
+          <p:spPr>
+            <a:xfrm>
+              <a:off x="1" y="3124200"/>
+              <a:ext cx="9144000" cy="3733800"/>
+            </a:xfrm>
+            <a:prstGeom prst="rect">
+              <a:avLst/>
+            </a:prstGeom>
+            <a:solidFill>
+              <a:srgbClr val="BBDFBB"/>
+            </a:solidFill>
+            <a:ln>
+              <a:solidFill>
+                <a:srgbClr val="BBDFBB"/>
+              </a:solidFill>
+            </a:ln>
+          </p:spPr>
+          <p:style>
+            <a:lnRef idx="2">
+              <a:schemeClr val="accent1">
+                <a:shade val="50000"/>
+              </a:schemeClr>
+            </a:lnRef>
+            <a:fillRef idx="1">
+              <a:schemeClr val="accent1"/>
+            </a:fillRef>
+            <a:effectRef idx="0">
+              <a:schemeClr val="accent1"/>
+            </a:effectRef>
+            <a:fontRef idx="minor">
+              <a:schemeClr val="lt1"/>
+            </a:fontRef>
+          </p:style>
+          <p:txBody>
+            <a:bodyPr rtlCol="0" anchor="ctr"/>
+            <a:lstStyle/>
+            <a:p>
+              <a:pPr algn="ctr"/>
+              <a:endParaRPr lang="zh-CN" altLang="en-US"/>
+            </a:p>
+          </p:txBody>
+        </p:sp>
+        <p:sp>
+          <p:nvSpPr>
+            <p:cNvPr id="6" name="矩形 5"/>
+            <p:cNvSpPr/>
+            <p:nvPr/>
+          </p:nvSpPr>
+          <p:spPr>
+            <a:xfrm>
+              <a:off x="1" y="0"/>
+              <a:ext cx="9144000" cy="3600450"/>
+            </a:xfrm>
+            <a:prstGeom prst="rect">
+              <a:avLst/>
+            </a:prstGeom>
+            <a:solidFill>
+              <a:srgbClr val="FBC9F0"/>
+            </a:solidFill>
+            <a:ln>
+              <a:noFill/>
+            </a:ln>
+          </p:spPr>
+          <p:style>
+            <a:lnRef idx="2">
+              <a:schemeClr val="accent1">
+                <a:shade val="50000"/>
+              </a:schemeClr>
+            </a:lnRef>
+            <a:fillRef idx="1">
+              <a:schemeClr val="accent1"/>
+            </a:fillRef>
+            <a:effectRef idx="0">
+              <a:schemeClr val="accent1"/>
+            </a:effectRef>
+            <a:fontRef idx="minor">
+              <a:schemeClr val="lt1"/>
+            </a:fontRef>
+          </p:style>
+          <p:txBody>
+            <a:bodyPr rtlCol="0" anchor="ctr"/>
+            <a:lstStyle/>
+            <a:p>
+              <a:pPr algn="ctr"/>
+              <a:endParaRPr lang="zh-CN" altLang="en-US"/>
+            </a:p>
+          </p:txBody>
+        </p:sp>
+      </p:grpSp>
       <p:sp>
         <p:nvSpPr>
           <p:cNvPr id="2" name="Title 1"/>
@@ -3821,83 +5780,4941 @@
         </p:nvSpPr>
         <p:spPr/>
         <p:txBody>
-          <a:bodyPr>
-            <a:normAutofit/>
+          <a:bodyPr/>
+          <a:lstStyle/>
+          <a:p>
+            <a:r>
+              <a:rPr lang="en-US" altLang="zh-CN" b="1" dirty="0" smtClean="0"/>
+              <a:t>The Basics</a:t>
+            </a:r>
+            <a:endParaRPr lang="en-US" altLang="zh-CN" b="1" dirty="0"/>
+          </a:p>
+        </p:txBody>
+      </p:sp>
+      <p:sp>
+        <p:nvSpPr>
+          <p:cNvPr id="7" name="矩形 6"/>
+          <p:cNvSpPr/>
+          <p:nvPr/>
+        </p:nvSpPr>
+        <p:spPr>
+          <a:xfrm>
+            <a:off x="1" y="6126163"/>
+            <a:ext cx="4724398" cy="748145"/>
+          </a:xfrm>
+          <a:prstGeom prst="rect">
+            <a:avLst/>
+          </a:prstGeom>
+          <a:solidFill>
+            <a:srgbClr val="F945EC"/>
+          </a:solidFill>
+          <a:ln>
+            <a:noFill/>
+          </a:ln>
+        </p:spPr>
+        <p:style>
+          <a:lnRef idx="2">
+            <a:schemeClr val="accent1">
+              <a:shade val="50000"/>
+            </a:schemeClr>
+          </a:lnRef>
+          <a:fillRef idx="1">
+            <a:schemeClr val="accent1"/>
+          </a:fillRef>
+          <a:effectRef idx="0">
+            <a:schemeClr val="accent1"/>
+          </a:effectRef>
+          <a:fontRef idx="minor">
+            <a:schemeClr val="lt1"/>
+          </a:fontRef>
+        </p:style>
+        <p:txBody>
+          <a:bodyPr rtlCol="0" anchor="ctr"/>
+          <a:lstStyle/>
+          <a:p>
+            <a:pPr algn="ctr"/>
+            <a:endParaRPr lang="zh-CN" altLang="en-US"/>
+          </a:p>
+        </p:txBody>
+      </p:sp>
+      <p:sp>
+        <p:nvSpPr>
+          <p:cNvPr id="8" name="矩形 7"/>
+          <p:cNvSpPr/>
+          <p:nvPr/>
+        </p:nvSpPr>
+        <p:spPr>
+          <a:xfrm>
+            <a:off x="4724401" y="6125606"/>
+            <a:ext cx="4419600" cy="748145"/>
+          </a:xfrm>
+          <a:prstGeom prst="rect">
+            <a:avLst/>
+          </a:prstGeom>
+          <a:solidFill>
+            <a:srgbClr val="3B87CD"/>
+          </a:solidFill>
+          <a:ln>
+            <a:noFill/>
+          </a:ln>
+        </p:spPr>
+        <p:style>
+          <a:lnRef idx="2">
+            <a:schemeClr val="accent1">
+              <a:shade val="50000"/>
+            </a:schemeClr>
+          </a:lnRef>
+          <a:fillRef idx="1">
+            <a:schemeClr val="accent1"/>
+          </a:fillRef>
+          <a:effectRef idx="0">
+            <a:schemeClr val="accent1"/>
+          </a:effectRef>
+          <a:fontRef idx="minor">
+            <a:schemeClr val="lt1"/>
+          </a:fontRef>
+        </p:style>
+        <p:txBody>
+          <a:bodyPr rtlCol="0" anchor="ctr"/>
+          <a:lstStyle/>
+          <a:p>
+            <a:pPr algn="ctr"/>
+            <a:endParaRPr lang="zh-CN" altLang="en-US"/>
+          </a:p>
+        </p:txBody>
+      </p:sp>
+      <p:sp>
+        <p:nvSpPr>
+          <p:cNvPr id="9" name="文本框 8"/>
+          <p:cNvSpPr txBox="1"/>
+          <p:nvPr/>
+        </p:nvSpPr>
+        <p:spPr>
+          <a:xfrm>
+            <a:off x="3810000" y="6048299"/>
+            <a:ext cx="3803072" cy="646331"/>
+          </a:xfrm>
+          <a:prstGeom prst="rect">
+            <a:avLst/>
+          </a:prstGeom>
+          <a:noFill/>
+        </p:spPr>
+        <p:txBody>
+          <a:bodyPr wrap="square" rtlCol="0">
+            <a:spAutoFit/>
           </a:bodyPr>
           <a:lstStyle/>
           <a:p>
             <a:r>
-              <a:rPr lang="en-US" dirty="0"/>
-              <a:t>Object Oriented</a:t>
-            </a:r>
-          </a:p>
-        </p:txBody>
-      </p:sp>
-      <p:sp>
-        <p:nvSpPr>
-          <p:cNvPr id="3" name="Content Placeholder 2"/>
+              <a:rPr lang="en-US" altLang="zh-CN" sz="3600" dirty="0" smtClean="0">
+                <a:latin typeface="Bauhaus 93" panose="04030905020B02020C02" pitchFamily="82" charset="0"/>
+              </a:rPr>
+              <a:t>Python</a:t>
+            </a:r>
+            <a:endParaRPr lang="zh-CN" altLang="en-US" sz="3600" dirty="0">
+              <a:latin typeface="Bauhaus 93" panose="04030905020B02020C02" pitchFamily="82" charset="0"/>
+            </a:endParaRPr>
+          </a:p>
+        </p:txBody>
+      </p:sp>
+      <p:sp>
+        <p:nvSpPr>
+          <p:cNvPr id="10" name="文本框 9"/>
+          <p:cNvSpPr txBox="1"/>
+          <p:nvPr/>
+        </p:nvSpPr>
+        <p:spPr>
+          <a:xfrm>
+            <a:off x="0" y="6088283"/>
+            <a:ext cx="2078182" cy="523220"/>
+          </a:xfrm>
+          <a:prstGeom prst="rect">
+            <a:avLst/>
+          </a:prstGeom>
+          <a:noFill/>
+        </p:spPr>
+        <p:txBody>
+          <a:bodyPr wrap="square" rtlCol="0">
+            <a:spAutoFit/>
+          </a:bodyPr>
+          <a:lstStyle/>
+          <a:p>
+            <a:r>
+              <a:rPr lang="en-US" altLang="zh-CN" sz="2800" dirty="0" smtClean="0">
+                <a:solidFill>
+                  <a:schemeClr val="tx1">
+                    <a:lumMod val="65000"/>
+                    <a:lumOff val="35000"/>
+                  </a:schemeClr>
+                </a:solidFill>
+              </a:rPr>
+              <a:t>5</a:t>
+            </a:r>
+            <a:endParaRPr lang="zh-CN" altLang="en-US" sz="2800" dirty="0">
+              <a:solidFill>
+                <a:schemeClr val="tx1">
+                  <a:lumMod val="65000"/>
+                  <a:lumOff val="35000"/>
+                </a:schemeClr>
+              </a:solidFill>
+            </a:endParaRPr>
+          </a:p>
+        </p:txBody>
+      </p:sp>
+      <p:sp>
+        <p:nvSpPr>
+          <p:cNvPr id="11" name="文本框 10"/>
+          <p:cNvSpPr txBox="1"/>
+          <p:nvPr/>
+        </p:nvSpPr>
+        <p:spPr>
+          <a:xfrm>
+            <a:off x="8132619" y="6133091"/>
+            <a:ext cx="2078182" cy="523220"/>
+          </a:xfrm>
+          <a:prstGeom prst="rect">
+            <a:avLst/>
+          </a:prstGeom>
+          <a:noFill/>
+        </p:spPr>
+        <p:txBody>
+          <a:bodyPr wrap="square" rtlCol="0">
+            <a:spAutoFit/>
+          </a:bodyPr>
+          <a:lstStyle/>
+          <a:p>
+            <a:r>
+              <a:rPr lang="en-US" altLang="zh-CN" sz="2800" dirty="0" smtClean="0">
+                <a:solidFill>
+                  <a:schemeClr val="tx1">
+                    <a:lumMod val="65000"/>
+                    <a:lumOff val="35000"/>
+                  </a:schemeClr>
+                </a:solidFill>
+              </a:rPr>
+              <a:t>CSTC</a:t>
+            </a:r>
+            <a:endParaRPr lang="zh-CN" altLang="en-US" sz="2800" dirty="0">
+              <a:solidFill>
+                <a:schemeClr val="tx1">
+                  <a:lumMod val="65000"/>
+                  <a:lumOff val="35000"/>
+                </a:schemeClr>
+              </a:solidFill>
+            </a:endParaRPr>
+          </a:p>
+        </p:txBody>
+      </p:sp>
+      <p:sp>
+        <p:nvSpPr>
+          <p:cNvPr id="12" name="矩形 11"/>
+          <p:cNvSpPr/>
+          <p:nvPr/>
+        </p:nvSpPr>
+        <p:spPr>
+          <a:xfrm rot="21147527">
+            <a:off x="165084" y="1536625"/>
+            <a:ext cx="3984410" cy="1300975"/>
+          </a:xfrm>
+          <a:prstGeom prst="rect">
+            <a:avLst/>
+          </a:prstGeom>
+          <a:solidFill>
+            <a:srgbClr val="3B87CD"/>
+          </a:solidFill>
+          <a:ln>
+            <a:noFill/>
+          </a:ln>
+          <a:effectLst>
+            <a:outerShdw blurRad="50800" dist="38100" dir="2700000" algn="tl" rotWithShape="0">
+              <a:prstClr val="black">
+                <a:alpha val="40000"/>
+              </a:prstClr>
+            </a:outerShdw>
+          </a:effectLst>
+        </p:spPr>
+        <p:style>
+          <a:lnRef idx="2">
+            <a:schemeClr val="accent1">
+              <a:shade val="50000"/>
+            </a:schemeClr>
+          </a:lnRef>
+          <a:fillRef idx="1">
+            <a:schemeClr val="accent1"/>
+          </a:fillRef>
+          <a:effectRef idx="0">
+            <a:schemeClr val="accent1"/>
+          </a:effectRef>
+          <a:fontRef idx="minor">
+            <a:schemeClr val="lt1"/>
+          </a:fontRef>
+        </p:style>
+        <p:txBody>
+          <a:bodyPr rtlCol="0" anchor="ctr"/>
+          <a:lstStyle/>
+          <a:p>
+            <a:pPr algn="ctr"/>
+            <a:endParaRPr lang="zh-CN" altLang="en-US"/>
+          </a:p>
+        </p:txBody>
+      </p:sp>
+      <p:sp>
+        <p:nvSpPr>
+          <p:cNvPr id="14" name="矩形 13"/>
+          <p:cNvSpPr/>
+          <p:nvPr/>
+        </p:nvSpPr>
+        <p:spPr>
+          <a:xfrm rot="20866817">
+            <a:off x="234842" y="1557595"/>
+            <a:ext cx="3575774" cy="1253291"/>
+          </a:xfrm>
+          <a:prstGeom prst="rect">
+            <a:avLst/>
+          </a:prstGeom>
+          <a:solidFill>
+            <a:srgbClr val="BBDFBB"/>
+          </a:solidFill>
+          <a:ln>
+            <a:solidFill>
+              <a:schemeClr val="bg1"/>
+            </a:solidFill>
+          </a:ln>
+          <a:effectLst>
+            <a:outerShdw blurRad="50800" dist="38100" dir="2700000" algn="tl" rotWithShape="0">
+              <a:prstClr val="black">
+                <a:alpha val="40000"/>
+              </a:prstClr>
+            </a:outerShdw>
+          </a:effectLst>
+        </p:spPr>
+        <p:style>
+          <a:lnRef idx="2">
+            <a:schemeClr val="accent1">
+              <a:shade val="50000"/>
+            </a:schemeClr>
+          </a:lnRef>
+          <a:fillRef idx="1">
+            <a:schemeClr val="accent1"/>
+          </a:fillRef>
+          <a:effectRef idx="0">
+            <a:schemeClr val="accent1"/>
+          </a:effectRef>
+          <a:fontRef idx="minor">
+            <a:schemeClr val="lt1"/>
+          </a:fontRef>
+        </p:style>
+        <p:txBody>
+          <a:bodyPr rtlCol="0" anchor="ctr"/>
+          <a:lstStyle/>
+          <a:p>
+            <a:pPr algn="ctr"/>
+            <a:endParaRPr lang="zh-CN" altLang="en-US" sz="4800" dirty="0">
+              <a:solidFill>
+                <a:schemeClr val="tx1"/>
+              </a:solidFill>
+            </a:endParaRPr>
+          </a:p>
+        </p:txBody>
+      </p:sp>
+      <p:sp>
+        <p:nvSpPr>
+          <p:cNvPr id="13" name="Rectangle 5"/>
           <p:cNvSpPr>
-            <a:spLocks noGrp="1"/>
+            <a:spLocks noGrp="1" noChangeArrowheads="1"/>
           </p:cNvSpPr>
           <p:nvPr>
             <p:ph idx="1"/>
           </p:nvPr>
         </p:nvSpPr>
-        <p:spPr/>
-        <p:txBody>
-          <a:bodyPr/>
-          <a:lstStyle/>
-          <a:p>
-            <a:r>
-              <a:rPr lang="en-US" dirty="0">
-                <a:hlinkClick r:id="rId2"/>
-              </a:rPr>
-              <a:t>http://</a:t>
-            </a:r>
-            <a:r>
-              <a:rPr lang="en-US" dirty="0" smtClean="0">
-                <a:hlinkClick r:id="rId2"/>
-              </a:rPr>
-              <a:t>www.cnblogs.com/wupeiqi/articles/4493506.html</a:t>
-            </a:r>
-            <a:endParaRPr lang="en-US" dirty="0" smtClean="0"/>
-          </a:p>
-          <a:p>
-            <a:r>
-              <a:rPr lang="en-US">
-                <a:hlinkClick r:id="rId3"/>
-              </a:rPr>
-              <a:t>http</a:t>
-            </a:r>
-            <a:r>
-              <a:rPr lang="en-US">
-                <a:hlinkClick r:id="rId3"/>
-              </a:rPr>
-              <a:t>://</a:t>
-            </a:r>
-            <a:r>
-              <a:rPr lang="en-US" smtClean="0">
-                <a:hlinkClick r:id="rId3"/>
-              </a:rPr>
-              <a:t>www.cnblogs.com/wupeiqi/p/4766801.html</a:t>
-            </a:r>
-            <a:endParaRPr lang="en-US" smtClean="0"/>
-          </a:p>
-          <a:p>
-            <a:endParaRPr lang="en-US" dirty="0"/>
+        <p:spPr bwMode="auto">
+          <a:xfrm>
+            <a:off x="685800" y="1870136"/>
+            <a:ext cx="9067800" cy="523220"/>
+          </a:xfrm>
+          <a:prstGeom prst="rect">
+            <a:avLst/>
+          </a:prstGeom>
+          <a:noFill/>
+          <a:ln>
+            <a:noFill/>
+          </a:ln>
+          <a:effectLst/>
+        </p:spPr>
+        <p:txBody>
+          <a:bodyPr vert="horz" wrap="square" lIns="91440" tIns="45720" rIns="91440" bIns="45720" numCol="1" anchor="ctr" anchorCtr="0" compatLnSpc="1">
+            <a:prstTxWarp prst="textNoShape">
+              <a:avLst/>
+            </a:prstTxWarp>
+            <a:spAutoFit/>
+          </a:bodyPr>
+          <a:lstStyle/>
+          <a:p>
+            <a:pPr marL="0" indent="0" eaLnBrk="0" fontAlgn="base" hangingPunct="0">
+              <a:spcBef>
+                <a:spcPct val="0"/>
+              </a:spcBef>
+              <a:spcAft>
+                <a:spcPct val="0"/>
+              </a:spcAft>
+              <a:buNone/>
+            </a:pPr>
+            <a:r>
+              <a:rPr lang="en-US" altLang="zh-CN" sz="2800" dirty="0" smtClean="0">
+                <a:solidFill>
+                  <a:schemeClr val="tx1">
+                    <a:lumMod val="65000"/>
+                    <a:lumOff val="35000"/>
+                  </a:schemeClr>
+                </a:solidFill>
+                <a:latin typeface="Arial Unicode MS" panose="020B0604020202020204" pitchFamily="34" charset="-122"/>
+              </a:rPr>
+              <a:t>print “Diane”</a:t>
+            </a:r>
+            <a:endParaRPr lang="zh-CN" altLang="zh-CN" sz="2800" dirty="0">
+              <a:solidFill>
+                <a:schemeClr val="tx1">
+                  <a:lumMod val="65000"/>
+                  <a:lumOff val="35000"/>
+                </a:schemeClr>
+              </a:solidFill>
+              <a:latin typeface="Arial Unicode MS" panose="020B0604020202020204" pitchFamily="34" charset="-122"/>
+            </a:endParaRPr>
+          </a:p>
+        </p:txBody>
+      </p:sp>
+      <p:sp>
+        <p:nvSpPr>
+          <p:cNvPr id="15" name="矩形 14"/>
+          <p:cNvSpPr/>
+          <p:nvPr/>
+        </p:nvSpPr>
+        <p:spPr>
+          <a:xfrm rot="21147527">
+            <a:off x="4716339" y="1416012"/>
+            <a:ext cx="3984410" cy="1300975"/>
+          </a:xfrm>
+          <a:prstGeom prst="rect">
+            <a:avLst/>
+          </a:prstGeom>
+          <a:solidFill>
+            <a:srgbClr val="3B87CD"/>
+          </a:solidFill>
+          <a:ln>
+            <a:noFill/>
+          </a:ln>
+          <a:effectLst>
+            <a:outerShdw blurRad="50800" dist="38100" dir="2700000" algn="tl" rotWithShape="0">
+              <a:prstClr val="black">
+                <a:alpha val="40000"/>
+              </a:prstClr>
+            </a:outerShdw>
+          </a:effectLst>
+        </p:spPr>
+        <p:style>
+          <a:lnRef idx="2">
+            <a:schemeClr val="accent1">
+              <a:shade val="50000"/>
+            </a:schemeClr>
+          </a:lnRef>
+          <a:fillRef idx="1">
+            <a:schemeClr val="accent1"/>
+          </a:fillRef>
+          <a:effectRef idx="0">
+            <a:schemeClr val="accent1"/>
+          </a:effectRef>
+          <a:fontRef idx="minor">
+            <a:schemeClr val="lt1"/>
+          </a:fontRef>
+        </p:style>
+        <p:txBody>
+          <a:bodyPr rtlCol="0" anchor="ctr"/>
+          <a:lstStyle/>
+          <a:p>
+            <a:pPr algn="ctr"/>
+            <a:endParaRPr lang="zh-CN" altLang="en-US"/>
+          </a:p>
+        </p:txBody>
+      </p:sp>
+      <p:sp>
+        <p:nvSpPr>
+          <p:cNvPr id="16" name="矩形 15"/>
+          <p:cNvSpPr/>
+          <p:nvPr/>
+        </p:nvSpPr>
+        <p:spPr>
+          <a:xfrm rot="20866817">
+            <a:off x="4786097" y="1436982"/>
+            <a:ext cx="3575774" cy="1253291"/>
+          </a:xfrm>
+          <a:prstGeom prst="rect">
+            <a:avLst/>
+          </a:prstGeom>
+          <a:solidFill>
+            <a:srgbClr val="BBDFBB"/>
+          </a:solidFill>
+          <a:ln>
+            <a:solidFill>
+              <a:schemeClr val="bg1"/>
+            </a:solidFill>
+          </a:ln>
+          <a:effectLst>
+            <a:outerShdw blurRad="50800" dist="38100" dir="2700000" algn="tl" rotWithShape="0">
+              <a:prstClr val="black">
+                <a:alpha val="40000"/>
+              </a:prstClr>
+            </a:outerShdw>
+          </a:effectLst>
+        </p:spPr>
+        <p:style>
+          <a:lnRef idx="2">
+            <a:schemeClr val="accent1">
+              <a:shade val="50000"/>
+            </a:schemeClr>
+          </a:lnRef>
+          <a:fillRef idx="1">
+            <a:schemeClr val="accent1"/>
+          </a:fillRef>
+          <a:effectRef idx="0">
+            <a:schemeClr val="accent1"/>
+          </a:effectRef>
+          <a:fontRef idx="minor">
+            <a:schemeClr val="lt1"/>
+          </a:fontRef>
+        </p:style>
+        <p:txBody>
+          <a:bodyPr rtlCol="0" anchor="ctr"/>
+          <a:lstStyle/>
+          <a:p>
+            <a:pPr algn="ctr"/>
+            <a:endParaRPr lang="zh-CN" altLang="en-US" sz="4800" dirty="0">
+              <a:solidFill>
+                <a:schemeClr val="tx1"/>
+              </a:solidFill>
+            </a:endParaRPr>
+          </a:p>
+        </p:txBody>
+      </p:sp>
+      <p:sp>
+        <p:nvSpPr>
+          <p:cNvPr id="3" name="文本框 2"/>
+          <p:cNvSpPr txBox="1"/>
+          <p:nvPr/>
+        </p:nvSpPr>
+        <p:spPr>
+          <a:xfrm>
+            <a:off x="5315307" y="1325059"/>
+            <a:ext cx="3191788" cy="1477328"/>
+          </a:xfrm>
+          <a:prstGeom prst="rect">
+            <a:avLst/>
+          </a:prstGeom>
+          <a:noFill/>
+        </p:spPr>
+        <p:txBody>
+          <a:bodyPr wrap="square" rtlCol="0">
+            <a:spAutoFit/>
+          </a:bodyPr>
+          <a:lstStyle/>
+          <a:p>
+            <a:r>
+              <a:rPr lang="en-US" altLang="zh-CN" dirty="0">
+                <a:solidFill>
+                  <a:schemeClr val="tx1">
+                    <a:lumMod val="75000"/>
+                    <a:lumOff val="25000"/>
+                  </a:schemeClr>
+                </a:solidFill>
+              </a:rPr>
+              <a:t/>
+            </a:r>
+            <a:br>
+              <a:rPr lang="en-US" altLang="zh-CN" dirty="0">
+                <a:solidFill>
+                  <a:schemeClr val="tx1">
+                    <a:lumMod val="75000"/>
+                    <a:lumOff val="25000"/>
+                  </a:schemeClr>
+                </a:solidFill>
+              </a:rPr>
+            </a:br>
+            <a:r>
+              <a:rPr lang="en-US" altLang="zh-CN" dirty="0" smtClean="0">
+                <a:solidFill>
+                  <a:schemeClr val="tx1">
+                    <a:lumMod val="75000"/>
+                    <a:lumOff val="25000"/>
+                  </a:schemeClr>
+                </a:solidFill>
+              </a:rPr>
+              <a:t>x = </a:t>
+            </a:r>
+            <a:r>
+              <a:rPr lang="en-US" altLang="zh-CN" dirty="0">
+                <a:solidFill>
+                  <a:schemeClr val="tx1">
+                    <a:lumMod val="75000"/>
+                    <a:lumOff val="25000"/>
+                  </a:schemeClr>
+                </a:solidFill>
+              </a:rPr>
+              <a:t>100</a:t>
+            </a:r>
+            <a:br>
+              <a:rPr lang="en-US" altLang="zh-CN" dirty="0">
+                <a:solidFill>
+                  <a:schemeClr val="tx1">
+                    <a:lumMod val="75000"/>
+                    <a:lumOff val="25000"/>
+                  </a:schemeClr>
+                </a:solidFill>
+              </a:rPr>
+            </a:br>
+            <a:r>
+              <a:rPr lang="en-US" altLang="zh-CN" dirty="0">
+                <a:solidFill>
+                  <a:schemeClr val="tx1">
+                    <a:lumMod val="75000"/>
+                    <a:lumOff val="25000"/>
+                  </a:schemeClr>
+                </a:solidFill>
+              </a:rPr>
+              <a:t>y = 200</a:t>
+            </a:r>
+            <a:br>
+              <a:rPr lang="en-US" altLang="zh-CN" dirty="0">
+                <a:solidFill>
+                  <a:schemeClr val="tx1">
+                    <a:lumMod val="75000"/>
+                    <a:lumOff val="25000"/>
+                  </a:schemeClr>
+                </a:solidFill>
+              </a:rPr>
+            </a:br>
+            <a:r>
+              <a:rPr lang="en-US" altLang="zh-CN" dirty="0">
+                <a:solidFill>
+                  <a:schemeClr val="tx1">
+                    <a:lumMod val="75000"/>
+                    <a:lumOff val="25000"/>
+                  </a:schemeClr>
+                </a:solidFill>
+              </a:rPr>
+              <a:t>if x + y &lt; 500:</a:t>
+            </a:r>
+            <a:br>
+              <a:rPr lang="en-US" altLang="zh-CN" dirty="0">
+                <a:solidFill>
+                  <a:schemeClr val="tx1">
+                    <a:lumMod val="75000"/>
+                    <a:lumOff val="25000"/>
+                  </a:schemeClr>
+                </a:solidFill>
+              </a:rPr>
+            </a:br>
+            <a:r>
+              <a:rPr lang="en-US" altLang="zh-CN" dirty="0" smtClean="0">
+                <a:solidFill>
+                  <a:schemeClr val="tx1">
+                    <a:lumMod val="75000"/>
+                    <a:lumOff val="25000"/>
+                  </a:schemeClr>
+                </a:solidFill>
+              </a:rPr>
+              <a:t>     print </a:t>
+            </a:r>
+            <a:r>
+              <a:rPr lang="en-US" altLang="zh-CN" dirty="0">
+                <a:solidFill>
+                  <a:schemeClr val="tx1">
+                    <a:lumMod val="75000"/>
+                    <a:lumOff val="25000"/>
+                  </a:schemeClr>
+                </a:solidFill>
+              </a:rPr>
+              <a:t>"sum is less than 500</a:t>
+            </a:r>
+            <a:r>
+              <a:rPr lang="en-US" altLang="zh-CN" dirty="0" smtClean="0">
+                <a:solidFill>
+                  <a:schemeClr val="tx1">
+                    <a:lumMod val="75000"/>
+                    <a:lumOff val="25000"/>
+                  </a:schemeClr>
+                </a:solidFill>
+              </a:rPr>
+              <a:t>"</a:t>
+            </a:r>
+            <a:endParaRPr lang="zh-CN" altLang="en-US" dirty="0">
+              <a:solidFill>
+                <a:schemeClr val="tx1">
+                  <a:lumMod val="75000"/>
+                  <a:lumOff val="25000"/>
+                </a:schemeClr>
+              </a:solidFill>
+            </a:endParaRPr>
+          </a:p>
+        </p:txBody>
+      </p:sp>
+      <p:sp>
+        <p:nvSpPr>
+          <p:cNvPr id="17" name="矩形 16"/>
+          <p:cNvSpPr/>
+          <p:nvPr/>
+        </p:nvSpPr>
+        <p:spPr>
+          <a:xfrm rot="21147527">
+            <a:off x="215225" y="4087968"/>
+            <a:ext cx="3984410" cy="1300975"/>
+          </a:xfrm>
+          <a:prstGeom prst="rect">
+            <a:avLst/>
+          </a:prstGeom>
+          <a:solidFill>
+            <a:srgbClr val="3B87CD"/>
+          </a:solidFill>
+          <a:ln>
+            <a:noFill/>
+          </a:ln>
+          <a:effectLst>
+            <a:outerShdw blurRad="50800" dist="38100" dir="2700000" algn="tl" rotWithShape="0">
+              <a:prstClr val="black">
+                <a:alpha val="40000"/>
+              </a:prstClr>
+            </a:outerShdw>
+          </a:effectLst>
+        </p:spPr>
+        <p:style>
+          <a:lnRef idx="2">
+            <a:schemeClr val="accent1">
+              <a:shade val="50000"/>
+            </a:schemeClr>
+          </a:lnRef>
+          <a:fillRef idx="1">
+            <a:schemeClr val="accent1"/>
+          </a:fillRef>
+          <a:effectRef idx="0">
+            <a:schemeClr val="accent1"/>
+          </a:effectRef>
+          <a:fontRef idx="minor">
+            <a:schemeClr val="lt1"/>
+          </a:fontRef>
+        </p:style>
+        <p:txBody>
+          <a:bodyPr rtlCol="0" anchor="ctr"/>
+          <a:lstStyle/>
+          <a:p>
+            <a:pPr algn="ctr"/>
+            <a:endParaRPr lang="zh-CN" altLang="en-US"/>
+          </a:p>
+        </p:txBody>
+      </p:sp>
+      <p:sp>
+        <p:nvSpPr>
+          <p:cNvPr id="18" name="矩形 17"/>
+          <p:cNvSpPr/>
+          <p:nvPr/>
+        </p:nvSpPr>
+        <p:spPr>
+          <a:xfrm rot="20866817">
+            <a:off x="412820" y="4088864"/>
+            <a:ext cx="3575774" cy="1253291"/>
+          </a:xfrm>
+          <a:prstGeom prst="rect">
+            <a:avLst/>
+          </a:prstGeom>
+          <a:solidFill>
+            <a:srgbClr val="FBC9F0"/>
+          </a:solidFill>
+          <a:ln>
+            <a:solidFill>
+              <a:schemeClr val="bg1"/>
+            </a:solidFill>
+          </a:ln>
+          <a:effectLst>
+            <a:outerShdw blurRad="50800" dist="38100" dir="2700000" algn="tl" rotWithShape="0">
+              <a:prstClr val="black">
+                <a:alpha val="40000"/>
+              </a:prstClr>
+            </a:outerShdw>
+          </a:effectLst>
+        </p:spPr>
+        <p:style>
+          <a:lnRef idx="2">
+            <a:schemeClr val="accent1">
+              <a:shade val="50000"/>
+            </a:schemeClr>
+          </a:lnRef>
+          <a:fillRef idx="1">
+            <a:schemeClr val="accent1"/>
+          </a:fillRef>
+          <a:effectRef idx="0">
+            <a:schemeClr val="accent1"/>
+          </a:effectRef>
+          <a:fontRef idx="minor">
+            <a:schemeClr val="lt1"/>
+          </a:fontRef>
+        </p:style>
+        <p:txBody>
+          <a:bodyPr rtlCol="0" anchor="ctr"/>
+          <a:lstStyle/>
+          <a:p>
+            <a:pPr algn="ctr"/>
+            <a:endParaRPr lang="zh-CN" altLang="en-US" sz="4800" dirty="0">
+              <a:solidFill>
+                <a:schemeClr val="tx1"/>
+              </a:solidFill>
+            </a:endParaRPr>
+          </a:p>
+        </p:txBody>
+      </p:sp>
+      <p:sp>
+        <p:nvSpPr>
+          <p:cNvPr id="19" name="矩形 18"/>
+          <p:cNvSpPr/>
+          <p:nvPr/>
+        </p:nvSpPr>
+        <p:spPr>
+          <a:xfrm rot="21147527">
+            <a:off x="4795024" y="4066993"/>
+            <a:ext cx="3984410" cy="1300975"/>
+          </a:xfrm>
+          <a:prstGeom prst="rect">
+            <a:avLst/>
+          </a:prstGeom>
+          <a:solidFill>
+            <a:srgbClr val="3B87CD"/>
+          </a:solidFill>
+          <a:ln>
+            <a:noFill/>
+          </a:ln>
+          <a:effectLst>
+            <a:outerShdw blurRad="50800" dist="38100" dir="2700000" algn="tl" rotWithShape="0">
+              <a:prstClr val="black">
+                <a:alpha val="40000"/>
+              </a:prstClr>
+            </a:outerShdw>
+          </a:effectLst>
+        </p:spPr>
+        <p:style>
+          <a:lnRef idx="2">
+            <a:schemeClr val="accent1">
+              <a:shade val="50000"/>
+            </a:schemeClr>
+          </a:lnRef>
+          <a:fillRef idx="1">
+            <a:schemeClr val="accent1"/>
+          </a:fillRef>
+          <a:effectRef idx="0">
+            <a:schemeClr val="accent1"/>
+          </a:effectRef>
+          <a:fontRef idx="minor">
+            <a:schemeClr val="lt1"/>
+          </a:fontRef>
+        </p:style>
+        <p:txBody>
+          <a:bodyPr rtlCol="0" anchor="ctr"/>
+          <a:lstStyle/>
+          <a:p>
+            <a:pPr algn="ctr"/>
+            <a:endParaRPr lang="zh-CN" altLang="en-US"/>
+          </a:p>
+        </p:txBody>
+      </p:sp>
+      <p:sp>
+        <p:nvSpPr>
+          <p:cNvPr id="20" name="矩形 19"/>
+          <p:cNvSpPr/>
+          <p:nvPr/>
+        </p:nvSpPr>
+        <p:spPr>
+          <a:xfrm rot="20866817">
+            <a:off x="4992619" y="4067889"/>
+            <a:ext cx="3575774" cy="1253291"/>
+          </a:xfrm>
+          <a:prstGeom prst="rect">
+            <a:avLst/>
+          </a:prstGeom>
+          <a:solidFill>
+            <a:srgbClr val="FBC9F0"/>
+          </a:solidFill>
+          <a:ln>
+            <a:solidFill>
+              <a:schemeClr val="bg1"/>
+            </a:solidFill>
+          </a:ln>
+          <a:effectLst>
+            <a:outerShdw blurRad="50800" dist="38100" dir="2700000" algn="tl" rotWithShape="0">
+              <a:prstClr val="black">
+                <a:alpha val="40000"/>
+              </a:prstClr>
+            </a:outerShdw>
+          </a:effectLst>
+        </p:spPr>
+        <p:style>
+          <a:lnRef idx="2">
+            <a:schemeClr val="accent1">
+              <a:shade val="50000"/>
+            </a:schemeClr>
+          </a:lnRef>
+          <a:fillRef idx="1">
+            <a:schemeClr val="accent1"/>
+          </a:fillRef>
+          <a:effectRef idx="0">
+            <a:schemeClr val="accent1"/>
+          </a:effectRef>
+          <a:fontRef idx="minor">
+            <a:schemeClr val="lt1"/>
+          </a:fontRef>
+        </p:style>
+        <p:txBody>
+          <a:bodyPr rtlCol="0" anchor="ctr"/>
+          <a:lstStyle/>
+          <a:p>
+            <a:pPr algn="ctr"/>
+            <a:endParaRPr lang="zh-CN" altLang="en-US" sz="4800" dirty="0">
+              <a:solidFill>
+                <a:schemeClr val="tx1"/>
+              </a:solidFill>
+            </a:endParaRPr>
+          </a:p>
+        </p:txBody>
+      </p:sp>
+      <p:sp>
+        <p:nvSpPr>
+          <p:cNvPr id="21" name="文本框 20"/>
+          <p:cNvSpPr txBox="1"/>
+          <p:nvPr/>
+        </p:nvSpPr>
+        <p:spPr>
+          <a:xfrm>
+            <a:off x="142713" y="4438946"/>
+            <a:ext cx="4539834" cy="1477328"/>
+          </a:xfrm>
+          <a:prstGeom prst="rect">
+            <a:avLst/>
+          </a:prstGeom>
+          <a:noFill/>
+        </p:spPr>
+        <p:txBody>
+          <a:bodyPr wrap="square" rtlCol="0">
+            <a:spAutoFit/>
+          </a:bodyPr>
+          <a:lstStyle/>
+          <a:p>
+            <a:r>
+              <a:rPr lang="en-US" altLang="zh-CN" dirty="0">
+                <a:solidFill>
+                  <a:schemeClr val="tx1">
+                    <a:lumMod val="75000"/>
+                    <a:lumOff val="25000"/>
+                  </a:schemeClr>
+                </a:solidFill>
+              </a:rPr>
+              <a:t>x = </a:t>
+            </a:r>
+            <a:r>
+              <a:rPr lang="en-US" altLang="zh-CN" dirty="0" err="1">
+                <a:solidFill>
+                  <a:schemeClr val="tx1">
+                    <a:lumMod val="75000"/>
+                    <a:lumOff val="25000"/>
+                  </a:schemeClr>
+                </a:solidFill>
+              </a:rPr>
+              <a:t>int</a:t>
+            </a:r>
+            <a:r>
+              <a:rPr lang="en-US" altLang="zh-CN" dirty="0">
+                <a:solidFill>
+                  <a:schemeClr val="tx1">
+                    <a:lumMod val="75000"/>
+                    <a:lumOff val="25000"/>
+                  </a:schemeClr>
+                </a:solidFill>
+              </a:rPr>
+              <a:t>(</a:t>
+            </a:r>
+            <a:r>
+              <a:rPr lang="en-US" altLang="zh-CN" dirty="0" err="1">
+                <a:solidFill>
+                  <a:schemeClr val="tx1">
+                    <a:lumMod val="75000"/>
+                    <a:lumOff val="25000"/>
+                  </a:schemeClr>
+                </a:solidFill>
+              </a:rPr>
+              <a:t>raw_input</a:t>
+            </a:r>
+            <a:r>
+              <a:rPr lang="en-US" altLang="zh-CN" dirty="0">
+                <a:solidFill>
+                  <a:schemeClr val="tx1">
+                    <a:lumMod val="75000"/>
+                    <a:lumOff val="25000"/>
+                  </a:schemeClr>
+                </a:solidFill>
+              </a:rPr>
+              <a:t>("Please enter an integer: "))</a:t>
+            </a:r>
+            <a:br>
+              <a:rPr lang="en-US" altLang="zh-CN" dirty="0">
+                <a:solidFill>
+                  <a:schemeClr val="tx1">
+                    <a:lumMod val="75000"/>
+                    <a:lumOff val="25000"/>
+                  </a:schemeClr>
+                </a:solidFill>
+              </a:rPr>
+            </a:br>
+            <a:r>
+              <a:rPr lang="en-US" altLang="zh-CN" b="1" dirty="0">
+                <a:solidFill>
+                  <a:schemeClr val="tx1">
+                    <a:lumMod val="75000"/>
+                    <a:lumOff val="25000"/>
+                  </a:schemeClr>
+                </a:solidFill>
+              </a:rPr>
+              <a:t>if </a:t>
+            </a:r>
+            <a:r>
+              <a:rPr lang="en-US" altLang="zh-CN" dirty="0">
+                <a:solidFill>
+                  <a:schemeClr val="tx1">
+                    <a:lumMod val="75000"/>
+                    <a:lumOff val="25000"/>
+                  </a:schemeClr>
+                </a:solidFill>
+              </a:rPr>
+              <a:t>x &lt; 0:</a:t>
+            </a:r>
+            <a:br>
+              <a:rPr lang="en-US" altLang="zh-CN" dirty="0">
+                <a:solidFill>
+                  <a:schemeClr val="tx1">
+                    <a:lumMod val="75000"/>
+                    <a:lumOff val="25000"/>
+                  </a:schemeClr>
+                </a:solidFill>
+              </a:rPr>
+            </a:br>
+            <a:r>
+              <a:rPr lang="en-US" altLang="zh-CN" dirty="0" smtClean="0">
+                <a:solidFill>
+                  <a:schemeClr val="tx1">
+                    <a:lumMod val="75000"/>
+                    <a:lumOff val="25000"/>
+                  </a:schemeClr>
+                </a:solidFill>
+              </a:rPr>
+              <a:t>    </a:t>
+            </a:r>
+            <a:r>
+              <a:rPr lang="en-US" altLang="zh-CN" b="1" dirty="0" smtClean="0">
+                <a:solidFill>
+                  <a:schemeClr val="tx1">
+                    <a:lumMod val="75000"/>
+                    <a:lumOff val="25000"/>
+                  </a:schemeClr>
+                </a:solidFill>
+              </a:rPr>
+              <a:t>print </a:t>
+            </a:r>
+            <a:r>
+              <a:rPr lang="en-US" altLang="zh-CN" dirty="0">
+                <a:solidFill>
+                  <a:schemeClr val="tx1">
+                    <a:lumMod val="75000"/>
+                    <a:lumOff val="25000"/>
+                  </a:schemeClr>
+                </a:solidFill>
+              </a:rPr>
+              <a:t>'Negative'</a:t>
+            </a:r>
+            <a:br>
+              <a:rPr lang="en-US" altLang="zh-CN" dirty="0">
+                <a:solidFill>
+                  <a:schemeClr val="tx1">
+                    <a:lumMod val="75000"/>
+                    <a:lumOff val="25000"/>
+                  </a:schemeClr>
+                </a:solidFill>
+              </a:rPr>
+            </a:br>
+            <a:r>
+              <a:rPr lang="en-US" altLang="zh-CN" dirty="0">
+                <a:solidFill>
+                  <a:schemeClr val="tx1">
+                    <a:lumMod val="75000"/>
+                    <a:lumOff val="25000"/>
+                  </a:schemeClr>
+                </a:solidFill>
+              </a:rPr>
+              <a:t/>
+            </a:r>
+            <a:br>
+              <a:rPr lang="en-US" altLang="zh-CN" dirty="0">
+                <a:solidFill>
+                  <a:schemeClr val="tx1">
+                    <a:lumMod val="75000"/>
+                    <a:lumOff val="25000"/>
+                  </a:schemeClr>
+                </a:solidFill>
+              </a:rPr>
+            </a:br>
+            <a:endParaRPr lang="zh-CN" altLang="en-US" dirty="0">
+              <a:solidFill>
+                <a:schemeClr val="tx1">
+                  <a:lumMod val="75000"/>
+                  <a:lumOff val="25000"/>
+                </a:schemeClr>
+              </a:solidFill>
+            </a:endParaRPr>
+          </a:p>
+        </p:txBody>
+      </p:sp>
+      <p:sp>
+        <p:nvSpPr>
+          <p:cNvPr id="22" name="文本框 21"/>
+          <p:cNvSpPr txBox="1"/>
+          <p:nvPr/>
+        </p:nvSpPr>
+        <p:spPr>
+          <a:xfrm>
+            <a:off x="5623580" y="4317213"/>
+            <a:ext cx="3696664" cy="1200329"/>
+          </a:xfrm>
+          <a:prstGeom prst="rect">
+            <a:avLst/>
+          </a:prstGeom>
+          <a:noFill/>
+        </p:spPr>
+        <p:txBody>
+          <a:bodyPr wrap="square" rtlCol="0">
+            <a:spAutoFit/>
+          </a:bodyPr>
+          <a:lstStyle/>
+          <a:p>
+            <a:r>
+              <a:rPr lang="en-US" altLang="zh-CN" dirty="0">
+                <a:solidFill>
+                  <a:schemeClr val="tx1">
+                    <a:lumMod val="75000"/>
+                    <a:lumOff val="25000"/>
+                  </a:schemeClr>
+                </a:solidFill>
+              </a:rPr>
+              <a:t>x = 1</a:t>
+            </a:r>
+            <a:br>
+              <a:rPr lang="en-US" altLang="zh-CN" dirty="0">
+                <a:solidFill>
+                  <a:schemeClr val="tx1">
+                    <a:lumMod val="75000"/>
+                    <a:lumOff val="25000"/>
+                  </a:schemeClr>
+                </a:solidFill>
+              </a:rPr>
+            </a:br>
+            <a:r>
+              <a:rPr lang="en-US" altLang="zh-CN" dirty="0">
+                <a:solidFill>
+                  <a:schemeClr val="tx1">
+                    <a:lumMod val="75000"/>
+                    <a:lumOff val="25000"/>
+                  </a:schemeClr>
+                </a:solidFill>
+              </a:rPr>
+              <a:t>for n in </a:t>
+            </a:r>
+            <a:r>
+              <a:rPr lang="en-US" altLang="zh-CN" dirty="0" smtClean="0">
+                <a:solidFill>
+                  <a:schemeClr val="tx1">
+                    <a:lumMod val="75000"/>
+                    <a:lumOff val="25000"/>
+                  </a:schemeClr>
+                </a:solidFill>
+              </a:rPr>
+              <a:t>range(1,5):</a:t>
+            </a:r>
+            <a:r>
+              <a:rPr lang="en-US" altLang="zh-CN" dirty="0">
+                <a:solidFill>
+                  <a:schemeClr val="tx1">
+                    <a:lumMod val="75000"/>
+                    <a:lumOff val="25000"/>
+                  </a:schemeClr>
+                </a:solidFill>
+              </a:rPr>
+              <a:t/>
+            </a:r>
+            <a:br>
+              <a:rPr lang="en-US" altLang="zh-CN" dirty="0">
+                <a:solidFill>
+                  <a:schemeClr val="tx1">
+                    <a:lumMod val="75000"/>
+                    <a:lumOff val="25000"/>
+                  </a:schemeClr>
+                </a:solidFill>
+              </a:rPr>
+            </a:br>
+            <a:r>
+              <a:rPr lang="en-US" altLang="zh-CN" dirty="0">
+                <a:solidFill>
+                  <a:schemeClr val="tx1">
+                    <a:lumMod val="75000"/>
+                    <a:lumOff val="25000"/>
+                  </a:schemeClr>
+                </a:solidFill>
+              </a:rPr>
+              <a:t> </a:t>
+            </a:r>
+            <a:r>
+              <a:rPr lang="en-US" altLang="zh-CN" dirty="0" smtClean="0">
+                <a:solidFill>
+                  <a:schemeClr val="tx1">
+                    <a:lumMod val="75000"/>
+                    <a:lumOff val="25000"/>
+                  </a:schemeClr>
+                </a:solidFill>
+              </a:rPr>
+              <a:t>     x </a:t>
+            </a:r>
+            <a:r>
+              <a:rPr lang="en-US" altLang="zh-CN" dirty="0">
+                <a:solidFill>
+                  <a:schemeClr val="tx1">
+                    <a:lumMod val="75000"/>
+                    <a:lumOff val="25000"/>
+                  </a:schemeClr>
+                </a:solidFill>
+              </a:rPr>
+              <a:t>= x * n</a:t>
+            </a:r>
+            <a:br>
+              <a:rPr lang="en-US" altLang="zh-CN" dirty="0">
+                <a:solidFill>
+                  <a:schemeClr val="tx1">
+                    <a:lumMod val="75000"/>
+                    <a:lumOff val="25000"/>
+                  </a:schemeClr>
+                </a:solidFill>
+              </a:rPr>
+            </a:br>
+            <a:r>
+              <a:rPr lang="en-US" altLang="zh-CN" dirty="0">
+                <a:solidFill>
+                  <a:schemeClr val="tx1">
+                    <a:lumMod val="75000"/>
+                    <a:lumOff val="25000"/>
+                  </a:schemeClr>
+                </a:solidFill>
+              </a:rPr>
+              <a:t>print </a:t>
+            </a:r>
+            <a:r>
+              <a:rPr lang="en-US" altLang="zh-CN" dirty="0" smtClean="0">
+                <a:solidFill>
+                  <a:schemeClr val="tx1">
+                    <a:lumMod val="75000"/>
+                    <a:lumOff val="25000"/>
+                  </a:schemeClr>
+                </a:solidFill>
+              </a:rPr>
+              <a:t>x</a:t>
+            </a:r>
+            <a:endParaRPr lang="zh-CN" altLang="en-US" dirty="0">
+              <a:solidFill>
+                <a:schemeClr val="tx1">
+                  <a:lumMod val="75000"/>
+                  <a:lumOff val="25000"/>
+                </a:schemeClr>
+              </a:solidFill>
+            </a:endParaRPr>
           </a:p>
         </p:txBody>
       </p:sp>
     </p:spTree>
     <p:extLst>
       <p:ext uri="{BB962C8B-B14F-4D97-AF65-F5344CB8AC3E}">
-        <p14:creationId xmlns:p14="http://schemas.microsoft.com/office/powerpoint/2010/main" val="2569998497"/>
+        <p14:creationId xmlns:p14="http://schemas.microsoft.com/office/powerpoint/2010/main" val="374440565"/>
       </p:ext>
     </p:extLst>
   </p:cSld>
   <p:clrMapOvr>
     <a:masterClrMapping/>
   </p:clrMapOvr>
+  <p:timing>
+    <p:tnLst>
+      <p:par>
+        <p:cTn id="1" dur="indefinite" restart="never" nodeType="tmRoot"/>
+      </p:par>
+    </p:tnLst>
+  </p:timing>
+</p:sld>
+</file>
+
+<file path=ppt/slides/slide7.xml><?xml version="1.0" encoding="utf-8"?>
+<p:sld xmlns:a="http://schemas.openxmlformats.org/drawingml/2006/main" xmlns:r="http://schemas.openxmlformats.org/officeDocument/2006/relationships" xmlns:p="http://schemas.openxmlformats.org/presentationml/2006/main">
+  <p:cSld>
+    <p:spTree>
+      <p:nvGrpSpPr>
+        <p:cNvPr id="1" name=""/>
+        <p:cNvGrpSpPr/>
+        <p:nvPr/>
+      </p:nvGrpSpPr>
+      <p:grpSpPr>
+        <a:xfrm>
+          <a:off x="0" y="0"/>
+          <a:ext cx="0" cy="0"/>
+          <a:chOff x="0" y="0"/>
+          <a:chExt cx="0" cy="0"/>
+        </a:xfrm>
+      </p:grpSpPr>
+      <p:grpSp>
+        <p:nvGrpSpPr>
+          <p:cNvPr id="4" name="组合 3"/>
+          <p:cNvGrpSpPr/>
+          <p:nvPr/>
+        </p:nvGrpSpPr>
+        <p:grpSpPr>
+          <a:xfrm>
+            <a:off x="1" y="0"/>
+            <a:ext cx="9144000" cy="6858000"/>
+            <a:chOff x="1" y="0"/>
+            <a:chExt cx="9144000" cy="6858000"/>
+          </a:xfrm>
+        </p:grpSpPr>
+        <p:sp>
+          <p:nvSpPr>
+            <p:cNvPr id="5" name="矩形 4"/>
+            <p:cNvSpPr/>
+            <p:nvPr/>
+          </p:nvSpPr>
+          <p:spPr>
+            <a:xfrm>
+              <a:off x="1" y="3124200"/>
+              <a:ext cx="9144000" cy="3733800"/>
+            </a:xfrm>
+            <a:prstGeom prst="rect">
+              <a:avLst/>
+            </a:prstGeom>
+            <a:solidFill>
+              <a:srgbClr val="BBDFBB"/>
+            </a:solidFill>
+            <a:ln>
+              <a:solidFill>
+                <a:srgbClr val="BBDFBB"/>
+              </a:solidFill>
+            </a:ln>
+          </p:spPr>
+          <p:style>
+            <a:lnRef idx="2">
+              <a:schemeClr val="accent1">
+                <a:shade val="50000"/>
+              </a:schemeClr>
+            </a:lnRef>
+            <a:fillRef idx="1">
+              <a:schemeClr val="accent1"/>
+            </a:fillRef>
+            <a:effectRef idx="0">
+              <a:schemeClr val="accent1"/>
+            </a:effectRef>
+            <a:fontRef idx="minor">
+              <a:schemeClr val="lt1"/>
+            </a:fontRef>
+          </p:style>
+          <p:txBody>
+            <a:bodyPr rtlCol="0" anchor="ctr"/>
+            <a:lstStyle/>
+            <a:p>
+              <a:pPr algn="ctr"/>
+              <a:endParaRPr lang="zh-CN" altLang="en-US"/>
+            </a:p>
+          </p:txBody>
+        </p:sp>
+        <p:sp>
+          <p:nvSpPr>
+            <p:cNvPr id="6" name="矩形 5"/>
+            <p:cNvSpPr/>
+            <p:nvPr/>
+          </p:nvSpPr>
+          <p:spPr>
+            <a:xfrm>
+              <a:off x="1" y="0"/>
+              <a:ext cx="9144000" cy="3600450"/>
+            </a:xfrm>
+            <a:prstGeom prst="rect">
+              <a:avLst/>
+            </a:prstGeom>
+            <a:solidFill>
+              <a:srgbClr val="FBC9F0"/>
+            </a:solidFill>
+            <a:ln>
+              <a:noFill/>
+            </a:ln>
+          </p:spPr>
+          <p:style>
+            <a:lnRef idx="2">
+              <a:schemeClr val="accent1">
+                <a:shade val="50000"/>
+              </a:schemeClr>
+            </a:lnRef>
+            <a:fillRef idx="1">
+              <a:schemeClr val="accent1"/>
+            </a:fillRef>
+            <a:effectRef idx="0">
+              <a:schemeClr val="accent1"/>
+            </a:effectRef>
+            <a:fontRef idx="minor">
+              <a:schemeClr val="lt1"/>
+            </a:fontRef>
+          </p:style>
+          <p:txBody>
+            <a:bodyPr rtlCol="0" anchor="ctr"/>
+            <a:lstStyle/>
+            <a:p>
+              <a:pPr algn="ctr"/>
+              <a:endParaRPr lang="zh-CN" altLang="en-US"/>
+            </a:p>
+          </p:txBody>
+        </p:sp>
+      </p:grpSp>
+      <p:sp>
+        <p:nvSpPr>
+          <p:cNvPr id="2" name="Title 1"/>
+          <p:cNvSpPr>
+            <a:spLocks noGrp="1"/>
+          </p:cNvSpPr>
+          <p:nvPr>
+            <p:ph type="title"/>
+          </p:nvPr>
+        </p:nvSpPr>
+        <p:spPr/>
+        <p:txBody>
+          <a:bodyPr/>
+          <a:lstStyle/>
+          <a:p>
+            <a:r>
+              <a:rPr lang="en-US" altLang="zh-CN" b="1" dirty="0" smtClean="0"/>
+              <a:t>The Basics</a:t>
+            </a:r>
+            <a:endParaRPr lang="en-US" altLang="zh-CN" b="1" dirty="0"/>
+          </a:p>
+        </p:txBody>
+      </p:sp>
+      <p:sp>
+        <p:nvSpPr>
+          <p:cNvPr id="7" name="矩形 6"/>
+          <p:cNvSpPr/>
+          <p:nvPr/>
+        </p:nvSpPr>
+        <p:spPr>
+          <a:xfrm>
+            <a:off x="1" y="6126163"/>
+            <a:ext cx="4724398" cy="748145"/>
+          </a:xfrm>
+          <a:prstGeom prst="rect">
+            <a:avLst/>
+          </a:prstGeom>
+          <a:solidFill>
+            <a:srgbClr val="F945EC"/>
+          </a:solidFill>
+          <a:ln>
+            <a:noFill/>
+          </a:ln>
+        </p:spPr>
+        <p:style>
+          <a:lnRef idx="2">
+            <a:schemeClr val="accent1">
+              <a:shade val="50000"/>
+            </a:schemeClr>
+          </a:lnRef>
+          <a:fillRef idx="1">
+            <a:schemeClr val="accent1"/>
+          </a:fillRef>
+          <a:effectRef idx="0">
+            <a:schemeClr val="accent1"/>
+          </a:effectRef>
+          <a:fontRef idx="minor">
+            <a:schemeClr val="lt1"/>
+          </a:fontRef>
+        </p:style>
+        <p:txBody>
+          <a:bodyPr rtlCol="0" anchor="ctr"/>
+          <a:lstStyle/>
+          <a:p>
+            <a:pPr algn="ctr"/>
+            <a:endParaRPr lang="zh-CN" altLang="en-US"/>
+          </a:p>
+        </p:txBody>
+      </p:sp>
+      <p:sp>
+        <p:nvSpPr>
+          <p:cNvPr id="8" name="矩形 7"/>
+          <p:cNvSpPr/>
+          <p:nvPr/>
+        </p:nvSpPr>
+        <p:spPr>
+          <a:xfrm>
+            <a:off x="4724401" y="6125606"/>
+            <a:ext cx="4419600" cy="748145"/>
+          </a:xfrm>
+          <a:prstGeom prst="rect">
+            <a:avLst/>
+          </a:prstGeom>
+          <a:solidFill>
+            <a:srgbClr val="3B87CD"/>
+          </a:solidFill>
+          <a:ln>
+            <a:noFill/>
+          </a:ln>
+        </p:spPr>
+        <p:style>
+          <a:lnRef idx="2">
+            <a:schemeClr val="accent1">
+              <a:shade val="50000"/>
+            </a:schemeClr>
+          </a:lnRef>
+          <a:fillRef idx="1">
+            <a:schemeClr val="accent1"/>
+          </a:fillRef>
+          <a:effectRef idx="0">
+            <a:schemeClr val="accent1"/>
+          </a:effectRef>
+          <a:fontRef idx="minor">
+            <a:schemeClr val="lt1"/>
+          </a:fontRef>
+        </p:style>
+        <p:txBody>
+          <a:bodyPr rtlCol="0" anchor="ctr"/>
+          <a:lstStyle/>
+          <a:p>
+            <a:pPr algn="ctr"/>
+            <a:endParaRPr lang="zh-CN" altLang="en-US"/>
+          </a:p>
+        </p:txBody>
+      </p:sp>
+      <p:sp>
+        <p:nvSpPr>
+          <p:cNvPr id="9" name="文本框 8"/>
+          <p:cNvSpPr txBox="1"/>
+          <p:nvPr/>
+        </p:nvSpPr>
+        <p:spPr>
+          <a:xfrm>
+            <a:off x="3810000" y="6048299"/>
+            <a:ext cx="3803072" cy="646331"/>
+          </a:xfrm>
+          <a:prstGeom prst="rect">
+            <a:avLst/>
+          </a:prstGeom>
+          <a:noFill/>
+        </p:spPr>
+        <p:txBody>
+          <a:bodyPr wrap="square" rtlCol="0">
+            <a:spAutoFit/>
+          </a:bodyPr>
+          <a:lstStyle/>
+          <a:p>
+            <a:r>
+              <a:rPr lang="en-US" altLang="zh-CN" sz="3600" dirty="0" smtClean="0">
+                <a:latin typeface="Bauhaus 93" panose="04030905020B02020C02" pitchFamily="82" charset="0"/>
+              </a:rPr>
+              <a:t>Python</a:t>
+            </a:r>
+            <a:endParaRPr lang="zh-CN" altLang="en-US" sz="3600" dirty="0">
+              <a:latin typeface="Bauhaus 93" panose="04030905020B02020C02" pitchFamily="82" charset="0"/>
+            </a:endParaRPr>
+          </a:p>
+        </p:txBody>
+      </p:sp>
+      <p:sp>
+        <p:nvSpPr>
+          <p:cNvPr id="10" name="文本框 9"/>
+          <p:cNvSpPr txBox="1"/>
+          <p:nvPr/>
+        </p:nvSpPr>
+        <p:spPr>
+          <a:xfrm>
+            <a:off x="0" y="6088283"/>
+            <a:ext cx="2078182" cy="523220"/>
+          </a:xfrm>
+          <a:prstGeom prst="rect">
+            <a:avLst/>
+          </a:prstGeom>
+          <a:noFill/>
+        </p:spPr>
+        <p:txBody>
+          <a:bodyPr wrap="square" rtlCol="0">
+            <a:spAutoFit/>
+          </a:bodyPr>
+          <a:lstStyle/>
+          <a:p>
+            <a:r>
+              <a:rPr lang="en-US" altLang="zh-CN" sz="2800" dirty="0" smtClean="0">
+                <a:solidFill>
+                  <a:schemeClr val="tx1">
+                    <a:lumMod val="65000"/>
+                    <a:lumOff val="35000"/>
+                  </a:schemeClr>
+                </a:solidFill>
+              </a:rPr>
+              <a:t>5</a:t>
+            </a:r>
+            <a:endParaRPr lang="zh-CN" altLang="en-US" sz="2800" dirty="0">
+              <a:solidFill>
+                <a:schemeClr val="tx1">
+                  <a:lumMod val="65000"/>
+                  <a:lumOff val="35000"/>
+                </a:schemeClr>
+              </a:solidFill>
+            </a:endParaRPr>
+          </a:p>
+        </p:txBody>
+      </p:sp>
+      <p:sp>
+        <p:nvSpPr>
+          <p:cNvPr id="11" name="文本框 10"/>
+          <p:cNvSpPr txBox="1"/>
+          <p:nvPr/>
+        </p:nvSpPr>
+        <p:spPr>
+          <a:xfrm>
+            <a:off x="8132619" y="6133091"/>
+            <a:ext cx="2078182" cy="523220"/>
+          </a:xfrm>
+          <a:prstGeom prst="rect">
+            <a:avLst/>
+          </a:prstGeom>
+          <a:noFill/>
+        </p:spPr>
+        <p:txBody>
+          <a:bodyPr wrap="square" rtlCol="0">
+            <a:spAutoFit/>
+          </a:bodyPr>
+          <a:lstStyle/>
+          <a:p>
+            <a:r>
+              <a:rPr lang="en-US" altLang="zh-CN" sz="2800" dirty="0" smtClean="0">
+                <a:solidFill>
+                  <a:schemeClr val="tx1">
+                    <a:lumMod val="65000"/>
+                    <a:lumOff val="35000"/>
+                  </a:schemeClr>
+                </a:solidFill>
+              </a:rPr>
+              <a:t>CSTC</a:t>
+            </a:r>
+            <a:endParaRPr lang="zh-CN" altLang="en-US" sz="2800" dirty="0">
+              <a:solidFill>
+                <a:schemeClr val="tx1">
+                  <a:lumMod val="65000"/>
+                  <a:lumOff val="35000"/>
+                </a:schemeClr>
+              </a:solidFill>
+            </a:endParaRPr>
+          </a:p>
+        </p:txBody>
+      </p:sp>
+      <p:sp>
+        <p:nvSpPr>
+          <p:cNvPr id="12" name="矩形 11"/>
+          <p:cNvSpPr/>
+          <p:nvPr/>
+        </p:nvSpPr>
+        <p:spPr>
+          <a:xfrm rot="21147527">
+            <a:off x="165084" y="1536625"/>
+            <a:ext cx="3984410" cy="1300975"/>
+          </a:xfrm>
+          <a:prstGeom prst="rect">
+            <a:avLst/>
+          </a:prstGeom>
+          <a:solidFill>
+            <a:srgbClr val="3B87CD"/>
+          </a:solidFill>
+          <a:ln>
+            <a:noFill/>
+          </a:ln>
+          <a:effectLst>
+            <a:outerShdw blurRad="50800" dist="38100" dir="2700000" algn="tl" rotWithShape="0">
+              <a:prstClr val="black">
+                <a:alpha val="40000"/>
+              </a:prstClr>
+            </a:outerShdw>
+          </a:effectLst>
+        </p:spPr>
+        <p:style>
+          <a:lnRef idx="2">
+            <a:schemeClr val="accent1">
+              <a:shade val="50000"/>
+            </a:schemeClr>
+          </a:lnRef>
+          <a:fillRef idx="1">
+            <a:schemeClr val="accent1"/>
+          </a:fillRef>
+          <a:effectRef idx="0">
+            <a:schemeClr val="accent1"/>
+          </a:effectRef>
+          <a:fontRef idx="minor">
+            <a:schemeClr val="lt1"/>
+          </a:fontRef>
+        </p:style>
+        <p:txBody>
+          <a:bodyPr rtlCol="0" anchor="ctr"/>
+          <a:lstStyle/>
+          <a:p>
+            <a:pPr algn="ctr"/>
+            <a:endParaRPr lang="zh-CN" altLang="en-US"/>
+          </a:p>
+        </p:txBody>
+      </p:sp>
+      <p:sp>
+        <p:nvSpPr>
+          <p:cNvPr id="14" name="矩形 13"/>
+          <p:cNvSpPr/>
+          <p:nvPr/>
+        </p:nvSpPr>
+        <p:spPr>
+          <a:xfrm rot="20866817">
+            <a:off x="234842" y="1557595"/>
+            <a:ext cx="3575774" cy="1253291"/>
+          </a:xfrm>
+          <a:prstGeom prst="rect">
+            <a:avLst/>
+          </a:prstGeom>
+          <a:solidFill>
+            <a:srgbClr val="BBDFBB"/>
+          </a:solidFill>
+          <a:ln>
+            <a:solidFill>
+              <a:schemeClr val="bg1"/>
+            </a:solidFill>
+          </a:ln>
+          <a:effectLst>
+            <a:outerShdw blurRad="50800" dist="38100" dir="2700000" algn="tl" rotWithShape="0">
+              <a:prstClr val="black">
+                <a:alpha val="40000"/>
+              </a:prstClr>
+            </a:outerShdw>
+          </a:effectLst>
+        </p:spPr>
+        <p:style>
+          <a:lnRef idx="2">
+            <a:schemeClr val="accent1">
+              <a:shade val="50000"/>
+            </a:schemeClr>
+          </a:lnRef>
+          <a:fillRef idx="1">
+            <a:schemeClr val="accent1"/>
+          </a:fillRef>
+          <a:effectRef idx="0">
+            <a:schemeClr val="accent1"/>
+          </a:effectRef>
+          <a:fontRef idx="minor">
+            <a:schemeClr val="lt1"/>
+          </a:fontRef>
+        </p:style>
+        <p:txBody>
+          <a:bodyPr rtlCol="0" anchor="ctr"/>
+          <a:lstStyle/>
+          <a:p>
+            <a:pPr algn="ctr"/>
+            <a:endParaRPr lang="zh-CN" altLang="en-US" sz="4800" dirty="0">
+              <a:solidFill>
+                <a:schemeClr val="tx1"/>
+              </a:solidFill>
+            </a:endParaRPr>
+          </a:p>
+        </p:txBody>
+      </p:sp>
+      <p:sp>
+        <p:nvSpPr>
+          <p:cNvPr id="13" name="Rectangle 5"/>
+          <p:cNvSpPr>
+            <a:spLocks noGrp="1" noChangeArrowheads="1"/>
+          </p:cNvSpPr>
+          <p:nvPr>
+            <p:ph idx="1"/>
+          </p:nvPr>
+        </p:nvSpPr>
+        <p:spPr bwMode="auto">
+          <a:xfrm>
+            <a:off x="508986" y="1324584"/>
+            <a:ext cx="9067800" cy="1631216"/>
+          </a:xfrm>
+          <a:prstGeom prst="rect">
+            <a:avLst/>
+          </a:prstGeom>
+          <a:noFill/>
+          <a:ln>
+            <a:noFill/>
+          </a:ln>
+          <a:effectLst/>
+        </p:spPr>
+        <p:txBody>
+          <a:bodyPr vert="horz" wrap="square" lIns="91440" tIns="45720" rIns="91440" bIns="45720" numCol="1" anchor="ctr" anchorCtr="0" compatLnSpc="1">
+            <a:prstTxWarp prst="textNoShape">
+              <a:avLst/>
+            </a:prstTxWarp>
+            <a:spAutoFit/>
+          </a:bodyPr>
+          <a:lstStyle/>
+          <a:p>
+            <a:pPr marL="0" indent="0" eaLnBrk="0" fontAlgn="base" hangingPunct="0">
+              <a:spcBef>
+                <a:spcPct val="0"/>
+              </a:spcBef>
+              <a:spcAft>
+                <a:spcPct val="0"/>
+              </a:spcAft>
+              <a:buNone/>
+            </a:pPr>
+            <a:r>
+              <a:rPr lang="en-US" altLang="zh-CN" sz="2000" dirty="0" smtClean="0">
+                <a:solidFill>
+                  <a:schemeClr val="tx1">
+                    <a:lumMod val="65000"/>
+                    <a:lumOff val="35000"/>
+                  </a:schemeClr>
+                </a:solidFill>
+                <a:latin typeface="Arial Unicode MS" panose="020B0604020202020204" pitchFamily="34" charset="-122"/>
+              </a:rPr>
+              <a:t>List:</a:t>
+            </a:r>
+          </a:p>
+          <a:p>
+            <a:pPr marL="0" indent="0" eaLnBrk="0" fontAlgn="base" hangingPunct="0">
+              <a:spcBef>
+                <a:spcPct val="0"/>
+              </a:spcBef>
+              <a:spcAft>
+                <a:spcPct val="0"/>
+              </a:spcAft>
+              <a:buNone/>
+            </a:pPr>
+            <a:r>
+              <a:rPr lang="en-US" altLang="zh-CN" sz="2000" dirty="0" smtClean="0">
+                <a:solidFill>
+                  <a:schemeClr val="tx1">
+                    <a:lumMod val="65000"/>
+                    <a:lumOff val="35000"/>
+                  </a:schemeClr>
+                </a:solidFill>
+                <a:latin typeface="Arial Unicode MS" panose="020B0604020202020204" pitchFamily="34" charset="-122"/>
+              </a:rPr>
+              <a:t>letters =[“a”,</a:t>
+            </a:r>
+            <a:r>
+              <a:rPr lang="en-US" altLang="zh-CN" sz="2000" dirty="0">
+                <a:solidFill>
+                  <a:schemeClr val="tx1">
+                    <a:lumMod val="65000"/>
+                    <a:lumOff val="35000"/>
+                  </a:schemeClr>
+                </a:solidFill>
+                <a:latin typeface="Arial Unicode MS" panose="020B0604020202020204" pitchFamily="34" charset="-122"/>
+              </a:rPr>
+              <a:t> </a:t>
+            </a:r>
+            <a:r>
+              <a:rPr lang="en-US" altLang="zh-CN" sz="2000" dirty="0" smtClean="0">
+                <a:solidFill>
+                  <a:schemeClr val="tx1">
+                    <a:lumMod val="65000"/>
+                    <a:lumOff val="35000"/>
+                  </a:schemeClr>
+                </a:solidFill>
+                <a:latin typeface="Arial Unicode MS" panose="020B0604020202020204" pitchFamily="34" charset="-122"/>
+              </a:rPr>
+              <a:t>“b”,</a:t>
+            </a:r>
+            <a:r>
+              <a:rPr lang="en-US" altLang="zh-CN" sz="2000" dirty="0">
+                <a:solidFill>
+                  <a:schemeClr val="tx1">
+                    <a:lumMod val="65000"/>
+                    <a:lumOff val="35000"/>
+                  </a:schemeClr>
+                </a:solidFill>
+                <a:latin typeface="Arial Unicode MS" panose="020B0604020202020204" pitchFamily="34" charset="-122"/>
+              </a:rPr>
+              <a:t> </a:t>
+            </a:r>
+            <a:r>
+              <a:rPr lang="en-US" altLang="zh-CN" sz="2000" dirty="0" smtClean="0">
+                <a:solidFill>
+                  <a:schemeClr val="tx1">
+                    <a:lumMod val="65000"/>
+                    <a:lumOff val="35000"/>
+                  </a:schemeClr>
+                </a:solidFill>
+                <a:latin typeface="Arial Unicode MS" panose="020B0604020202020204" pitchFamily="34" charset="-122"/>
+              </a:rPr>
+              <a:t>“c”]</a:t>
+            </a:r>
+          </a:p>
+          <a:p>
+            <a:pPr marL="0" indent="0" eaLnBrk="0" fontAlgn="base" hangingPunct="0">
+              <a:spcBef>
+                <a:spcPct val="0"/>
+              </a:spcBef>
+              <a:spcAft>
+                <a:spcPct val="0"/>
+              </a:spcAft>
+              <a:buNone/>
+            </a:pPr>
+            <a:r>
+              <a:rPr lang="en-US" altLang="zh-CN" sz="2000" dirty="0" err="1" smtClean="0">
+                <a:solidFill>
+                  <a:schemeClr val="tx1">
+                    <a:lumMod val="65000"/>
+                    <a:lumOff val="35000"/>
+                  </a:schemeClr>
+                </a:solidFill>
+                <a:latin typeface="Arial Unicode MS" panose="020B0604020202020204" pitchFamily="34" charset="-122"/>
+              </a:rPr>
+              <a:t>letters.append</a:t>
+            </a:r>
+            <a:r>
+              <a:rPr lang="en-US" altLang="zh-CN" sz="2000" dirty="0" smtClean="0">
+                <a:solidFill>
+                  <a:schemeClr val="tx1">
+                    <a:lumMod val="65000"/>
+                    <a:lumOff val="35000"/>
+                  </a:schemeClr>
+                </a:solidFill>
+                <a:latin typeface="Arial Unicode MS" panose="020B0604020202020204" pitchFamily="34" charset="-122"/>
+              </a:rPr>
+              <a:t>(“d”)</a:t>
+            </a:r>
+          </a:p>
+          <a:p>
+            <a:pPr marL="0" indent="0" eaLnBrk="0" fontAlgn="base" hangingPunct="0">
+              <a:spcBef>
+                <a:spcPct val="0"/>
+              </a:spcBef>
+              <a:spcAft>
+                <a:spcPct val="0"/>
+              </a:spcAft>
+              <a:buNone/>
+            </a:pPr>
+            <a:r>
+              <a:rPr lang="en-US" altLang="zh-CN" sz="2000" dirty="0" smtClean="0">
+                <a:solidFill>
+                  <a:schemeClr val="tx1">
+                    <a:lumMod val="65000"/>
+                    <a:lumOff val="35000"/>
+                  </a:schemeClr>
+                </a:solidFill>
+                <a:latin typeface="Arial Unicode MS" panose="020B0604020202020204" pitchFamily="34" charset="-122"/>
+              </a:rPr>
+              <a:t>print </a:t>
+            </a:r>
+            <a:r>
+              <a:rPr lang="en-US" altLang="zh-CN" sz="2000" dirty="0">
+                <a:solidFill>
+                  <a:schemeClr val="tx1">
+                    <a:lumMod val="65000"/>
+                    <a:lumOff val="35000"/>
+                  </a:schemeClr>
+                </a:solidFill>
+                <a:latin typeface="Arial Unicode MS" panose="020B0604020202020204" pitchFamily="34" charset="-122"/>
+              </a:rPr>
+              <a:t>letters[1:3</a:t>
+            </a:r>
+            <a:r>
+              <a:rPr lang="en-US" altLang="zh-CN" sz="2000" dirty="0" smtClean="0">
+                <a:solidFill>
+                  <a:schemeClr val="tx1">
+                    <a:lumMod val="65000"/>
+                    <a:lumOff val="35000"/>
+                  </a:schemeClr>
+                </a:solidFill>
+                <a:latin typeface="Arial Unicode MS" panose="020B0604020202020204" pitchFamily="34" charset="-122"/>
+              </a:rPr>
+              <a:t>]</a:t>
+            </a:r>
+          </a:p>
+          <a:p>
+            <a:pPr marL="0" indent="0" eaLnBrk="0" fontAlgn="base" hangingPunct="0">
+              <a:spcBef>
+                <a:spcPct val="0"/>
+              </a:spcBef>
+              <a:spcAft>
+                <a:spcPct val="0"/>
+              </a:spcAft>
+              <a:buNone/>
+            </a:pPr>
+            <a:r>
+              <a:rPr lang="en-US" altLang="zh-CN" sz="2000" dirty="0">
+                <a:solidFill>
+                  <a:schemeClr val="tx1">
+                    <a:lumMod val="65000"/>
+                    <a:lumOff val="35000"/>
+                  </a:schemeClr>
+                </a:solidFill>
+                <a:latin typeface="Arial Unicode MS" panose="020B0604020202020204" pitchFamily="34" charset="-122"/>
+              </a:rPr>
+              <a:t>print letters[-3:-1</a:t>
+            </a:r>
+            <a:r>
+              <a:rPr lang="en-US" altLang="zh-CN" sz="2000" dirty="0" smtClean="0">
+                <a:solidFill>
+                  <a:schemeClr val="tx1">
+                    <a:lumMod val="65000"/>
+                    <a:lumOff val="35000"/>
+                  </a:schemeClr>
+                </a:solidFill>
+                <a:latin typeface="Arial Unicode MS" panose="020B0604020202020204" pitchFamily="34" charset="-122"/>
+              </a:rPr>
+              <a:t>]</a:t>
+            </a:r>
+            <a:endParaRPr lang="en-US" altLang="zh-CN" sz="2000" dirty="0">
+              <a:solidFill>
+                <a:schemeClr val="tx1">
+                  <a:lumMod val="65000"/>
+                  <a:lumOff val="35000"/>
+                </a:schemeClr>
+              </a:solidFill>
+              <a:latin typeface="Arial Unicode MS" panose="020B0604020202020204" pitchFamily="34" charset="-122"/>
+            </a:endParaRPr>
+          </a:p>
+        </p:txBody>
+      </p:sp>
+      <p:sp>
+        <p:nvSpPr>
+          <p:cNvPr id="15" name="矩形 14"/>
+          <p:cNvSpPr/>
+          <p:nvPr/>
+        </p:nvSpPr>
+        <p:spPr>
+          <a:xfrm rot="21147527">
+            <a:off x="4716339" y="1416012"/>
+            <a:ext cx="3984410" cy="1300975"/>
+          </a:xfrm>
+          <a:prstGeom prst="rect">
+            <a:avLst/>
+          </a:prstGeom>
+          <a:solidFill>
+            <a:srgbClr val="3B87CD"/>
+          </a:solidFill>
+          <a:ln>
+            <a:noFill/>
+          </a:ln>
+          <a:effectLst>
+            <a:outerShdw blurRad="50800" dist="38100" dir="2700000" algn="tl" rotWithShape="0">
+              <a:prstClr val="black">
+                <a:alpha val="40000"/>
+              </a:prstClr>
+            </a:outerShdw>
+          </a:effectLst>
+        </p:spPr>
+        <p:style>
+          <a:lnRef idx="2">
+            <a:schemeClr val="accent1">
+              <a:shade val="50000"/>
+            </a:schemeClr>
+          </a:lnRef>
+          <a:fillRef idx="1">
+            <a:schemeClr val="accent1"/>
+          </a:fillRef>
+          <a:effectRef idx="0">
+            <a:schemeClr val="accent1"/>
+          </a:effectRef>
+          <a:fontRef idx="minor">
+            <a:schemeClr val="lt1"/>
+          </a:fontRef>
+        </p:style>
+        <p:txBody>
+          <a:bodyPr rtlCol="0" anchor="ctr"/>
+          <a:lstStyle/>
+          <a:p>
+            <a:pPr algn="ctr"/>
+            <a:endParaRPr lang="zh-CN" altLang="en-US"/>
+          </a:p>
+        </p:txBody>
+      </p:sp>
+      <p:sp>
+        <p:nvSpPr>
+          <p:cNvPr id="16" name="矩形 15"/>
+          <p:cNvSpPr/>
+          <p:nvPr/>
+        </p:nvSpPr>
+        <p:spPr>
+          <a:xfrm rot="20866817">
+            <a:off x="4786097" y="1436982"/>
+            <a:ext cx="3575774" cy="1253291"/>
+          </a:xfrm>
+          <a:prstGeom prst="rect">
+            <a:avLst/>
+          </a:prstGeom>
+          <a:solidFill>
+            <a:srgbClr val="BBDFBB"/>
+          </a:solidFill>
+          <a:ln>
+            <a:solidFill>
+              <a:schemeClr val="bg1"/>
+            </a:solidFill>
+          </a:ln>
+          <a:effectLst>
+            <a:outerShdw blurRad="50800" dist="38100" dir="2700000" algn="tl" rotWithShape="0">
+              <a:prstClr val="black">
+                <a:alpha val="40000"/>
+              </a:prstClr>
+            </a:outerShdw>
+          </a:effectLst>
+        </p:spPr>
+        <p:style>
+          <a:lnRef idx="2">
+            <a:schemeClr val="accent1">
+              <a:shade val="50000"/>
+            </a:schemeClr>
+          </a:lnRef>
+          <a:fillRef idx="1">
+            <a:schemeClr val="accent1"/>
+          </a:fillRef>
+          <a:effectRef idx="0">
+            <a:schemeClr val="accent1"/>
+          </a:effectRef>
+          <a:fontRef idx="minor">
+            <a:schemeClr val="lt1"/>
+          </a:fontRef>
+        </p:style>
+        <p:txBody>
+          <a:bodyPr rtlCol="0" anchor="ctr"/>
+          <a:lstStyle/>
+          <a:p>
+            <a:pPr algn="ctr"/>
+            <a:endParaRPr lang="zh-CN" altLang="en-US" sz="4800" dirty="0">
+              <a:solidFill>
+                <a:schemeClr val="tx1"/>
+              </a:solidFill>
+            </a:endParaRPr>
+          </a:p>
+        </p:txBody>
+      </p:sp>
+      <p:sp>
+        <p:nvSpPr>
+          <p:cNvPr id="17" name="矩形 16"/>
+          <p:cNvSpPr/>
+          <p:nvPr/>
+        </p:nvSpPr>
+        <p:spPr>
+          <a:xfrm rot="21147527">
+            <a:off x="215225" y="4087968"/>
+            <a:ext cx="3984410" cy="1300975"/>
+          </a:xfrm>
+          <a:prstGeom prst="rect">
+            <a:avLst/>
+          </a:prstGeom>
+          <a:solidFill>
+            <a:srgbClr val="3B87CD"/>
+          </a:solidFill>
+          <a:ln>
+            <a:noFill/>
+          </a:ln>
+          <a:effectLst>
+            <a:outerShdw blurRad="50800" dist="38100" dir="2700000" algn="tl" rotWithShape="0">
+              <a:prstClr val="black">
+                <a:alpha val="40000"/>
+              </a:prstClr>
+            </a:outerShdw>
+          </a:effectLst>
+        </p:spPr>
+        <p:style>
+          <a:lnRef idx="2">
+            <a:schemeClr val="accent1">
+              <a:shade val="50000"/>
+            </a:schemeClr>
+          </a:lnRef>
+          <a:fillRef idx="1">
+            <a:schemeClr val="accent1"/>
+          </a:fillRef>
+          <a:effectRef idx="0">
+            <a:schemeClr val="accent1"/>
+          </a:effectRef>
+          <a:fontRef idx="minor">
+            <a:schemeClr val="lt1"/>
+          </a:fontRef>
+        </p:style>
+        <p:txBody>
+          <a:bodyPr rtlCol="0" anchor="ctr"/>
+          <a:lstStyle/>
+          <a:p>
+            <a:pPr algn="ctr"/>
+            <a:endParaRPr lang="zh-CN" altLang="en-US"/>
+          </a:p>
+        </p:txBody>
+      </p:sp>
+      <p:sp>
+        <p:nvSpPr>
+          <p:cNvPr id="18" name="矩形 17"/>
+          <p:cNvSpPr/>
+          <p:nvPr/>
+        </p:nvSpPr>
+        <p:spPr>
+          <a:xfrm rot="20866817">
+            <a:off x="412820" y="4088864"/>
+            <a:ext cx="3575774" cy="1253291"/>
+          </a:xfrm>
+          <a:prstGeom prst="rect">
+            <a:avLst/>
+          </a:prstGeom>
+          <a:solidFill>
+            <a:srgbClr val="FBC9F0"/>
+          </a:solidFill>
+          <a:ln>
+            <a:solidFill>
+              <a:schemeClr val="bg1"/>
+            </a:solidFill>
+          </a:ln>
+          <a:effectLst>
+            <a:outerShdw blurRad="50800" dist="38100" dir="2700000" algn="tl" rotWithShape="0">
+              <a:prstClr val="black">
+                <a:alpha val="40000"/>
+              </a:prstClr>
+            </a:outerShdw>
+          </a:effectLst>
+        </p:spPr>
+        <p:style>
+          <a:lnRef idx="2">
+            <a:schemeClr val="accent1">
+              <a:shade val="50000"/>
+            </a:schemeClr>
+          </a:lnRef>
+          <a:fillRef idx="1">
+            <a:schemeClr val="accent1"/>
+          </a:fillRef>
+          <a:effectRef idx="0">
+            <a:schemeClr val="accent1"/>
+          </a:effectRef>
+          <a:fontRef idx="minor">
+            <a:schemeClr val="lt1"/>
+          </a:fontRef>
+        </p:style>
+        <p:txBody>
+          <a:bodyPr rtlCol="0" anchor="ctr"/>
+          <a:lstStyle/>
+          <a:p>
+            <a:pPr algn="ctr"/>
+            <a:endParaRPr lang="zh-CN" altLang="en-US" sz="4800" dirty="0">
+              <a:solidFill>
+                <a:schemeClr val="tx1"/>
+              </a:solidFill>
+            </a:endParaRPr>
+          </a:p>
+        </p:txBody>
+      </p:sp>
+      <p:sp>
+        <p:nvSpPr>
+          <p:cNvPr id="19" name="矩形 18"/>
+          <p:cNvSpPr/>
+          <p:nvPr/>
+        </p:nvSpPr>
+        <p:spPr>
+          <a:xfrm rot="21147527">
+            <a:off x="4795024" y="4066993"/>
+            <a:ext cx="3984410" cy="1300975"/>
+          </a:xfrm>
+          <a:prstGeom prst="rect">
+            <a:avLst/>
+          </a:prstGeom>
+          <a:solidFill>
+            <a:srgbClr val="3B87CD"/>
+          </a:solidFill>
+          <a:ln>
+            <a:noFill/>
+          </a:ln>
+          <a:effectLst>
+            <a:outerShdw blurRad="50800" dist="38100" dir="2700000" algn="tl" rotWithShape="0">
+              <a:prstClr val="black">
+                <a:alpha val="40000"/>
+              </a:prstClr>
+            </a:outerShdw>
+          </a:effectLst>
+        </p:spPr>
+        <p:style>
+          <a:lnRef idx="2">
+            <a:schemeClr val="accent1">
+              <a:shade val="50000"/>
+            </a:schemeClr>
+          </a:lnRef>
+          <a:fillRef idx="1">
+            <a:schemeClr val="accent1"/>
+          </a:fillRef>
+          <a:effectRef idx="0">
+            <a:schemeClr val="accent1"/>
+          </a:effectRef>
+          <a:fontRef idx="minor">
+            <a:schemeClr val="lt1"/>
+          </a:fontRef>
+        </p:style>
+        <p:txBody>
+          <a:bodyPr rtlCol="0" anchor="ctr"/>
+          <a:lstStyle/>
+          <a:p>
+            <a:pPr algn="ctr"/>
+            <a:endParaRPr lang="zh-CN" altLang="en-US"/>
+          </a:p>
+        </p:txBody>
+      </p:sp>
+      <p:sp>
+        <p:nvSpPr>
+          <p:cNvPr id="20" name="矩形 19"/>
+          <p:cNvSpPr/>
+          <p:nvPr/>
+        </p:nvSpPr>
+        <p:spPr>
+          <a:xfrm rot="20866817">
+            <a:off x="4992619" y="4067889"/>
+            <a:ext cx="3575774" cy="1253291"/>
+          </a:xfrm>
+          <a:prstGeom prst="rect">
+            <a:avLst/>
+          </a:prstGeom>
+          <a:solidFill>
+            <a:srgbClr val="FBC9F0"/>
+          </a:solidFill>
+          <a:ln>
+            <a:solidFill>
+              <a:schemeClr val="bg1"/>
+            </a:solidFill>
+          </a:ln>
+          <a:effectLst>
+            <a:outerShdw blurRad="50800" dist="38100" dir="2700000" algn="tl" rotWithShape="0">
+              <a:prstClr val="black">
+                <a:alpha val="40000"/>
+              </a:prstClr>
+            </a:outerShdw>
+          </a:effectLst>
+        </p:spPr>
+        <p:style>
+          <a:lnRef idx="2">
+            <a:schemeClr val="accent1">
+              <a:shade val="50000"/>
+            </a:schemeClr>
+          </a:lnRef>
+          <a:fillRef idx="1">
+            <a:schemeClr val="accent1"/>
+          </a:fillRef>
+          <a:effectRef idx="0">
+            <a:schemeClr val="accent1"/>
+          </a:effectRef>
+          <a:fontRef idx="minor">
+            <a:schemeClr val="lt1"/>
+          </a:fontRef>
+        </p:style>
+        <p:txBody>
+          <a:bodyPr rtlCol="0" anchor="ctr"/>
+          <a:lstStyle/>
+          <a:p>
+            <a:pPr algn="ctr"/>
+            <a:endParaRPr lang="zh-CN" altLang="en-US" sz="4800" dirty="0">
+              <a:solidFill>
+                <a:schemeClr val="tx1"/>
+              </a:solidFill>
+            </a:endParaRPr>
+          </a:p>
+        </p:txBody>
+      </p:sp>
+      <p:sp>
+        <p:nvSpPr>
+          <p:cNvPr id="21" name="文本框 20"/>
+          <p:cNvSpPr txBox="1"/>
+          <p:nvPr/>
+        </p:nvSpPr>
+        <p:spPr>
+          <a:xfrm>
+            <a:off x="5192075" y="4056749"/>
+            <a:ext cx="4539834" cy="1631216"/>
+          </a:xfrm>
+          <a:prstGeom prst="rect">
+            <a:avLst/>
+          </a:prstGeom>
+          <a:noFill/>
+        </p:spPr>
+        <p:txBody>
+          <a:bodyPr wrap="square" rtlCol="0">
+            <a:spAutoFit/>
+          </a:bodyPr>
+          <a:lstStyle/>
+          <a:p>
+            <a:pPr eaLnBrk="0" fontAlgn="base" hangingPunct="0">
+              <a:spcBef>
+                <a:spcPct val="0"/>
+              </a:spcBef>
+              <a:spcAft>
+                <a:spcPct val="0"/>
+              </a:spcAft>
+            </a:pPr>
+            <a:r>
+              <a:rPr lang="en-US" altLang="zh-CN" sz="2000" dirty="0" err="1" smtClean="0">
+                <a:solidFill>
+                  <a:schemeClr val="tx1">
+                    <a:lumMod val="65000"/>
+                    <a:lumOff val="35000"/>
+                  </a:schemeClr>
+                </a:solidFill>
+                <a:latin typeface="Arial Unicode MS" panose="020B0604020202020204" pitchFamily="34" charset="-122"/>
+              </a:rPr>
+              <a:t>Dict</a:t>
+            </a:r>
+            <a:r>
+              <a:rPr lang="en-US" altLang="zh-CN" sz="2000" dirty="0" smtClean="0">
+                <a:solidFill>
+                  <a:schemeClr val="tx1">
+                    <a:lumMod val="65000"/>
+                    <a:lumOff val="35000"/>
+                  </a:schemeClr>
+                </a:solidFill>
+                <a:latin typeface="Arial Unicode MS" panose="020B0604020202020204" pitchFamily="34" charset="-122"/>
+              </a:rPr>
+              <a:t>:</a:t>
+            </a:r>
+            <a:endParaRPr lang="en-US" altLang="zh-CN" sz="2000" dirty="0">
+              <a:solidFill>
+                <a:schemeClr val="tx1">
+                  <a:lumMod val="65000"/>
+                  <a:lumOff val="35000"/>
+                </a:schemeClr>
+              </a:solidFill>
+              <a:latin typeface="Arial Unicode MS" panose="020B0604020202020204" pitchFamily="34" charset="-122"/>
+            </a:endParaRPr>
+          </a:p>
+          <a:p>
+            <a:pPr eaLnBrk="0" fontAlgn="base" hangingPunct="0">
+              <a:spcBef>
+                <a:spcPct val="0"/>
+              </a:spcBef>
+              <a:spcAft>
+                <a:spcPct val="0"/>
+              </a:spcAft>
+            </a:pPr>
+            <a:r>
+              <a:rPr lang="en-US" altLang="zh-CN" sz="2000" dirty="0" smtClean="0">
+                <a:solidFill>
+                  <a:schemeClr val="tx1">
+                    <a:lumMod val="65000"/>
+                    <a:lumOff val="35000"/>
+                  </a:schemeClr>
+                </a:solidFill>
+                <a:latin typeface="Arial Unicode MS" panose="020B0604020202020204" pitchFamily="34" charset="-122"/>
+              </a:rPr>
+              <a:t>seasons </a:t>
+            </a:r>
+            <a:r>
+              <a:rPr lang="en-US" altLang="zh-CN" sz="2000" dirty="0">
+                <a:solidFill>
+                  <a:schemeClr val="tx1">
+                    <a:lumMod val="65000"/>
+                    <a:lumOff val="35000"/>
+                  </a:schemeClr>
+                </a:solidFill>
+                <a:latin typeface="Arial Unicode MS" panose="020B0604020202020204" pitchFamily="34" charset="-122"/>
+              </a:rPr>
+              <a:t>= {"Spring":("</a:t>
+            </a:r>
+            <a:r>
+              <a:rPr lang="en-US" altLang="zh-CN" sz="2000" dirty="0" err="1">
+                <a:solidFill>
+                  <a:schemeClr val="tx1">
+                    <a:lumMod val="65000"/>
+                    <a:lumOff val="35000"/>
+                  </a:schemeClr>
+                </a:solidFill>
+                <a:latin typeface="Arial Unicode MS" panose="020B0604020202020204" pitchFamily="34" charset="-122"/>
+              </a:rPr>
+              <a:t>Mar","Apr","May</a:t>
+            </a:r>
+            <a:r>
+              <a:rPr lang="en-US" altLang="zh-CN" sz="2000" dirty="0">
+                <a:solidFill>
+                  <a:schemeClr val="tx1">
+                    <a:lumMod val="65000"/>
+                    <a:lumOff val="35000"/>
+                  </a:schemeClr>
+                </a:solidFill>
+                <a:latin typeface="Arial Unicode MS" panose="020B0604020202020204" pitchFamily="34" charset="-122"/>
+              </a:rPr>
+              <a:t>"), "Summer":("</a:t>
+            </a:r>
+            <a:r>
+              <a:rPr lang="en-US" altLang="zh-CN" sz="2000" dirty="0" err="1">
+                <a:solidFill>
+                  <a:schemeClr val="tx1">
+                    <a:lumMod val="65000"/>
+                    <a:lumOff val="35000"/>
+                  </a:schemeClr>
+                </a:solidFill>
+                <a:latin typeface="Arial Unicode MS" panose="020B0604020202020204" pitchFamily="34" charset="-122"/>
+              </a:rPr>
+              <a:t>Jun","Jul","Aug</a:t>
+            </a:r>
+            <a:r>
+              <a:rPr lang="en-US" altLang="zh-CN" sz="2000" dirty="0" smtClean="0">
+                <a:solidFill>
+                  <a:schemeClr val="tx1">
+                    <a:lumMod val="65000"/>
+                    <a:lumOff val="35000"/>
+                  </a:schemeClr>
+                </a:solidFill>
+                <a:latin typeface="Arial Unicode MS" panose="020B0604020202020204" pitchFamily="34" charset="-122"/>
+              </a:rPr>
+              <a:t>")}</a:t>
+            </a:r>
+          </a:p>
+          <a:p>
+            <a:pPr eaLnBrk="0" fontAlgn="base" hangingPunct="0">
+              <a:spcBef>
+                <a:spcPct val="0"/>
+              </a:spcBef>
+              <a:spcAft>
+                <a:spcPct val="0"/>
+              </a:spcAft>
+            </a:pPr>
+            <a:r>
+              <a:rPr lang="en-US" altLang="zh-CN" sz="2000" dirty="0">
+                <a:solidFill>
+                  <a:schemeClr val="tx1">
+                    <a:lumMod val="65000"/>
+                    <a:lumOff val="35000"/>
+                  </a:schemeClr>
+                </a:solidFill>
+                <a:latin typeface="Arial Unicode MS" panose="020B0604020202020204" pitchFamily="34" charset="-122"/>
+              </a:rPr>
+              <a:t>p</a:t>
+            </a:r>
+            <a:r>
+              <a:rPr lang="en-US" altLang="zh-CN" sz="2000" dirty="0" smtClean="0">
+                <a:solidFill>
+                  <a:schemeClr val="tx1">
+                    <a:lumMod val="65000"/>
+                    <a:lumOff val="35000"/>
+                  </a:schemeClr>
+                </a:solidFill>
+                <a:latin typeface="Arial Unicode MS" panose="020B0604020202020204" pitchFamily="34" charset="-122"/>
+              </a:rPr>
+              <a:t>rint </a:t>
+            </a:r>
+            <a:r>
+              <a:rPr lang="en-US" altLang="zh-CN" sz="2000" dirty="0" err="1" smtClean="0">
+                <a:solidFill>
+                  <a:schemeClr val="tx1">
+                    <a:lumMod val="65000"/>
+                    <a:lumOff val="35000"/>
+                  </a:schemeClr>
+                </a:solidFill>
+                <a:latin typeface="Arial Unicode MS" panose="020B0604020202020204" pitchFamily="34" charset="-122"/>
+              </a:rPr>
+              <a:t>seasons.keys</a:t>
+            </a:r>
+            <a:r>
+              <a:rPr lang="en-US" altLang="zh-CN" sz="2000" dirty="0" smtClean="0">
+                <a:solidFill>
+                  <a:schemeClr val="tx1">
+                    <a:lumMod val="65000"/>
+                    <a:lumOff val="35000"/>
+                  </a:schemeClr>
+                </a:solidFill>
+                <a:latin typeface="Arial Unicode MS" panose="020B0604020202020204" pitchFamily="34" charset="-122"/>
+              </a:rPr>
+              <a:t>()</a:t>
+            </a:r>
+            <a:endParaRPr lang="zh-CN" altLang="en-US" sz="2000" dirty="0">
+              <a:solidFill>
+                <a:schemeClr val="tx1">
+                  <a:lumMod val="65000"/>
+                  <a:lumOff val="35000"/>
+                </a:schemeClr>
+              </a:solidFill>
+              <a:latin typeface="Arial Unicode MS" panose="020B0604020202020204" pitchFamily="34" charset="-122"/>
+            </a:endParaRPr>
+          </a:p>
+        </p:txBody>
+      </p:sp>
+      <p:sp>
+        <p:nvSpPr>
+          <p:cNvPr id="3" name="文本框 2"/>
+          <p:cNvSpPr txBox="1"/>
+          <p:nvPr/>
+        </p:nvSpPr>
+        <p:spPr>
+          <a:xfrm>
+            <a:off x="457200" y="4303187"/>
+            <a:ext cx="3855382" cy="1323439"/>
+          </a:xfrm>
+          <a:prstGeom prst="rect">
+            <a:avLst/>
+          </a:prstGeom>
+          <a:noFill/>
+        </p:spPr>
+        <p:txBody>
+          <a:bodyPr wrap="square" rtlCol="0">
+            <a:spAutoFit/>
+          </a:bodyPr>
+          <a:lstStyle/>
+          <a:p>
+            <a:r>
+              <a:rPr lang="en-US" altLang="zh-CN" sz="2000" dirty="0" smtClean="0">
+                <a:solidFill>
+                  <a:schemeClr val="tx1">
+                    <a:lumMod val="75000"/>
+                    <a:lumOff val="25000"/>
+                  </a:schemeClr>
+                </a:solidFill>
+              </a:rPr>
+              <a:t>Set:</a:t>
+            </a:r>
+          </a:p>
+          <a:p>
+            <a:r>
+              <a:rPr lang="en-US" altLang="zh-CN" sz="2000" dirty="0" smtClean="0">
+                <a:solidFill>
+                  <a:schemeClr val="tx1">
+                    <a:lumMod val="75000"/>
+                    <a:lumOff val="25000"/>
+                  </a:schemeClr>
+                </a:solidFill>
+              </a:rPr>
+              <a:t>sequence </a:t>
+            </a:r>
+            <a:r>
+              <a:rPr lang="en-US" altLang="zh-CN" sz="2000" dirty="0">
+                <a:solidFill>
+                  <a:schemeClr val="tx1">
+                    <a:lumMod val="75000"/>
+                    <a:lumOff val="25000"/>
+                  </a:schemeClr>
+                </a:solidFill>
+              </a:rPr>
+              <a:t>= 1, 3, 5, 7, </a:t>
+            </a:r>
+            <a:r>
+              <a:rPr lang="en-US" altLang="zh-CN" sz="2000" dirty="0" smtClean="0">
+                <a:solidFill>
+                  <a:schemeClr val="tx1">
+                    <a:lumMod val="75000"/>
+                    <a:lumOff val="25000"/>
+                  </a:schemeClr>
+                </a:solidFill>
+              </a:rPr>
+              <a:t>5</a:t>
+            </a:r>
+          </a:p>
+          <a:p>
+            <a:r>
+              <a:rPr lang="en-US" altLang="zh-CN" sz="2000" dirty="0" smtClean="0">
+                <a:solidFill>
+                  <a:schemeClr val="tx1">
+                    <a:lumMod val="75000"/>
+                    <a:lumOff val="25000"/>
+                  </a:schemeClr>
+                </a:solidFill>
+              </a:rPr>
+              <a:t>set </a:t>
+            </a:r>
+            <a:r>
+              <a:rPr lang="en-US" altLang="zh-CN" sz="2000" dirty="0">
+                <a:solidFill>
+                  <a:schemeClr val="tx1">
+                    <a:lumMod val="75000"/>
+                    <a:lumOff val="25000"/>
+                  </a:schemeClr>
+                </a:solidFill>
+              </a:rPr>
+              <a:t>= </a:t>
+            </a:r>
+            <a:r>
+              <a:rPr lang="en-US" altLang="zh-CN" sz="2000" b="1" dirty="0" smtClean="0">
+                <a:solidFill>
+                  <a:schemeClr val="tx1">
+                    <a:lumMod val="75000"/>
+                    <a:lumOff val="25000"/>
+                  </a:schemeClr>
+                </a:solidFill>
+              </a:rPr>
+              <a:t>set</a:t>
+            </a:r>
+            <a:r>
+              <a:rPr lang="en-US" altLang="zh-CN" sz="2000" dirty="0" smtClean="0">
+                <a:solidFill>
+                  <a:schemeClr val="tx1">
+                    <a:lumMod val="75000"/>
+                    <a:lumOff val="25000"/>
+                  </a:schemeClr>
+                </a:solidFill>
+              </a:rPr>
+              <a:t>(sequence)</a:t>
+            </a:r>
+            <a:r>
+              <a:rPr lang="en-US" altLang="zh-CN" sz="2000" dirty="0">
+                <a:solidFill>
+                  <a:schemeClr val="tx1">
+                    <a:lumMod val="75000"/>
+                    <a:lumOff val="25000"/>
+                  </a:schemeClr>
+                </a:solidFill>
+              </a:rPr>
+              <a:t/>
+            </a:r>
+            <a:br>
+              <a:rPr lang="en-US" altLang="zh-CN" sz="2000" dirty="0">
+                <a:solidFill>
+                  <a:schemeClr val="tx1">
+                    <a:lumMod val="75000"/>
+                    <a:lumOff val="25000"/>
+                  </a:schemeClr>
+                </a:solidFill>
+              </a:rPr>
+            </a:br>
+            <a:r>
+              <a:rPr lang="en-US" altLang="zh-CN" sz="2000" dirty="0" smtClean="0">
+                <a:solidFill>
+                  <a:schemeClr val="tx1">
+                    <a:lumMod val="75000"/>
+                    <a:lumOff val="25000"/>
+                  </a:schemeClr>
+                </a:solidFill>
+              </a:rPr>
+              <a:t>print set</a:t>
+            </a:r>
+            <a:endParaRPr lang="zh-CN" altLang="en-US" sz="2000" dirty="0">
+              <a:solidFill>
+                <a:schemeClr val="tx1">
+                  <a:lumMod val="75000"/>
+                  <a:lumOff val="25000"/>
+                </a:schemeClr>
+              </a:solidFill>
+            </a:endParaRPr>
+          </a:p>
+        </p:txBody>
+      </p:sp>
+      <p:sp>
+        <p:nvSpPr>
+          <p:cNvPr id="26" name="文本框 25"/>
+          <p:cNvSpPr txBox="1"/>
+          <p:nvPr/>
+        </p:nvSpPr>
+        <p:spPr>
+          <a:xfrm>
+            <a:off x="4959274" y="1676150"/>
+            <a:ext cx="3855382" cy="1015663"/>
+          </a:xfrm>
+          <a:prstGeom prst="rect">
+            <a:avLst/>
+          </a:prstGeom>
+          <a:noFill/>
+        </p:spPr>
+        <p:txBody>
+          <a:bodyPr wrap="square" rtlCol="0">
+            <a:spAutoFit/>
+          </a:bodyPr>
+          <a:lstStyle/>
+          <a:p>
+            <a:r>
+              <a:rPr lang="en-US" altLang="zh-CN" sz="2000" dirty="0" smtClean="0">
+                <a:solidFill>
+                  <a:schemeClr val="tx1">
+                    <a:lumMod val="75000"/>
+                    <a:lumOff val="25000"/>
+                  </a:schemeClr>
+                </a:solidFill>
+              </a:rPr>
+              <a:t>Tuple:</a:t>
+            </a:r>
+          </a:p>
+          <a:p>
+            <a:r>
+              <a:rPr lang="fr-FR" altLang="zh-CN" sz="2000" dirty="0">
+                <a:solidFill>
+                  <a:schemeClr val="tx1">
+                    <a:lumMod val="65000"/>
+                    <a:lumOff val="35000"/>
+                  </a:schemeClr>
+                </a:solidFill>
+                <a:latin typeface="Arial Unicode MS" panose="020B0604020202020204" pitchFamily="34" charset="-122"/>
+              </a:rPr>
+              <a:t>t=('123', '456')</a:t>
+            </a:r>
+          </a:p>
+          <a:p>
+            <a:r>
+              <a:rPr lang="fr-FR" altLang="zh-CN" sz="2000" dirty="0">
+                <a:solidFill>
+                  <a:schemeClr val="tx1">
+                    <a:lumMod val="65000"/>
+                    <a:lumOff val="35000"/>
+                  </a:schemeClr>
+                </a:solidFill>
+                <a:latin typeface="Arial Unicode MS" panose="020B0604020202020204" pitchFamily="34" charset="-122"/>
+              </a:rPr>
+              <a:t>print t[0]</a:t>
+            </a:r>
+            <a:endParaRPr lang="zh-CN" altLang="en-US" sz="2000" dirty="0">
+              <a:solidFill>
+                <a:schemeClr val="tx1">
+                  <a:lumMod val="65000"/>
+                  <a:lumOff val="35000"/>
+                </a:schemeClr>
+              </a:solidFill>
+              <a:latin typeface="Arial Unicode MS" panose="020B0604020202020204" pitchFamily="34" charset="-122"/>
+            </a:endParaRPr>
+          </a:p>
+        </p:txBody>
+      </p:sp>
+    </p:spTree>
+    <p:extLst>
+      <p:ext uri="{BB962C8B-B14F-4D97-AF65-F5344CB8AC3E}">
+        <p14:creationId xmlns:p14="http://schemas.microsoft.com/office/powerpoint/2010/main" val="292184300"/>
+      </p:ext>
+    </p:extLst>
+  </p:cSld>
+  <p:clrMapOvr>
+    <a:masterClrMapping/>
+  </p:clrMapOvr>
+  <p:timing>
+    <p:tnLst>
+      <p:par>
+        <p:cTn id="1" dur="indefinite" restart="never" nodeType="tmRoot"/>
+      </p:par>
+    </p:tnLst>
+  </p:timing>
+</p:sld>
+</file>
+
+<file path=ppt/slides/slide8.xml><?xml version="1.0" encoding="utf-8"?>
+<p:sld xmlns:a="http://schemas.openxmlformats.org/drawingml/2006/main" xmlns:r="http://schemas.openxmlformats.org/officeDocument/2006/relationships" xmlns:p="http://schemas.openxmlformats.org/presentationml/2006/main">
+  <p:cSld>
+    <p:spTree>
+      <p:nvGrpSpPr>
+        <p:cNvPr id="1" name=""/>
+        <p:cNvGrpSpPr/>
+        <p:nvPr/>
+      </p:nvGrpSpPr>
+      <p:grpSpPr>
+        <a:xfrm>
+          <a:off x="0" y="0"/>
+          <a:ext cx="0" cy="0"/>
+          <a:chOff x="0" y="0"/>
+          <a:chExt cx="0" cy="0"/>
+        </a:xfrm>
+      </p:grpSpPr>
+      <p:grpSp>
+        <p:nvGrpSpPr>
+          <p:cNvPr id="4" name="组合 3"/>
+          <p:cNvGrpSpPr/>
+          <p:nvPr/>
+        </p:nvGrpSpPr>
+        <p:grpSpPr>
+          <a:xfrm>
+            <a:off x="1" y="0"/>
+            <a:ext cx="9144000" cy="6858000"/>
+            <a:chOff x="1" y="0"/>
+            <a:chExt cx="9144000" cy="6858000"/>
+          </a:xfrm>
+        </p:grpSpPr>
+        <p:sp>
+          <p:nvSpPr>
+            <p:cNvPr id="5" name="矩形 4"/>
+            <p:cNvSpPr/>
+            <p:nvPr/>
+          </p:nvSpPr>
+          <p:spPr>
+            <a:xfrm>
+              <a:off x="1" y="3124200"/>
+              <a:ext cx="9144000" cy="3733800"/>
+            </a:xfrm>
+            <a:prstGeom prst="rect">
+              <a:avLst/>
+            </a:prstGeom>
+            <a:solidFill>
+              <a:srgbClr val="BBDFBB"/>
+            </a:solidFill>
+            <a:ln>
+              <a:solidFill>
+                <a:srgbClr val="BBDFBB"/>
+              </a:solidFill>
+            </a:ln>
+          </p:spPr>
+          <p:style>
+            <a:lnRef idx="2">
+              <a:schemeClr val="accent1">
+                <a:shade val="50000"/>
+              </a:schemeClr>
+            </a:lnRef>
+            <a:fillRef idx="1">
+              <a:schemeClr val="accent1"/>
+            </a:fillRef>
+            <a:effectRef idx="0">
+              <a:schemeClr val="accent1"/>
+            </a:effectRef>
+            <a:fontRef idx="minor">
+              <a:schemeClr val="lt1"/>
+            </a:fontRef>
+          </p:style>
+          <p:txBody>
+            <a:bodyPr rtlCol="0" anchor="ctr"/>
+            <a:lstStyle/>
+            <a:p>
+              <a:pPr algn="ctr"/>
+              <a:endParaRPr lang="zh-CN" altLang="en-US"/>
+            </a:p>
+          </p:txBody>
+        </p:sp>
+        <p:sp>
+          <p:nvSpPr>
+            <p:cNvPr id="6" name="矩形 5"/>
+            <p:cNvSpPr/>
+            <p:nvPr/>
+          </p:nvSpPr>
+          <p:spPr>
+            <a:xfrm>
+              <a:off x="1" y="0"/>
+              <a:ext cx="9144000" cy="3600450"/>
+            </a:xfrm>
+            <a:prstGeom prst="rect">
+              <a:avLst/>
+            </a:prstGeom>
+            <a:solidFill>
+              <a:srgbClr val="FBC9F0"/>
+            </a:solidFill>
+            <a:ln>
+              <a:noFill/>
+            </a:ln>
+          </p:spPr>
+          <p:style>
+            <a:lnRef idx="2">
+              <a:schemeClr val="accent1">
+                <a:shade val="50000"/>
+              </a:schemeClr>
+            </a:lnRef>
+            <a:fillRef idx="1">
+              <a:schemeClr val="accent1"/>
+            </a:fillRef>
+            <a:effectRef idx="0">
+              <a:schemeClr val="accent1"/>
+            </a:effectRef>
+            <a:fontRef idx="minor">
+              <a:schemeClr val="lt1"/>
+            </a:fontRef>
+          </p:style>
+          <p:txBody>
+            <a:bodyPr rtlCol="0" anchor="ctr"/>
+            <a:lstStyle/>
+            <a:p>
+              <a:pPr algn="ctr"/>
+              <a:endParaRPr lang="zh-CN" altLang="en-US"/>
+            </a:p>
+          </p:txBody>
+        </p:sp>
+      </p:grpSp>
+      <p:sp>
+        <p:nvSpPr>
+          <p:cNvPr id="2" name="Title 1"/>
+          <p:cNvSpPr>
+            <a:spLocks noGrp="1"/>
+          </p:cNvSpPr>
+          <p:nvPr>
+            <p:ph type="title"/>
+          </p:nvPr>
+        </p:nvSpPr>
+        <p:spPr/>
+        <p:txBody>
+          <a:bodyPr/>
+          <a:lstStyle/>
+          <a:p>
+            <a:r>
+              <a:rPr lang="en-US" altLang="zh-CN" dirty="0"/>
+              <a:t>Object Oriented</a:t>
+            </a:r>
+            <a:endParaRPr lang="en-US" dirty="0"/>
+          </a:p>
+        </p:txBody>
+      </p:sp>
+      <p:sp>
+        <p:nvSpPr>
+          <p:cNvPr id="7" name="矩形 6"/>
+          <p:cNvSpPr/>
+          <p:nvPr/>
+        </p:nvSpPr>
+        <p:spPr>
+          <a:xfrm>
+            <a:off x="1" y="6126163"/>
+            <a:ext cx="4724398" cy="748145"/>
+          </a:xfrm>
+          <a:prstGeom prst="rect">
+            <a:avLst/>
+          </a:prstGeom>
+          <a:solidFill>
+            <a:srgbClr val="F945EC"/>
+          </a:solidFill>
+          <a:ln>
+            <a:noFill/>
+          </a:ln>
+        </p:spPr>
+        <p:style>
+          <a:lnRef idx="2">
+            <a:schemeClr val="accent1">
+              <a:shade val="50000"/>
+            </a:schemeClr>
+          </a:lnRef>
+          <a:fillRef idx="1">
+            <a:schemeClr val="accent1"/>
+          </a:fillRef>
+          <a:effectRef idx="0">
+            <a:schemeClr val="accent1"/>
+          </a:effectRef>
+          <a:fontRef idx="minor">
+            <a:schemeClr val="lt1"/>
+          </a:fontRef>
+        </p:style>
+        <p:txBody>
+          <a:bodyPr rtlCol="0" anchor="ctr"/>
+          <a:lstStyle/>
+          <a:p>
+            <a:pPr algn="ctr"/>
+            <a:endParaRPr lang="zh-CN" altLang="en-US"/>
+          </a:p>
+        </p:txBody>
+      </p:sp>
+      <p:sp>
+        <p:nvSpPr>
+          <p:cNvPr id="8" name="矩形 7"/>
+          <p:cNvSpPr/>
+          <p:nvPr/>
+        </p:nvSpPr>
+        <p:spPr>
+          <a:xfrm>
+            <a:off x="4724401" y="6125606"/>
+            <a:ext cx="4419600" cy="748145"/>
+          </a:xfrm>
+          <a:prstGeom prst="rect">
+            <a:avLst/>
+          </a:prstGeom>
+          <a:solidFill>
+            <a:srgbClr val="3B87CD"/>
+          </a:solidFill>
+          <a:ln>
+            <a:noFill/>
+          </a:ln>
+        </p:spPr>
+        <p:style>
+          <a:lnRef idx="2">
+            <a:schemeClr val="accent1">
+              <a:shade val="50000"/>
+            </a:schemeClr>
+          </a:lnRef>
+          <a:fillRef idx="1">
+            <a:schemeClr val="accent1"/>
+          </a:fillRef>
+          <a:effectRef idx="0">
+            <a:schemeClr val="accent1"/>
+          </a:effectRef>
+          <a:fontRef idx="minor">
+            <a:schemeClr val="lt1"/>
+          </a:fontRef>
+        </p:style>
+        <p:txBody>
+          <a:bodyPr rtlCol="0" anchor="ctr"/>
+          <a:lstStyle/>
+          <a:p>
+            <a:pPr algn="ctr"/>
+            <a:endParaRPr lang="zh-CN" altLang="en-US"/>
+          </a:p>
+        </p:txBody>
+      </p:sp>
+      <p:sp>
+        <p:nvSpPr>
+          <p:cNvPr id="9" name="文本框 8"/>
+          <p:cNvSpPr txBox="1"/>
+          <p:nvPr/>
+        </p:nvSpPr>
+        <p:spPr>
+          <a:xfrm>
+            <a:off x="3810000" y="6048299"/>
+            <a:ext cx="3803072" cy="646331"/>
+          </a:xfrm>
+          <a:prstGeom prst="rect">
+            <a:avLst/>
+          </a:prstGeom>
+          <a:noFill/>
+        </p:spPr>
+        <p:txBody>
+          <a:bodyPr wrap="square" rtlCol="0">
+            <a:spAutoFit/>
+          </a:bodyPr>
+          <a:lstStyle/>
+          <a:p>
+            <a:r>
+              <a:rPr lang="en-US" altLang="zh-CN" sz="3600" dirty="0" smtClean="0">
+                <a:latin typeface="Bauhaus 93" panose="04030905020B02020C02" pitchFamily="82" charset="0"/>
+              </a:rPr>
+              <a:t>Python</a:t>
+            </a:r>
+            <a:endParaRPr lang="zh-CN" altLang="en-US" sz="3600" dirty="0">
+              <a:latin typeface="Bauhaus 93" panose="04030905020B02020C02" pitchFamily="82" charset="0"/>
+            </a:endParaRPr>
+          </a:p>
+        </p:txBody>
+      </p:sp>
+      <p:sp>
+        <p:nvSpPr>
+          <p:cNvPr id="10" name="文本框 9"/>
+          <p:cNvSpPr txBox="1"/>
+          <p:nvPr/>
+        </p:nvSpPr>
+        <p:spPr>
+          <a:xfrm>
+            <a:off x="0" y="6088283"/>
+            <a:ext cx="2078182" cy="523220"/>
+          </a:xfrm>
+          <a:prstGeom prst="rect">
+            <a:avLst/>
+          </a:prstGeom>
+          <a:noFill/>
+        </p:spPr>
+        <p:txBody>
+          <a:bodyPr wrap="square" rtlCol="0">
+            <a:spAutoFit/>
+          </a:bodyPr>
+          <a:lstStyle/>
+          <a:p>
+            <a:r>
+              <a:rPr lang="en-US" altLang="zh-CN" sz="2800" dirty="0">
+                <a:solidFill>
+                  <a:schemeClr val="tx1">
+                    <a:lumMod val="65000"/>
+                    <a:lumOff val="35000"/>
+                  </a:schemeClr>
+                </a:solidFill>
+              </a:rPr>
+              <a:t>6</a:t>
+            </a:r>
+            <a:endParaRPr lang="zh-CN" altLang="en-US" sz="2800" dirty="0">
+              <a:solidFill>
+                <a:schemeClr val="tx1">
+                  <a:lumMod val="65000"/>
+                  <a:lumOff val="35000"/>
+                </a:schemeClr>
+              </a:solidFill>
+            </a:endParaRPr>
+          </a:p>
+        </p:txBody>
+      </p:sp>
+      <p:sp>
+        <p:nvSpPr>
+          <p:cNvPr id="11" name="文本框 10"/>
+          <p:cNvSpPr txBox="1"/>
+          <p:nvPr/>
+        </p:nvSpPr>
+        <p:spPr>
+          <a:xfrm>
+            <a:off x="8132619" y="6133091"/>
+            <a:ext cx="2078182" cy="523220"/>
+          </a:xfrm>
+          <a:prstGeom prst="rect">
+            <a:avLst/>
+          </a:prstGeom>
+          <a:noFill/>
+        </p:spPr>
+        <p:txBody>
+          <a:bodyPr wrap="square" rtlCol="0">
+            <a:spAutoFit/>
+          </a:bodyPr>
+          <a:lstStyle/>
+          <a:p>
+            <a:r>
+              <a:rPr lang="en-US" altLang="zh-CN" sz="2800" dirty="0" smtClean="0">
+                <a:solidFill>
+                  <a:schemeClr val="tx1">
+                    <a:lumMod val="65000"/>
+                    <a:lumOff val="35000"/>
+                  </a:schemeClr>
+                </a:solidFill>
+              </a:rPr>
+              <a:t>CSTC</a:t>
+            </a:r>
+            <a:endParaRPr lang="zh-CN" altLang="en-US" sz="2800" dirty="0">
+              <a:solidFill>
+                <a:schemeClr val="tx1">
+                  <a:lumMod val="65000"/>
+                  <a:lumOff val="35000"/>
+                </a:schemeClr>
+              </a:solidFill>
+            </a:endParaRPr>
+          </a:p>
+        </p:txBody>
+      </p:sp>
+      <p:sp>
+        <p:nvSpPr>
+          <p:cNvPr id="17" name="Rectangle 5"/>
+          <p:cNvSpPr>
+            <a:spLocks noGrp="1" noChangeArrowheads="1"/>
+          </p:cNvSpPr>
+          <p:nvPr>
+            <p:ph idx="1"/>
+          </p:nvPr>
+        </p:nvSpPr>
+        <p:spPr bwMode="auto">
+          <a:xfrm>
+            <a:off x="0" y="1193924"/>
+            <a:ext cx="9067800" cy="4031873"/>
+          </a:xfrm>
+          <a:prstGeom prst="rect">
+            <a:avLst/>
+          </a:prstGeom>
+          <a:noFill/>
+          <a:ln>
+            <a:noFill/>
+          </a:ln>
+          <a:effectLst/>
+        </p:spPr>
+        <p:txBody>
+          <a:bodyPr vert="horz" wrap="square" lIns="91440" tIns="45720" rIns="91440" bIns="45720" numCol="1" anchor="ctr" anchorCtr="0" compatLnSpc="1">
+            <a:prstTxWarp prst="textNoShape">
+              <a:avLst/>
+            </a:prstTxWarp>
+            <a:spAutoFit/>
+          </a:bodyPr>
+          <a:lstStyle/>
+          <a:p>
+            <a:pPr marL="0" marR="0" lvl="0" indent="0" algn="l" defTabSz="914400" rtl="0" eaLnBrk="0" fontAlgn="base" latinLnBrk="0" hangingPunct="0">
+              <a:lnSpc>
+                <a:spcPct val="100000"/>
+              </a:lnSpc>
+              <a:spcBef>
+                <a:spcPct val="0"/>
+              </a:spcBef>
+              <a:spcAft>
+                <a:spcPct val="0"/>
+              </a:spcAft>
+              <a:buClrTx/>
+              <a:buSzTx/>
+              <a:buFontTx/>
+              <a:buNone/>
+              <a:tabLst/>
+            </a:pPr>
+            <a:r>
+              <a:rPr kumimoji="0" lang="zh-CN" altLang="zh-CN" b="0" i="0" u="none" strike="noStrike" cap="none" normalizeH="0" baseline="0" dirty="0" smtClean="0">
+                <a:ln>
+                  <a:noFill/>
+                </a:ln>
+                <a:solidFill>
+                  <a:schemeClr val="tx1">
+                    <a:lumMod val="65000"/>
+                    <a:lumOff val="35000"/>
+                  </a:schemeClr>
+                </a:solidFill>
+                <a:effectLst/>
+                <a:latin typeface="Arial Unicode MS" panose="020B0604020202020204" pitchFamily="34" charset="-122"/>
+              </a:rPr>
+              <a:t>class Dog: </a:t>
+            </a:r>
+            <a:endParaRPr kumimoji="0" lang="en-US" altLang="zh-CN" b="0" i="0" u="none" strike="noStrike" cap="none" normalizeH="0" baseline="0" dirty="0" smtClean="0">
+              <a:ln>
+                <a:noFill/>
+              </a:ln>
+              <a:solidFill>
+                <a:schemeClr val="tx1">
+                  <a:lumMod val="65000"/>
+                  <a:lumOff val="35000"/>
+                </a:schemeClr>
+              </a:solidFill>
+              <a:effectLst/>
+              <a:latin typeface="Arial Unicode MS" panose="020B0604020202020204" pitchFamily="34" charset="-122"/>
+            </a:endParaRPr>
+          </a:p>
+          <a:p>
+            <a:pPr marL="0" marR="0" lvl="0" indent="0" algn="l" defTabSz="914400" rtl="0" eaLnBrk="0" fontAlgn="base" latinLnBrk="0" hangingPunct="0">
+              <a:lnSpc>
+                <a:spcPct val="100000"/>
+              </a:lnSpc>
+              <a:spcBef>
+                <a:spcPct val="0"/>
+              </a:spcBef>
+              <a:spcAft>
+                <a:spcPct val="0"/>
+              </a:spcAft>
+              <a:buClrTx/>
+              <a:buSzTx/>
+              <a:buFontTx/>
+              <a:buNone/>
+              <a:tabLst/>
+            </a:pPr>
+            <a:r>
+              <a:rPr kumimoji="0" lang="en-US" altLang="zh-CN" b="0" i="0" u="none" strike="noStrike" cap="none" normalizeH="0" baseline="0" dirty="0" smtClean="0">
+                <a:ln>
+                  <a:noFill/>
+                </a:ln>
+                <a:solidFill>
+                  <a:schemeClr val="tx1">
+                    <a:lumMod val="65000"/>
+                    <a:lumOff val="35000"/>
+                  </a:schemeClr>
+                </a:solidFill>
+                <a:effectLst/>
+                <a:latin typeface="Arial Unicode MS" panose="020B0604020202020204" pitchFamily="34" charset="-122"/>
+              </a:rPr>
+              <a:t>	</a:t>
+            </a:r>
+            <a:r>
+              <a:rPr kumimoji="0" lang="zh-CN" altLang="zh-CN" b="0" i="0" u="none" strike="noStrike" cap="none" normalizeH="0" baseline="0" dirty="0" smtClean="0">
+                <a:ln>
+                  <a:noFill/>
+                </a:ln>
+                <a:solidFill>
+                  <a:schemeClr val="tx1">
+                    <a:lumMod val="65000"/>
+                    <a:lumOff val="35000"/>
+                  </a:schemeClr>
+                </a:solidFill>
+                <a:effectLst/>
+                <a:latin typeface="Arial Unicode MS" panose="020B0604020202020204" pitchFamily="34" charset="-122"/>
+              </a:rPr>
+              <a:t>def __init__(self, name): </a:t>
+            </a:r>
+            <a:endParaRPr kumimoji="0" lang="en-US" altLang="zh-CN" b="0" i="0" u="none" strike="noStrike" cap="none" normalizeH="0" baseline="0" dirty="0" smtClean="0">
+              <a:ln>
+                <a:noFill/>
+              </a:ln>
+              <a:solidFill>
+                <a:schemeClr val="tx1">
+                  <a:lumMod val="65000"/>
+                  <a:lumOff val="35000"/>
+                </a:schemeClr>
+              </a:solidFill>
+              <a:effectLst/>
+              <a:latin typeface="Arial Unicode MS" panose="020B0604020202020204" pitchFamily="34" charset="-122"/>
+            </a:endParaRPr>
+          </a:p>
+          <a:p>
+            <a:pPr marL="0" marR="0" lvl="0" indent="0" algn="l" defTabSz="914400" rtl="0" eaLnBrk="0" fontAlgn="base" latinLnBrk="0" hangingPunct="0">
+              <a:lnSpc>
+                <a:spcPct val="100000"/>
+              </a:lnSpc>
+              <a:spcBef>
+                <a:spcPct val="0"/>
+              </a:spcBef>
+              <a:spcAft>
+                <a:spcPct val="0"/>
+              </a:spcAft>
+              <a:buClrTx/>
+              <a:buSzTx/>
+              <a:buFontTx/>
+              <a:buNone/>
+              <a:tabLst/>
+            </a:pPr>
+            <a:r>
+              <a:rPr kumimoji="0" lang="en-US" altLang="zh-CN" b="0" i="0" u="none" strike="noStrike" cap="none" normalizeH="0" baseline="0" dirty="0" smtClean="0">
+                <a:ln>
+                  <a:noFill/>
+                </a:ln>
+                <a:solidFill>
+                  <a:schemeClr val="tx1">
+                    <a:lumMod val="65000"/>
+                    <a:lumOff val="35000"/>
+                  </a:schemeClr>
+                </a:solidFill>
+                <a:effectLst/>
+                <a:latin typeface="Arial Unicode MS" panose="020B0604020202020204" pitchFamily="34" charset="-122"/>
+              </a:rPr>
+              <a:t>		</a:t>
+            </a:r>
+            <a:r>
+              <a:rPr kumimoji="0" lang="zh-CN" altLang="zh-CN" b="0" i="0" u="none" strike="noStrike" cap="none" normalizeH="0" baseline="0" dirty="0" smtClean="0">
+                <a:ln>
+                  <a:noFill/>
+                </a:ln>
+                <a:solidFill>
+                  <a:schemeClr val="tx1">
+                    <a:lumMod val="65000"/>
+                    <a:lumOff val="35000"/>
+                  </a:schemeClr>
+                </a:solidFill>
+                <a:effectLst/>
+                <a:latin typeface="Arial Unicode MS" panose="020B0604020202020204" pitchFamily="34" charset="-122"/>
+              </a:rPr>
+              <a:t>self.name = name </a:t>
+            </a:r>
+            <a:endParaRPr kumimoji="0" lang="en-US" altLang="zh-CN" b="0" i="0" u="none" strike="noStrike" cap="none" normalizeH="0" baseline="0" dirty="0" smtClean="0">
+              <a:ln>
+                <a:noFill/>
+              </a:ln>
+              <a:solidFill>
+                <a:schemeClr val="tx1">
+                  <a:lumMod val="65000"/>
+                  <a:lumOff val="35000"/>
+                </a:schemeClr>
+              </a:solidFill>
+              <a:effectLst/>
+              <a:latin typeface="Arial Unicode MS" panose="020B0604020202020204" pitchFamily="34" charset="-122"/>
+            </a:endParaRPr>
+          </a:p>
+          <a:p>
+            <a:pPr marL="0" marR="0" lvl="0" indent="0" algn="l" defTabSz="914400" rtl="0" eaLnBrk="0" fontAlgn="base" latinLnBrk="0" hangingPunct="0">
+              <a:lnSpc>
+                <a:spcPct val="100000"/>
+              </a:lnSpc>
+              <a:spcBef>
+                <a:spcPct val="0"/>
+              </a:spcBef>
+              <a:spcAft>
+                <a:spcPct val="0"/>
+              </a:spcAft>
+              <a:buClrTx/>
+              <a:buSzTx/>
+              <a:buFontTx/>
+              <a:buNone/>
+              <a:tabLst/>
+            </a:pPr>
+            <a:r>
+              <a:rPr kumimoji="0" lang="en-US" altLang="zh-CN" b="0" i="0" u="none" strike="noStrike" cap="none" normalizeH="0" baseline="0" dirty="0" smtClean="0">
+                <a:ln>
+                  <a:noFill/>
+                </a:ln>
+                <a:solidFill>
+                  <a:schemeClr val="tx1">
+                    <a:lumMod val="65000"/>
+                    <a:lumOff val="35000"/>
+                  </a:schemeClr>
+                </a:solidFill>
+                <a:effectLst/>
+                <a:latin typeface="Arial Unicode MS" panose="020B0604020202020204" pitchFamily="34" charset="-122"/>
+              </a:rPr>
+              <a:t>		</a:t>
+            </a:r>
+            <a:r>
+              <a:rPr kumimoji="0" lang="zh-CN" altLang="zh-CN" b="0" i="0" u="none" strike="noStrike" cap="none" normalizeH="0" baseline="0" dirty="0" smtClean="0">
+                <a:ln>
+                  <a:noFill/>
+                </a:ln>
+                <a:solidFill>
+                  <a:schemeClr val="tx1">
+                    <a:lumMod val="65000"/>
+                    <a:lumOff val="35000"/>
+                  </a:schemeClr>
+                </a:solidFill>
+                <a:effectLst/>
+                <a:latin typeface="Arial Unicode MS" panose="020B0604020202020204" pitchFamily="34" charset="-122"/>
+              </a:rPr>
+              <a:t>self.tricks = [] </a:t>
+            </a:r>
+            <a:endParaRPr kumimoji="0" lang="en-US" altLang="zh-CN" b="0" i="0" u="none" strike="noStrike" cap="none" normalizeH="0" baseline="0" dirty="0" smtClean="0">
+              <a:ln>
+                <a:noFill/>
+              </a:ln>
+              <a:solidFill>
+                <a:schemeClr val="tx1">
+                  <a:lumMod val="65000"/>
+                  <a:lumOff val="35000"/>
+                </a:schemeClr>
+              </a:solidFill>
+              <a:effectLst/>
+              <a:latin typeface="Arial Unicode MS" panose="020B0604020202020204" pitchFamily="34" charset="-122"/>
+            </a:endParaRPr>
+          </a:p>
+          <a:p>
+            <a:pPr marL="0" marR="0" lvl="0" indent="0" algn="l" defTabSz="914400" rtl="0" eaLnBrk="0" fontAlgn="base" latinLnBrk="0" hangingPunct="0">
+              <a:lnSpc>
+                <a:spcPct val="100000"/>
+              </a:lnSpc>
+              <a:spcBef>
+                <a:spcPct val="0"/>
+              </a:spcBef>
+              <a:spcAft>
+                <a:spcPct val="0"/>
+              </a:spcAft>
+              <a:buClrTx/>
+              <a:buSzTx/>
+              <a:buFontTx/>
+              <a:buNone/>
+              <a:tabLst/>
+            </a:pPr>
+            <a:r>
+              <a:rPr lang="en-US" altLang="zh-CN" dirty="0">
+                <a:solidFill>
+                  <a:schemeClr val="tx1">
+                    <a:lumMod val="65000"/>
+                    <a:lumOff val="35000"/>
+                  </a:schemeClr>
+                </a:solidFill>
+                <a:latin typeface="Arial Unicode MS" panose="020B0604020202020204" pitchFamily="34" charset="-122"/>
+              </a:rPr>
+              <a:t> </a:t>
+            </a:r>
+            <a:r>
+              <a:rPr lang="en-US" altLang="zh-CN" dirty="0" smtClean="0">
+                <a:solidFill>
+                  <a:schemeClr val="tx1">
+                    <a:lumMod val="65000"/>
+                    <a:lumOff val="35000"/>
+                  </a:schemeClr>
+                </a:solidFill>
+                <a:latin typeface="Arial Unicode MS" panose="020B0604020202020204" pitchFamily="34" charset="-122"/>
+              </a:rPr>
+              <a:t>       </a:t>
+            </a:r>
+            <a:r>
+              <a:rPr kumimoji="0" lang="zh-CN" altLang="zh-CN" b="0" i="0" u="none" strike="noStrike" cap="none" normalizeH="0" baseline="0" dirty="0" smtClean="0">
+                <a:ln>
+                  <a:noFill/>
+                </a:ln>
+                <a:solidFill>
+                  <a:schemeClr val="tx1">
+                    <a:lumMod val="65000"/>
+                    <a:lumOff val="35000"/>
+                  </a:schemeClr>
+                </a:solidFill>
+                <a:effectLst/>
+                <a:latin typeface="Arial Unicode MS" panose="020B0604020202020204" pitchFamily="34" charset="-122"/>
+              </a:rPr>
+              <a:t>def add_trick(self, trick): </a:t>
+            </a:r>
+            <a:endParaRPr kumimoji="0" lang="en-US" altLang="zh-CN" b="0" i="0" u="none" strike="noStrike" cap="none" normalizeH="0" baseline="0" dirty="0" smtClean="0">
+              <a:ln>
+                <a:noFill/>
+              </a:ln>
+              <a:solidFill>
+                <a:schemeClr val="tx1">
+                  <a:lumMod val="65000"/>
+                  <a:lumOff val="35000"/>
+                </a:schemeClr>
+              </a:solidFill>
+              <a:effectLst/>
+              <a:latin typeface="Arial Unicode MS" panose="020B0604020202020204" pitchFamily="34" charset="-122"/>
+            </a:endParaRPr>
+          </a:p>
+          <a:p>
+            <a:pPr marL="0" marR="0" lvl="0" indent="0" algn="l" defTabSz="914400" rtl="0" eaLnBrk="0" fontAlgn="base" latinLnBrk="0" hangingPunct="0">
+              <a:lnSpc>
+                <a:spcPct val="100000"/>
+              </a:lnSpc>
+              <a:spcBef>
+                <a:spcPct val="0"/>
+              </a:spcBef>
+              <a:spcAft>
+                <a:spcPct val="0"/>
+              </a:spcAft>
+              <a:buClrTx/>
+              <a:buSzTx/>
+              <a:buFontTx/>
+              <a:buNone/>
+              <a:tabLst/>
+            </a:pPr>
+            <a:r>
+              <a:rPr kumimoji="0" lang="en-US" altLang="zh-CN" b="0" i="0" u="none" strike="noStrike" cap="none" normalizeH="0" baseline="0" dirty="0" smtClean="0">
+                <a:ln>
+                  <a:noFill/>
+                </a:ln>
+                <a:solidFill>
+                  <a:schemeClr val="tx1">
+                    <a:lumMod val="65000"/>
+                    <a:lumOff val="35000"/>
+                  </a:schemeClr>
+                </a:solidFill>
+                <a:effectLst/>
+                <a:latin typeface="Arial Unicode MS" panose="020B0604020202020204" pitchFamily="34" charset="-122"/>
+              </a:rPr>
+              <a:t>                </a:t>
+            </a:r>
+            <a:r>
+              <a:rPr kumimoji="0" lang="zh-CN" altLang="zh-CN" b="0" i="0" u="none" strike="noStrike" cap="none" normalizeH="0" baseline="0" dirty="0" smtClean="0">
+                <a:ln>
+                  <a:noFill/>
+                </a:ln>
+                <a:solidFill>
+                  <a:schemeClr val="tx1">
+                    <a:lumMod val="65000"/>
+                    <a:lumOff val="35000"/>
+                  </a:schemeClr>
+                </a:solidFill>
+                <a:effectLst/>
+                <a:latin typeface="Arial Unicode MS" panose="020B0604020202020204" pitchFamily="34" charset="-122"/>
+              </a:rPr>
+              <a:t>self.tricks.append(trick)</a:t>
+            </a:r>
+            <a:endParaRPr lang="en-US" altLang="zh-CN" dirty="0">
+              <a:solidFill>
+                <a:schemeClr val="tx1">
+                  <a:lumMod val="65000"/>
+                  <a:lumOff val="35000"/>
+                </a:schemeClr>
+              </a:solidFill>
+              <a:latin typeface="Arial Unicode MS" panose="020B0604020202020204" pitchFamily="34" charset="-122"/>
+            </a:endParaRPr>
+          </a:p>
+          <a:p>
+            <a:pPr marL="0" indent="0" eaLnBrk="0" fontAlgn="base" hangingPunct="0">
+              <a:spcBef>
+                <a:spcPct val="0"/>
+              </a:spcBef>
+              <a:spcAft>
+                <a:spcPct val="0"/>
+              </a:spcAft>
+              <a:buNone/>
+            </a:pPr>
+            <a:r>
+              <a:rPr lang="en-US" altLang="zh-CN" dirty="0" err="1">
+                <a:solidFill>
+                  <a:schemeClr val="tx1">
+                    <a:lumMod val="65000"/>
+                    <a:lumOff val="35000"/>
+                  </a:schemeClr>
+                </a:solidFill>
+                <a:latin typeface="Arial Unicode MS" panose="020B0604020202020204" pitchFamily="34" charset="-122"/>
+              </a:rPr>
+              <a:t>MyDog</a:t>
+            </a:r>
+            <a:r>
+              <a:rPr lang="en-US" altLang="zh-CN" dirty="0">
+                <a:solidFill>
+                  <a:schemeClr val="tx1">
+                    <a:lumMod val="65000"/>
+                    <a:lumOff val="35000"/>
+                  </a:schemeClr>
+                </a:solidFill>
+                <a:latin typeface="Arial Unicode MS" panose="020B0604020202020204" pitchFamily="34" charset="-122"/>
+              </a:rPr>
+              <a:t> = Dog(“</a:t>
+            </a:r>
+            <a:r>
+              <a:rPr lang="en-US" altLang="zh-CN" dirty="0" err="1">
+                <a:solidFill>
+                  <a:schemeClr val="tx1">
+                    <a:lumMod val="65000"/>
+                    <a:lumOff val="35000"/>
+                  </a:schemeClr>
+                </a:solidFill>
+                <a:latin typeface="Arial Unicode MS" panose="020B0604020202020204" pitchFamily="34" charset="-122"/>
+              </a:rPr>
+              <a:t>Bobo</a:t>
+            </a:r>
+            <a:r>
+              <a:rPr lang="en-US" altLang="zh-CN" dirty="0">
+                <a:solidFill>
+                  <a:schemeClr val="tx1">
+                    <a:lumMod val="65000"/>
+                    <a:lumOff val="35000"/>
+                  </a:schemeClr>
+                </a:solidFill>
+                <a:latin typeface="Arial Unicode MS" panose="020B0604020202020204" pitchFamily="34" charset="-122"/>
+              </a:rPr>
+              <a:t>”)</a:t>
+            </a:r>
+            <a:r>
+              <a:rPr lang="zh-CN" altLang="zh-CN" dirty="0">
+                <a:solidFill>
+                  <a:schemeClr val="tx1">
+                    <a:lumMod val="65000"/>
+                    <a:lumOff val="35000"/>
+                  </a:schemeClr>
+                </a:solidFill>
+                <a:latin typeface="Arial Unicode MS" panose="020B0604020202020204" pitchFamily="34" charset="-122"/>
+              </a:rPr>
+              <a:t> </a:t>
+            </a:r>
+            <a:endParaRPr lang="en-US" altLang="zh-CN" dirty="0" smtClean="0">
+              <a:solidFill>
+                <a:schemeClr val="tx1">
+                  <a:lumMod val="65000"/>
+                  <a:lumOff val="35000"/>
+                </a:schemeClr>
+              </a:solidFill>
+              <a:latin typeface="Arial Unicode MS" panose="020B0604020202020204" pitchFamily="34" charset="-122"/>
+            </a:endParaRPr>
+          </a:p>
+          <a:p>
+            <a:pPr marL="0" indent="0" eaLnBrk="0" fontAlgn="base" hangingPunct="0">
+              <a:spcBef>
+                <a:spcPct val="0"/>
+              </a:spcBef>
+              <a:spcAft>
+                <a:spcPct val="0"/>
+              </a:spcAft>
+              <a:buNone/>
+            </a:pPr>
+            <a:r>
+              <a:rPr lang="en-US" altLang="zh-CN" dirty="0" err="1" smtClean="0">
+                <a:solidFill>
+                  <a:schemeClr val="tx1">
+                    <a:lumMod val="65000"/>
+                    <a:lumOff val="35000"/>
+                  </a:schemeClr>
+                </a:solidFill>
+                <a:latin typeface="Arial Unicode MS" panose="020B0604020202020204" pitchFamily="34" charset="-122"/>
+              </a:rPr>
+              <a:t>MyDog</a:t>
+            </a:r>
+            <a:r>
+              <a:rPr lang="en-US" altLang="zh-CN" dirty="0" smtClean="0">
+                <a:solidFill>
+                  <a:schemeClr val="tx1">
+                    <a:lumMod val="65000"/>
+                    <a:lumOff val="35000"/>
+                  </a:schemeClr>
+                </a:solidFill>
+                <a:latin typeface="Arial Unicode MS" panose="020B0604020202020204" pitchFamily="34" charset="-122"/>
+              </a:rPr>
+              <a:t>.</a:t>
+            </a:r>
+            <a:r>
+              <a:rPr lang="zh-CN" altLang="zh-CN" dirty="0">
+                <a:solidFill>
+                  <a:schemeClr val="tx1">
+                    <a:lumMod val="65000"/>
+                    <a:lumOff val="35000"/>
+                  </a:schemeClr>
+                </a:solidFill>
+                <a:latin typeface="Arial Unicode MS" panose="020B0604020202020204" pitchFamily="34" charset="-122"/>
+              </a:rPr>
+              <a:t> add_</a:t>
+            </a:r>
+            <a:r>
+              <a:rPr lang="zh-CN" altLang="zh-CN" dirty="0" smtClean="0">
+                <a:solidFill>
+                  <a:schemeClr val="tx1">
+                    <a:lumMod val="65000"/>
+                    <a:lumOff val="35000"/>
+                  </a:schemeClr>
+                </a:solidFill>
+                <a:latin typeface="Arial Unicode MS" panose="020B0604020202020204" pitchFamily="34" charset="-122"/>
+              </a:rPr>
+              <a:t>trick</a:t>
+            </a:r>
+            <a:r>
+              <a:rPr lang="en-US" altLang="zh-CN" dirty="0" smtClean="0">
+                <a:solidFill>
+                  <a:schemeClr val="tx1">
+                    <a:lumMod val="65000"/>
+                    <a:lumOff val="35000"/>
+                  </a:schemeClr>
+                </a:solidFill>
+                <a:latin typeface="Arial Unicode MS" panose="020B0604020202020204" pitchFamily="34" charset="-122"/>
+              </a:rPr>
+              <a:t>(“play tail”)</a:t>
+            </a:r>
+            <a:endParaRPr lang="zh-CN" altLang="zh-CN" dirty="0">
+              <a:solidFill>
+                <a:schemeClr val="tx1">
+                  <a:lumMod val="65000"/>
+                  <a:lumOff val="35000"/>
+                </a:schemeClr>
+              </a:solidFill>
+              <a:latin typeface="Arial Unicode MS" panose="020B0604020202020204" pitchFamily="34" charset="-122"/>
+            </a:endParaRPr>
+          </a:p>
+        </p:txBody>
+      </p:sp>
+      <p:sp>
+        <p:nvSpPr>
+          <p:cNvPr id="18" name="圆角矩形 17"/>
+          <p:cNvSpPr/>
+          <p:nvPr/>
+        </p:nvSpPr>
+        <p:spPr>
+          <a:xfrm>
+            <a:off x="3124200" y="1794614"/>
+            <a:ext cx="685800" cy="445526"/>
+          </a:xfrm>
+          <a:prstGeom prst="roundRect">
+            <a:avLst/>
+          </a:prstGeom>
+          <a:noFill/>
+          <a:ln>
+            <a:solidFill>
+              <a:srgbClr val="FF0000"/>
+            </a:solidFill>
+          </a:ln>
+        </p:spPr>
+        <p:style>
+          <a:lnRef idx="2">
+            <a:schemeClr val="accent1">
+              <a:shade val="50000"/>
+            </a:schemeClr>
+          </a:lnRef>
+          <a:fillRef idx="1">
+            <a:schemeClr val="accent1"/>
+          </a:fillRef>
+          <a:effectRef idx="0">
+            <a:schemeClr val="accent1"/>
+          </a:effectRef>
+          <a:fontRef idx="minor">
+            <a:schemeClr val="lt1"/>
+          </a:fontRef>
+        </p:style>
+        <p:txBody>
+          <a:bodyPr rtlCol="0" anchor="ctr"/>
+          <a:lstStyle/>
+          <a:p>
+            <a:pPr algn="ctr"/>
+            <a:endParaRPr lang="zh-CN" altLang="en-US"/>
+          </a:p>
+        </p:txBody>
+      </p:sp>
+      <p:sp>
+        <p:nvSpPr>
+          <p:cNvPr id="19" name="文本框 18"/>
+          <p:cNvSpPr txBox="1"/>
+          <p:nvPr/>
+        </p:nvSpPr>
+        <p:spPr>
+          <a:xfrm>
+            <a:off x="3048000" y="1467881"/>
+            <a:ext cx="1295400" cy="381000"/>
+          </a:xfrm>
+          <a:prstGeom prst="rect">
+            <a:avLst/>
+          </a:prstGeom>
+          <a:noFill/>
+        </p:spPr>
+        <p:txBody>
+          <a:bodyPr wrap="square" rtlCol="0">
+            <a:spAutoFit/>
+          </a:bodyPr>
+          <a:lstStyle/>
+          <a:p>
+            <a:r>
+              <a:rPr lang="en-US" altLang="zh-CN" dirty="0" smtClean="0">
+                <a:solidFill>
+                  <a:srgbClr val="FF0000"/>
+                </a:solidFill>
+              </a:rPr>
+              <a:t>required</a:t>
+            </a:r>
+            <a:endParaRPr lang="zh-CN" altLang="en-US" dirty="0">
+              <a:solidFill>
+                <a:srgbClr val="FF0000"/>
+              </a:solidFill>
+            </a:endParaRPr>
+          </a:p>
+        </p:txBody>
+      </p:sp>
+    </p:spTree>
+    <p:extLst>
+      <p:ext uri="{BB962C8B-B14F-4D97-AF65-F5344CB8AC3E}">
+        <p14:creationId xmlns:p14="http://schemas.microsoft.com/office/powerpoint/2010/main" val="2447418471"/>
+      </p:ext>
+    </p:extLst>
+  </p:cSld>
+  <p:clrMapOvr>
+    <a:masterClrMapping/>
+  </p:clrMapOvr>
+  <p:timing>
+    <p:tnLst>
+      <p:par>
+        <p:cTn id="1" dur="indefinite" restart="never" nodeType="tmRoot"/>
+      </p:par>
+    </p:tnLst>
+  </p:timing>
+</p:sld>
+</file>
+
+<file path=ppt/slides/slide9.xml><?xml version="1.0" encoding="utf-8"?>
+<p:sld xmlns:a="http://schemas.openxmlformats.org/drawingml/2006/main" xmlns:r="http://schemas.openxmlformats.org/officeDocument/2006/relationships" xmlns:p="http://schemas.openxmlformats.org/presentationml/2006/main">
+  <p:cSld>
+    <p:spTree>
+      <p:nvGrpSpPr>
+        <p:cNvPr id="1" name=""/>
+        <p:cNvGrpSpPr/>
+        <p:nvPr/>
+      </p:nvGrpSpPr>
+      <p:grpSpPr>
+        <a:xfrm>
+          <a:off x="0" y="0"/>
+          <a:ext cx="0" cy="0"/>
+          <a:chOff x="0" y="0"/>
+          <a:chExt cx="0" cy="0"/>
+        </a:xfrm>
+      </p:grpSpPr>
+      <p:grpSp>
+        <p:nvGrpSpPr>
+          <p:cNvPr id="4" name="组合 3"/>
+          <p:cNvGrpSpPr/>
+          <p:nvPr/>
+        </p:nvGrpSpPr>
+        <p:grpSpPr>
+          <a:xfrm>
+            <a:off x="1" y="0"/>
+            <a:ext cx="9144000" cy="6858000"/>
+            <a:chOff x="1" y="0"/>
+            <a:chExt cx="9144000" cy="6858000"/>
+          </a:xfrm>
+        </p:grpSpPr>
+        <p:sp>
+          <p:nvSpPr>
+            <p:cNvPr id="5" name="矩形 4"/>
+            <p:cNvSpPr/>
+            <p:nvPr/>
+          </p:nvSpPr>
+          <p:spPr>
+            <a:xfrm>
+              <a:off x="1" y="3124200"/>
+              <a:ext cx="9144000" cy="3733800"/>
+            </a:xfrm>
+            <a:prstGeom prst="rect">
+              <a:avLst/>
+            </a:prstGeom>
+            <a:solidFill>
+              <a:srgbClr val="BBDFBB"/>
+            </a:solidFill>
+            <a:ln>
+              <a:solidFill>
+                <a:srgbClr val="BBDFBB"/>
+              </a:solidFill>
+            </a:ln>
+          </p:spPr>
+          <p:style>
+            <a:lnRef idx="2">
+              <a:schemeClr val="accent1">
+                <a:shade val="50000"/>
+              </a:schemeClr>
+            </a:lnRef>
+            <a:fillRef idx="1">
+              <a:schemeClr val="accent1"/>
+            </a:fillRef>
+            <a:effectRef idx="0">
+              <a:schemeClr val="accent1"/>
+            </a:effectRef>
+            <a:fontRef idx="minor">
+              <a:schemeClr val="lt1"/>
+            </a:fontRef>
+          </p:style>
+          <p:txBody>
+            <a:bodyPr rtlCol="0" anchor="ctr"/>
+            <a:lstStyle/>
+            <a:p>
+              <a:pPr algn="ctr"/>
+              <a:endParaRPr lang="zh-CN" altLang="en-US"/>
+            </a:p>
+          </p:txBody>
+        </p:sp>
+        <p:sp>
+          <p:nvSpPr>
+            <p:cNvPr id="6" name="矩形 5"/>
+            <p:cNvSpPr/>
+            <p:nvPr/>
+          </p:nvSpPr>
+          <p:spPr>
+            <a:xfrm>
+              <a:off x="1" y="0"/>
+              <a:ext cx="9144000" cy="3600450"/>
+            </a:xfrm>
+            <a:prstGeom prst="rect">
+              <a:avLst/>
+            </a:prstGeom>
+            <a:solidFill>
+              <a:srgbClr val="FBC9F0"/>
+            </a:solidFill>
+            <a:ln>
+              <a:noFill/>
+            </a:ln>
+          </p:spPr>
+          <p:style>
+            <a:lnRef idx="2">
+              <a:schemeClr val="accent1">
+                <a:shade val="50000"/>
+              </a:schemeClr>
+            </a:lnRef>
+            <a:fillRef idx="1">
+              <a:schemeClr val="accent1"/>
+            </a:fillRef>
+            <a:effectRef idx="0">
+              <a:schemeClr val="accent1"/>
+            </a:effectRef>
+            <a:fontRef idx="minor">
+              <a:schemeClr val="lt1"/>
+            </a:fontRef>
+          </p:style>
+          <p:txBody>
+            <a:bodyPr rtlCol="0" anchor="ctr"/>
+            <a:lstStyle/>
+            <a:p>
+              <a:pPr algn="ctr"/>
+              <a:endParaRPr lang="zh-CN" altLang="en-US"/>
+            </a:p>
+          </p:txBody>
+        </p:sp>
+      </p:grpSp>
+      <p:sp>
+        <p:nvSpPr>
+          <p:cNvPr id="2" name="Title 1"/>
+          <p:cNvSpPr>
+            <a:spLocks noGrp="1"/>
+          </p:cNvSpPr>
+          <p:nvPr>
+            <p:ph type="title"/>
+          </p:nvPr>
+        </p:nvSpPr>
+        <p:spPr/>
+        <p:txBody>
+          <a:bodyPr/>
+          <a:lstStyle/>
+          <a:p>
+            <a:r>
+              <a:rPr lang="en-US" altLang="zh-CN" dirty="0"/>
+              <a:t>Multiple Inheritance</a:t>
+            </a:r>
+            <a:endParaRPr lang="en-US" dirty="0"/>
+          </a:p>
+        </p:txBody>
+      </p:sp>
+      <p:sp>
+        <p:nvSpPr>
+          <p:cNvPr id="7" name="矩形 6"/>
+          <p:cNvSpPr/>
+          <p:nvPr/>
+        </p:nvSpPr>
+        <p:spPr>
+          <a:xfrm>
+            <a:off x="1" y="6126163"/>
+            <a:ext cx="4724398" cy="748145"/>
+          </a:xfrm>
+          <a:prstGeom prst="rect">
+            <a:avLst/>
+          </a:prstGeom>
+          <a:solidFill>
+            <a:srgbClr val="F945EC"/>
+          </a:solidFill>
+          <a:ln>
+            <a:noFill/>
+          </a:ln>
+        </p:spPr>
+        <p:style>
+          <a:lnRef idx="2">
+            <a:schemeClr val="accent1">
+              <a:shade val="50000"/>
+            </a:schemeClr>
+          </a:lnRef>
+          <a:fillRef idx="1">
+            <a:schemeClr val="accent1"/>
+          </a:fillRef>
+          <a:effectRef idx="0">
+            <a:schemeClr val="accent1"/>
+          </a:effectRef>
+          <a:fontRef idx="minor">
+            <a:schemeClr val="lt1"/>
+          </a:fontRef>
+        </p:style>
+        <p:txBody>
+          <a:bodyPr rtlCol="0" anchor="ctr"/>
+          <a:lstStyle/>
+          <a:p>
+            <a:pPr algn="ctr"/>
+            <a:endParaRPr lang="zh-CN" altLang="en-US"/>
+          </a:p>
+        </p:txBody>
+      </p:sp>
+      <p:sp>
+        <p:nvSpPr>
+          <p:cNvPr id="8" name="矩形 7"/>
+          <p:cNvSpPr/>
+          <p:nvPr/>
+        </p:nvSpPr>
+        <p:spPr>
+          <a:xfrm>
+            <a:off x="4724401" y="6125606"/>
+            <a:ext cx="4419600" cy="748145"/>
+          </a:xfrm>
+          <a:prstGeom prst="rect">
+            <a:avLst/>
+          </a:prstGeom>
+          <a:solidFill>
+            <a:srgbClr val="3B87CD"/>
+          </a:solidFill>
+          <a:ln>
+            <a:noFill/>
+          </a:ln>
+        </p:spPr>
+        <p:style>
+          <a:lnRef idx="2">
+            <a:schemeClr val="accent1">
+              <a:shade val="50000"/>
+            </a:schemeClr>
+          </a:lnRef>
+          <a:fillRef idx="1">
+            <a:schemeClr val="accent1"/>
+          </a:fillRef>
+          <a:effectRef idx="0">
+            <a:schemeClr val="accent1"/>
+          </a:effectRef>
+          <a:fontRef idx="minor">
+            <a:schemeClr val="lt1"/>
+          </a:fontRef>
+        </p:style>
+        <p:txBody>
+          <a:bodyPr rtlCol="0" anchor="ctr"/>
+          <a:lstStyle/>
+          <a:p>
+            <a:pPr algn="ctr"/>
+            <a:endParaRPr lang="zh-CN" altLang="en-US"/>
+          </a:p>
+        </p:txBody>
+      </p:sp>
+      <p:sp>
+        <p:nvSpPr>
+          <p:cNvPr id="9" name="文本框 8"/>
+          <p:cNvSpPr txBox="1"/>
+          <p:nvPr/>
+        </p:nvSpPr>
+        <p:spPr>
+          <a:xfrm>
+            <a:off x="3810000" y="6048299"/>
+            <a:ext cx="3803072" cy="646331"/>
+          </a:xfrm>
+          <a:prstGeom prst="rect">
+            <a:avLst/>
+          </a:prstGeom>
+          <a:noFill/>
+        </p:spPr>
+        <p:txBody>
+          <a:bodyPr wrap="square" rtlCol="0">
+            <a:spAutoFit/>
+          </a:bodyPr>
+          <a:lstStyle/>
+          <a:p>
+            <a:r>
+              <a:rPr lang="en-US" altLang="zh-CN" sz="3600" dirty="0" smtClean="0">
+                <a:latin typeface="Bauhaus 93" panose="04030905020B02020C02" pitchFamily="82" charset="0"/>
+              </a:rPr>
+              <a:t>Python</a:t>
+            </a:r>
+            <a:endParaRPr lang="zh-CN" altLang="en-US" sz="3600" dirty="0">
+              <a:latin typeface="Bauhaus 93" panose="04030905020B02020C02" pitchFamily="82" charset="0"/>
+            </a:endParaRPr>
+          </a:p>
+        </p:txBody>
+      </p:sp>
+      <p:sp>
+        <p:nvSpPr>
+          <p:cNvPr id="10" name="文本框 9"/>
+          <p:cNvSpPr txBox="1"/>
+          <p:nvPr/>
+        </p:nvSpPr>
+        <p:spPr>
+          <a:xfrm>
+            <a:off x="0" y="6088283"/>
+            <a:ext cx="2078182" cy="523220"/>
+          </a:xfrm>
+          <a:prstGeom prst="rect">
+            <a:avLst/>
+          </a:prstGeom>
+          <a:noFill/>
+        </p:spPr>
+        <p:txBody>
+          <a:bodyPr wrap="square" rtlCol="0">
+            <a:spAutoFit/>
+          </a:bodyPr>
+          <a:lstStyle/>
+          <a:p>
+            <a:r>
+              <a:rPr lang="en-US" altLang="zh-CN" sz="2800" dirty="0">
+                <a:solidFill>
+                  <a:schemeClr val="tx1">
+                    <a:lumMod val="65000"/>
+                    <a:lumOff val="35000"/>
+                  </a:schemeClr>
+                </a:solidFill>
+              </a:rPr>
+              <a:t>7</a:t>
+            </a:r>
+            <a:endParaRPr lang="zh-CN" altLang="en-US" sz="2800" dirty="0">
+              <a:solidFill>
+                <a:schemeClr val="tx1">
+                  <a:lumMod val="65000"/>
+                  <a:lumOff val="35000"/>
+                </a:schemeClr>
+              </a:solidFill>
+            </a:endParaRPr>
+          </a:p>
+        </p:txBody>
+      </p:sp>
+      <p:sp>
+        <p:nvSpPr>
+          <p:cNvPr id="11" name="文本框 10"/>
+          <p:cNvSpPr txBox="1"/>
+          <p:nvPr/>
+        </p:nvSpPr>
+        <p:spPr>
+          <a:xfrm>
+            <a:off x="8132619" y="6133091"/>
+            <a:ext cx="2078182" cy="523220"/>
+          </a:xfrm>
+          <a:prstGeom prst="rect">
+            <a:avLst/>
+          </a:prstGeom>
+          <a:noFill/>
+        </p:spPr>
+        <p:txBody>
+          <a:bodyPr wrap="square" rtlCol="0">
+            <a:spAutoFit/>
+          </a:bodyPr>
+          <a:lstStyle/>
+          <a:p>
+            <a:r>
+              <a:rPr lang="en-US" altLang="zh-CN" sz="2800" dirty="0" smtClean="0">
+                <a:solidFill>
+                  <a:schemeClr val="tx1">
+                    <a:lumMod val="65000"/>
+                    <a:lumOff val="35000"/>
+                  </a:schemeClr>
+                </a:solidFill>
+              </a:rPr>
+              <a:t>CSTC</a:t>
+            </a:r>
+            <a:endParaRPr lang="zh-CN" altLang="en-US" sz="2800" dirty="0">
+              <a:solidFill>
+                <a:schemeClr val="tx1">
+                  <a:lumMod val="65000"/>
+                  <a:lumOff val="35000"/>
+                </a:schemeClr>
+              </a:solidFill>
+            </a:endParaRPr>
+          </a:p>
+        </p:txBody>
+      </p:sp>
+      <p:sp>
+        <p:nvSpPr>
+          <p:cNvPr id="17" name="Rectangle 5"/>
+          <p:cNvSpPr>
+            <a:spLocks noGrp="1" noChangeArrowheads="1"/>
+          </p:cNvSpPr>
+          <p:nvPr>
+            <p:ph idx="1"/>
+          </p:nvPr>
+        </p:nvSpPr>
+        <p:spPr bwMode="auto">
+          <a:xfrm>
+            <a:off x="76200" y="1106173"/>
+            <a:ext cx="9067800" cy="4893647"/>
+          </a:xfrm>
+          <a:prstGeom prst="rect">
+            <a:avLst/>
+          </a:prstGeom>
+          <a:noFill/>
+          <a:ln>
+            <a:noFill/>
+          </a:ln>
+          <a:effectLst/>
+        </p:spPr>
+        <p:txBody>
+          <a:bodyPr vert="horz" wrap="square" lIns="91440" tIns="45720" rIns="91440" bIns="45720" numCol="1" anchor="ctr" anchorCtr="0" compatLnSpc="1">
+            <a:prstTxWarp prst="textNoShape">
+              <a:avLst/>
+            </a:prstTxWarp>
+            <a:spAutoFit/>
+          </a:bodyPr>
+          <a:lstStyle/>
+          <a:p>
+            <a:pPr marL="0" indent="0" eaLnBrk="0" fontAlgn="base" hangingPunct="0">
+              <a:spcBef>
+                <a:spcPct val="0"/>
+              </a:spcBef>
+              <a:spcAft>
+                <a:spcPct val="0"/>
+              </a:spcAft>
+              <a:buNone/>
+            </a:pPr>
+            <a:r>
+              <a:rPr lang="zh-CN" altLang="zh-CN" sz="2400" dirty="0" smtClean="0">
+                <a:solidFill>
+                  <a:schemeClr val="tx1">
+                    <a:lumMod val="65000"/>
+                    <a:lumOff val="35000"/>
+                  </a:schemeClr>
+                </a:solidFill>
+                <a:latin typeface="Arial Unicode MS" panose="020B0604020202020204" pitchFamily="34" charset="-122"/>
+              </a:rPr>
+              <a:t>class </a:t>
+            </a:r>
+            <a:r>
+              <a:rPr lang="en-US" altLang="zh-CN" sz="2400" dirty="0" smtClean="0">
+                <a:solidFill>
+                  <a:schemeClr val="tx1">
+                    <a:lumMod val="65000"/>
+                    <a:lumOff val="35000"/>
+                  </a:schemeClr>
+                </a:solidFill>
+                <a:latin typeface="Arial Unicode MS" panose="020B0604020202020204" pitchFamily="34" charset="-122"/>
+              </a:rPr>
+              <a:t>Husky(Dog)</a:t>
+            </a:r>
+            <a:r>
+              <a:rPr lang="zh-CN" altLang="zh-CN" sz="2400" dirty="0" smtClean="0">
+                <a:solidFill>
+                  <a:schemeClr val="tx1">
+                    <a:lumMod val="65000"/>
+                    <a:lumOff val="35000"/>
+                  </a:schemeClr>
+                </a:solidFill>
+                <a:latin typeface="Arial Unicode MS" panose="020B0604020202020204" pitchFamily="34" charset="-122"/>
+              </a:rPr>
+              <a:t>:</a:t>
+            </a:r>
+            <a:endParaRPr lang="en-US" altLang="zh-CN" sz="2400" dirty="0" smtClean="0">
+              <a:solidFill>
+                <a:schemeClr val="tx1">
+                  <a:lumMod val="65000"/>
+                  <a:lumOff val="35000"/>
+                </a:schemeClr>
+              </a:solidFill>
+              <a:latin typeface="Arial Unicode MS" panose="020B0604020202020204" pitchFamily="34" charset="-122"/>
+            </a:endParaRPr>
+          </a:p>
+          <a:p>
+            <a:pPr marL="0" lvl="0" indent="0" eaLnBrk="0" fontAlgn="base" hangingPunct="0">
+              <a:spcBef>
+                <a:spcPct val="0"/>
+              </a:spcBef>
+              <a:spcAft>
+                <a:spcPct val="0"/>
+              </a:spcAft>
+              <a:buNone/>
+            </a:pPr>
+            <a:r>
+              <a:rPr lang="en-US" altLang="zh-CN" sz="2400" dirty="0" smtClean="0">
+                <a:solidFill>
+                  <a:schemeClr val="tx1">
+                    <a:lumMod val="65000"/>
+                    <a:lumOff val="35000"/>
+                  </a:schemeClr>
+                </a:solidFill>
+                <a:latin typeface="Arial Unicode MS" panose="020B0604020202020204" pitchFamily="34" charset="-122"/>
+              </a:rPr>
+              <a:t>	</a:t>
+            </a:r>
+            <a:r>
+              <a:rPr lang="zh-CN" altLang="zh-CN" sz="2400" dirty="0" smtClean="0">
+                <a:solidFill>
+                  <a:schemeClr val="tx1">
+                    <a:lumMod val="65000"/>
+                    <a:lumOff val="35000"/>
+                  </a:schemeClr>
+                </a:solidFill>
+                <a:latin typeface="Arial Unicode MS" panose="020B0604020202020204" pitchFamily="34" charset="-122"/>
+              </a:rPr>
+              <a:t> def add_trick(self, trick</a:t>
+            </a:r>
+            <a:r>
+              <a:rPr lang="en-US" altLang="zh-CN" sz="2400" dirty="0" smtClean="0">
+                <a:solidFill>
+                  <a:schemeClr val="tx1">
+                    <a:lumMod val="65000"/>
+                    <a:lumOff val="35000"/>
+                  </a:schemeClr>
+                </a:solidFill>
+                <a:latin typeface="Arial Unicode MS" panose="020B0604020202020204" pitchFamily="34" charset="-122"/>
+              </a:rPr>
+              <a:t>list</a:t>
+            </a:r>
+            <a:r>
+              <a:rPr lang="zh-CN" altLang="zh-CN" sz="2400" dirty="0" smtClean="0">
+                <a:solidFill>
+                  <a:schemeClr val="tx1">
+                    <a:lumMod val="65000"/>
+                    <a:lumOff val="35000"/>
+                  </a:schemeClr>
+                </a:solidFill>
+                <a:latin typeface="Arial Unicode MS" panose="020B0604020202020204" pitchFamily="34" charset="-122"/>
+              </a:rPr>
+              <a:t>): </a:t>
+            </a:r>
+            <a:endParaRPr lang="en-US" altLang="zh-CN" sz="2400" dirty="0" smtClean="0">
+              <a:solidFill>
+                <a:schemeClr val="tx1">
+                  <a:lumMod val="65000"/>
+                  <a:lumOff val="35000"/>
+                </a:schemeClr>
+              </a:solidFill>
+              <a:latin typeface="Arial Unicode MS" panose="020B0604020202020204" pitchFamily="34" charset="-122"/>
+            </a:endParaRPr>
+          </a:p>
+          <a:p>
+            <a:pPr marL="0" lvl="0" indent="0" eaLnBrk="0" fontAlgn="base" hangingPunct="0">
+              <a:spcBef>
+                <a:spcPct val="0"/>
+              </a:spcBef>
+              <a:spcAft>
+                <a:spcPct val="0"/>
+              </a:spcAft>
+              <a:buNone/>
+            </a:pPr>
+            <a:r>
+              <a:rPr lang="en-US" altLang="zh-CN" sz="2400" dirty="0" smtClean="0">
+                <a:solidFill>
+                  <a:schemeClr val="tx1">
+                    <a:lumMod val="65000"/>
+                    <a:lumOff val="35000"/>
+                  </a:schemeClr>
+                </a:solidFill>
+                <a:latin typeface="Arial Unicode MS" panose="020B0604020202020204" pitchFamily="34" charset="-122"/>
+              </a:rPr>
+              <a:t>                </a:t>
+            </a:r>
+            <a:r>
+              <a:rPr lang="zh-CN" altLang="zh-CN" sz="2400" dirty="0" smtClean="0">
+                <a:solidFill>
+                  <a:schemeClr val="tx1">
+                    <a:lumMod val="65000"/>
+                    <a:lumOff val="35000"/>
+                  </a:schemeClr>
+                </a:solidFill>
+                <a:latin typeface="Arial Unicode MS" panose="020B0604020202020204" pitchFamily="34" charset="-122"/>
+              </a:rPr>
+              <a:t>self.tricks</a:t>
+            </a:r>
+            <a:r>
+              <a:rPr lang="en-US" altLang="zh-CN" sz="2400" dirty="0" smtClean="0">
+                <a:solidFill>
+                  <a:schemeClr val="tx1">
+                    <a:lumMod val="65000"/>
+                    <a:lumOff val="35000"/>
+                  </a:schemeClr>
+                </a:solidFill>
+                <a:latin typeface="Arial Unicode MS" panose="020B0604020202020204" pitchFamily="34" charset="-122"/>
+              </a:rPr>
+              <a:t>=</a:t>
+            </a:r>
+            <a:r>
+              <a:rPr lang="zh-CN" altLang="zh-CN" sz="2400" dirty="0" smtClean="0">
+                <a:solidFill>
+                  <a:schemeClr val="tx1">
+                    <a:lumMod val="65000"/>
+                    <a:lumOff val="35000"/>
+                  </a:schemeClr>
+                </a:solidFill>
+                <a:latin typeface="Arial Unicode MS" panose="020B0604020202020204" pitchFamily="34" charset="-122"/>
+              </a:rPr>
+              <a:t>trick</a:t>
+            </a:r>
+            <a:r>
+              <a:rPr lang="en-US" altLang="zh-CN" sz="2400" dirty="0" smtClean="0">
+                <a:solidFill>
+                  <a:schemeClr val="tx1">
+                    <a:lumMod val="65000"/>
+                    <a:lumOff val="35000"/>
+                  </a:schemeClr>
+                </a:solidFill>
+                <a:latin typeface="Arial Unicode MS" panose="020B0604020202020204" pitchFamily="34" charset="-122"/>
+              </a:rPr>
+              <a:t>list</a:t>
+            </a:r>
+          </a:p>
+          <a:p>
+            <a:pPr marL="0" lvl="0" indent="0" eaLnBrk="0" fontAlgn="base" hangingPunct="0">
+              <a:spcBef>
+                <a:spcPct val="0"/>
+              </a:spcBef>
+              <a:spcAft>
+                <a:spcPct val="0"/>
+              </a:spcAft>
+              <a:buNone/>
+            </a:pPr>
+            <a:endParaRPr lang="en-US" altLang="zh-CN" sz="2400" dirty="0" smtClean="0">
+              <a:solidFill>
+                <a:schemeClr val="tx1">
+                  <a:lumMod val="65000"/>
+                  <a:lumOff val="35000"/>
+                </a:schemeClr>
+              </a:solidFill>
+              <a:latin typeface="Arial Unicode MS" panose="020B0604020202020204" pitchFamily="34" charset="-122"/>
+            </a:endParaRPr>
+          </a:p>
+          <a:p>
+            <a:pPr marL="0" indent="0" eaLnBrk="0" fontAlgn="base" hangingPunct="0">
+              <a:spcBef>
+                <a:spcPct val="0"/>
+              </a:spcBef>
+              <a:spcAft>
+                <a:spcPct val="0"/>
+              </a:spcAft>
+              <a:buNone/>
+            </a:pPr>
+            <a:r>
+              <a:rPr lang="zh-CN" altLang="zh-CN" sz="2400" dirty="0" smtClean="0">
+                <a:solidFill>
+                  <a:schemeClr val="tx1">
+                    <a:lumMod val="65000"/>
+                    <a:lumOff val="35000"/>
+                  </a:schemeClr>
+                </a:solidFill>
+                <a:latin typeface="Arial Unicode MS" panose="020B0604020202020204" pitchFamily="34" charset="-122"/>
+              </a:rPr>
+              <a:t>class </a:t>
+            </a:r>
+            <a:r>
+              <a:rPr lang="en-US" altLang="zh-CN" sz="2400" dirty="0" smtClean="0">
+                <a:solidFill>
+                  <a:schemeClr val="tx1">
+                    <a:lumMod val="65000"/>
+                    <a:lumOff val="35000"/>
+                  </a:schemeClr>
+                </a:solidFill>
+                <a:latin typeface="Arial Unicode MS" panose="020B0604020202020204" pitchFamily="34" charset="-122"/>
+              </a:rPr>
+              <a:t>Shepherd(Dog)</a:t>
+            </a:r>
+            <a:r>
+              <a:rPr lang="zh-CN" altLang="zh-CN" sz="2400" dirty="0" smtClean="0">
+                <a:solidFill>
+                  <a:schemeClr val="tx1">
+                    <a:lumMod val="65000"/>
+                    <a:lumOff val="35000"/>
+                  </a:schemeClr>
+                </a:solidFill>
+                <a:latin typeface="Arial Unicode MS" panose="020B0604020202020204" pitchFamily="34" charset="-122"/>
+              </a:rPr>
+              <a:t>:</a:t>
+            </a:r>
+            <a:endParaRPr lang="en-US" altLang="zh-CN" sz="2400" dirty="0" smtClean="0">
+              <a:solidFill>
+                <a:schemeClr val="tx1">
+                  <a:lumMod val="65000"/>
+                  <a:lumOff val="35000"/>
+                </a:schemeClr>
+              </a:solidFill>
+              <a:latin typeface="Arial Unicode MS" panose="020B0604020202020204" pitchFamily="34" charset="-122"/>
+            </a:endParaRPr>
+          </a:p>
+          <a:p>
+            <a:pPr marL="0" lvl="0" indent="0" eaLnBrk="0" fontAlgn="base" hangingPunct="0">
+              <a:spcBef>
+                <a:spcPct val="0"/>
+              </a:spcBef>
+              <a:spcAft>
+                <a:spcPct val="0"/>
+              </a:spcAft>
+              <a:buNone/>
+            </a:pPr>
+            <a:r>
+              <a:rPr lang="en-US" altLang="zh-CN" sz="2400" dirty="0" smtClean="0">
+                <a:solidFill>
+                  <a:schemeClr val="tx1">
+                    <a:lumMod val="65000"/>
+                    <a:lumOff val="35000"/>
+                  </a:schemeClr>
+                </a:solidFill>
+                <a:latin typeface="Arial Unicode MS" panose="020B0604020202020204" pitchFamily="34" charset="-122"/>
+              </a:rPr>
+              <a:t>	</a:t>
+            </a:r>
+            <a:r>
+              <a:rPr lang="zh-CN" altLang="zh-CN" sz="2400" dirty="0" smtClean="0">
+                <a:solidFill>
+                  <a:schemeClr val="tx1">
+                    <a:lumMod val="65000"/>
+                    <a:lumOff val="35000"/>
+                  </a:schemeClr>
+                </a:solidFill>
+                <a:latin typeface="Arial Unicode MS" panose="020B0604020202020204" pitchFamily="34" charset="-122"/>
+              </a:rPr>
+              <a:t> def </a:t>
+            </a:r>
+            <a:r>
+              <a:rPr lang="en-US" altLang="zh-CN" sz="2400" dirty="0" smtClean="0">
+                <a:solidFill>
+                  <a:schemeClr val="tx1">
+                    <a:lumMod val="65000"/>
+                    <a:lumOff val="35000"/>
+                  </a:schemeClr>
+                </a:solidFill>
+                <a:latin typeface="Arial Unicode MS" panose="020B0604020202020204" pitchFamily="34" charset="-122"/>
+              </a:rPr>
+              <a:t>graze</a:t>
+            </a:r>
+            <a:r>
+              <a:rPr lang="zh-CN" altLang="zh-CN" sz="2400" dirty="0" smtClean="0">
+                <a:solidFill>
+                  <a:schemeClr val="tx1">
+                    <a:lumMod val="65000"/>
+                    <a:lumOff val="35000"/>
+                  </a:schemeClr>
+                </a:solidFill>
+                <a:latin typeface="Arial Unicode MS" panose="020B0604020202020204" pitchFamily="34" charset="-122"/>
+              </a:rPr>
+              <a:t>(self, </a:t>
+            </a:r>
+            <a:r>
+              <a:rPr lang="en-US" altLang="zh-CN" sz="2400" dirty="0" smtClean="0">
+                <a:solidFill>
+                  <a:schemeClr val="tx1">
+                    <a:lumMod val="65000"/>
+                    <a:lumOff val="35000"/>
+                  </a:schemeClr>
+                </a:solidFill>
+                <a:latin typeface="Arial Unicode MS" panose="020B0604020202020204" pitchFamily="34" charset="-122"/>
+              </a:rPr>
+              <a:t>animal</a:t>
+            </a:r>
+            <a:r>
+              <a:rPr lang="zh-CN" altLang="zh-CN" sz="2400" dirty="0" smtClean="0">
+                <a:solidFill>
+                  <a:schemeClr val="tx1">
+                    <a:lumMod val="65000"/>
+                    <a:lumOff val="35000"/>
+                  </a:schemeClr>
+                </a:solidFill>
+                <a:latin typeface="Arial Unicode MS" panose="020B0604020202020204" pitchFamily="34" charset="-122"/>
+              </a:rPr>
+              <a:t>): </a:t>
+            </a:r>
+            <a:endParaRPr lang="en-US" altLang="zh-CN" sz="2400" dirty="0" smtClean="0">
+              <a:solidFill>
+                <a:schemeClr val="tx1">
+                  <a:lumMod val="65000"/>
+                  <a:lumOff val="35000"/>
+                </a:schemeClr>
+              </a:solidFill>
+              <a:latin typeface="Arial Unicode MS" panose="020B0604020202020204" pitchFamily="34" charset="-122"/>
+            </a:endParaRPr>
+          </a:p>
+          <a:p>
+            <a:pPr marL="0" lvl="0" indent="0" eaLnBrk="0" fontAlgn="base" hangingPunct="0">
+              <a:spcBef>
+                <a:spcPct val="0"/>
+              </a:spcBef>
+              <a:spcAft>
+                <a:spcPct val="0"/>
+              </a:spcAft>
+              <a:buNone/>
+            </a:pPr>
+            <a:r>
+              <a:rPr lang="en-US" altLang="zh-CN" sz="2400" dirty="0" smtClean="0">
+                <a:solidFill>
+                  <a:schemeClr val="tx1">
+                    <a:lumMod val="65000"/>
+                    <a:lumOff val="35000"/>
+                  </a:schemeClr>
+                </a:solidFill>
+                <a:latin typeface="Arial Unicode MS" panose="020B0604020202020204" pitchFamily="34" charset="-122"/>
+              </a:rPr>
+              <a:t>                print “look at the” + animal</a:t>
+            </a:r>
+          </a:p>
+          <a:p>
+            <a:pPr marL="0" lvl="0" indent="0" eaLnBrk="0" fontAlgn="base" hangingPunct="0">
+              <a:spcBef>
+                <a:spcPct val="0"/>
+              </a:spcBef>
+              <a:spcAft>
+                <a:spcPct val="0"/>
+              </a:spcAft>
+              <a:buNone/>
+            </a:pPr>
+            <a:endParaRPr lang="en-US" altLang="zh-CN" sz="2400" dirty="0" smtClean="0">
+              <a:solidFill>
+                <a:schemeClr val="tx1">
+                  <a:lumMod val="65000"/>
+                  <a:lumOff val="35000"/>
+                </a:schemeClr>
+              </a:solidFill>
+              <a:latin typeface="Arial Unicode MS" panose="020B0604020202020204" pitchFamily="34" charset="-122"/>
+            </a:endParaRPr>
+          </a:p>
+          <a:p>
+            <a:pPr marL="0" lvl="0" indent="0" eaLnBrk="0" fontAlgn="base" hangingPunct="0">
+              <a:spcBef>
+                <a:spcPct val="0"/>
+              </a:spcBef>
+              <a:spcAft>
+                <a:spcPct val="0"/>
+              </a:spcAft>
+              <a:buNone/>
+            </a:pPr>
+            <a:r>
+              <a:rPr lang="en-US" altLang="zh-CN" sz="2400" dirty="0" smtClean="0">
+                <a:solidFill>
+                  <a:schemeClr val="tx1">
+                    <a:lumMod val="65000"/>
+                    <a:lumOff val="35000"/>
+                  </a:schemeClr>
+                </a:solidFill>
+                <a:latin typeface="Arial Unicode MS" panose="020B0604020202020204" pitchFamily="34" charset="-122"/>
+              </a:rPr>
+              <a:t>class mongrel(</a:t>
+            </a:r>
+            <a:r>
+              <a:rPr lang="en-US" altLang="zh-CN" sz="2400" dirty="0" err="1" smtClean="0">
+                <a:solidFill>
+                  <a:schemeClr val="tx1">
+                    <a:lumMod val="65000"/>
+                    <a:lumOff val="35000"/>
+                  </a:schemeClr>
+                </a:solidFill>
+                <a:latin typeface="Arial Unicode MS" panose="020B0604020202020204" pitchFamily="34" charset="-122"/>
+              </a:rPr>
+              <a:t>Husky,Shepherd</a:t>
+            </a:r>
+            <a:r>
+              <a:rPr lang="en-US" altLang="zh-CN" sz="2400" dirty="0" smtClean="0">
+                <a:solidFill>
+                  <a:schemeClr val="tx1">
+                    <a:lumMod val="65000"/>
+                    <a:lumOff val="35000"/>
+                  </a:schemeClr>
+                </a:solidFill>
+                <a:latin typeface="Arial Unicode MS" panose="020B0604020202020204" pitchFamily="34" charset="-122"/>
+              </a:rPr>
+              <a:t>):</a:t>
+            </a:r>
+          </a:p>
+          <a:p>
+            <a:pPr marL="0" indent="0" eaLnBrk="0" fontAlgn="base" hangingPunct="0">
+              <a:spcBef>
+                <a:spcPct val="0"/>
+              </a:spcBef>
+              <a:spcAft>
+                <a:spcPct val="0"/>
+              </a:spcAft>
+              <a:buNone/>
+            </a:pPr>
+            <a:r>
+              <a:rPr lang="en-US" altLang="zh-CN" sz="2400" dirty="0">
+                <a:solidFill>
+                  <a:schemeClr val="tx1">
+                    <a:lumMod val="65000"/>
+                    <a:lumOff val="35000"/>
+                  </a:schemeClr>
+                </a:solidFill>
+                <a:latin typeface="Arial Unicode MS" panose="020B0604020202020204" pitchFamily="34" charset="-122"/>
+              </a:rPr>
+              <a:t> </a:t>
+            </a:r>
+            <a:r>
+              <a:rPr lang="en-US" altLang="zh-CN" sz="2400" dirty="0" smtClean="0">
+                <a:solidFill>
+                  <a:schemeClr val="tx1">
+                    <a:lumMod val="65000"/>
+                    <a:lumOff val="35000"/>
+                  </a:schemeClr>
+                </a:solidFill>
+                <a:latin typeface="Arial Unicode MS" panose="020B0604020202020204" pitchFamily="34" charset="-122"/>
+              </a:rPr>
+              <a:t>  </a:t>
+            </a:r>
+            <a:r>
+              <a:rPr lang="zh-CN" altLang="zh-CN" sz="2400" dirty="0">
+                <a:solidFill>
+                  <a:schemeClr val="tx1">
+                    <a:lumMod val="65000"/>
+                    <a:lumOff val="35000"/>
+                  </a:schemeClr>
+                </a:solidFill>
+                <a:latin typeface="Arial Unicode MS" panose="020B0604020202020204" pitchFamily="34" charset="-122"/>
+              </a:rPr>
+              <a:t> </a:t>
+            </a:r>
+            <a:r>
+              <a:rPr lang="en-US" altLang="zh-CN" sz="2400" dirty="0" smtClean="0">
+                <a:solidFill>
+                  <a:schemeClr val="tx1">
+                    <a:lumMod val="65000"/>
+                    <a:lumOff val="35000"/>
+                  </a:schemeClr>
+                </a:solidFill>
+                <a:latin typeface="Arial Unicode MS" panose="020B0604020202020204" pitchFamily="34" charset="-122"/>
+              </a:rPr>
+              <a:t>        </a:t>
+            </a:r>
+            <a:r>
+              <a:rPr lang="zh-CN" altLang="zh-CN" sz="2400" dirty="0" smtClean="0">
+                <a:solidFill>
+                  <a:schemeClr val="tx1">
+                    <a:lumMod val="65000"/>
+                    <a:lumOff val="35000"/>
+                  </a:schemeClr>
+                </a:solidFill>
+                <a:latin typeface="Arial Unicode MS" panose="020B0604020202020204" pitchFamily="34" charset="-122"/>
+              </a:rPr>
+              <a:t>def </a:t>
+            </a:r>
+            <a:r>
+              <a:rPr lang="en-US" altLang="zh-CN" sz="2400" dirty="0" err="1" smtClean="0">
+                <a:solidFill>
+                  <a:schemeClr val="tx1">
+                    <a:lumMod val="65000"/>
+                    <a:lumOff val="35000"/>
+                  </a:schemeClr>
+                </a:solidFill>
+                <a:latin typeface="Arial Unicode MS" panose="020B0604020202020204" pitchFamily="34" charset="-122"/>
+              </a:rPr>
+              <a:t>sayHi</a:t>
+            </a:r>
+            <a:r>
+              <a:rPr lang="zh-CN" altLang="zh-CN" sz="2400" dirty="0" smtClean="0">
+                <a:solidFill>
+                  <a:schemeClr val="tx1">
+                    <a:lumMod val="65000"/>
+                    <a:lumOff val="35000"/>
+                  </a:schemeClr>
+                </a:solidFill>
+                <a:latin typeface="Arial Unicode MS" panose="020B0604020202020204" pitchFamily="34" charset="-122"/>
+              </a:rPr>
+              <a:t>(</a:t>
+            </a:r>
+            <a:r>
+              <a:rPr lang="zh-CN" altLang="zh-CN" sz="2400" dirty="0">
+                <a:solidFill>
+                  <a:schemeClr val="tx1">
+                    <a:lumMod val="65000"/>
+                    <a:lumOff val="35000"/>
+                  </a:schemeClr>
+                </a:solidFill>
+                <a:latin typeface="Arial Unicode MS" panose="020B0604020202020204" pitchFamily="34" charset="-122"/>
+              </a:rPr>
+              <a:t>self, </a:t>
+            </a:r>
+            <a:r>
+              <a:rPr lang="en-US" altLang="zh-CN" sz="2400" dirty="0">
+                <a:solidFill>
+                  <a:schemeClr val="tx1">
+                    <a:lumMod val="65000"/>
+                    <a:lumOff val="35000"/>
+                  </a:schemeClr>
+                </a:solidFill>
+                <a:latin typeface="Arial Unicode MS" panose="020B0604020202020204" pitchFamily="34" charset="-122"/>
+              </a:rPr>
+              <a:t>animal</a:t>
+            </a:r>
+            <a:r>
+              <a:rPr lang="zh-CN" altLang="zh-CN" sz="2400" dirty="0">
+                <a:solidFill>
+                  <a:schemeClr val="tx1">
+                    <a:lumMod val="65000"/>
+                    <a:lumOff val="35000"/>
+                  </a:schemeClr>
+                </a:solidFill>
+                <a:latin typeface="Arial Unicode MS" panose="020B0604020202020204" pitchFamily="34" charset="-122"/>
+              </a:rPr>
+              <a:t>): </a:t>
+            </a:r>
+            <a:endParaRPr lang="en-US" altLang="zh-CN" sz="2400" dirty="0" smtClean="0">
+              <a:solidFill>
+                <a:schemeClr val="tx1">
+                  <a:lumMod val="65000"/>
+                  <a:lumOff val="35000"/>
+                </a:schemeClr>
+              </a:solidFill>
+              <a:latin typeface="Arial Unicode MS" panose="020B0604020202020204" pitchFamily="34" charset="-122"/>
+            </a:endParaRPr>
+          </a:p>
+          <a:p>
+            <a:pPr marL="0" lvl="0" indent="0" eaLnBrk="0" fontAlgn="base" hangingPunct="0">
+              <a:spcBef>
+                <a:spcPct val="0"/>
+              </a:spcBef>
+              <a:spcAft>
+                <a:spcPct val="0"/>
+              </a:spcAft>
+              <a:buNone/>
+            </a:pPr>
+            <a:r>
+              <a:rPr lang="en-US" altLang="zh-CN" sz="2400" dirty="0">
+                <a:solidFill>
+                  <a:schemeClr val="tx1">
+                    <a:lumMod val="65000"/>
+                    <a:lumOff val="35000"/>
+                  </a:schemeClr>
+                </a:solidFill>
+                <a:latin typeface="Arial Unicode MS" panose="020B0604020202020204" pitchFamily="34" charset="-122"/>
+              </a:rPr>
+              <a:t> </a:t>
+            </a:r>
+            <a:r>
+              <a:rPr lang="en-US" altLang="zh-CN" sz="2400" dirty="0" smtClean="0">
+                <a:solidFill>
+                  <a:schemeClr val="tx1">
+                    <a:lumMod val="65000"/>
+                    <a:lumOff val="35000"/>
+                  </a:schemeClr>
+                </a:solidFill>
+                <a:latin typeface="Arial Unicode MS" panose="020B0604020202020204" pitchFamily="34" charset="-122"/>
+              </a:rPr>
+              <a:t>               print “Hi”</a:t>
+            </a:r>
+          </a:p>
+          <a:p>
+            <a:pPr marL="0" lvl="0" indent="0" eaLnBrk="0" fontAlgn="base" hangingPunct="0">
+              <a:spcBef>
+                <a:spcPct val="0"/>
+              </a:spcBef>
+              <a:spcAft>
+                <a:spcPct val="0"/>
+              </a:spcAft>
+              <a:buNone/>
+            </a:pPr>
+            <a:endParaRPr lang="en-US" altLang="zh-CN" sz="2400" dirty="0">
+              <a:solidFill>
+                <a:schemeClr val="tx1">
+                  <a:lumMod val="65000"/>
+                  <a:lumOff val="35000"/>
+                </a:schemeClr>
+              </a:solidFill>
+              <a:latin typeface="Arial Unicode MS" panose="020B0604020202020204" pitchFamily="34" charset="-122"/>
+            </a:endParaRPr>
+          </a:p>
+          <a:p>
+            <a:pPr marL="0" lvl="0" indent="0" eaLnBrk="0" fontAlgn="base" hangingPunct="0">
+              <a:spcBef>
+                <a:spcPct val="0"/>
+              </a:spcBef>
+              <a:spcAft>
+                <a:spcPct val="0"/>
+              </a:spcAft>
+              <a:buNone/>
+            </a:pPr>
+            <a:r>
+              <a:rPr lang="en-US" altLang="zh-CN" sz="2400" dirty="0" err="1" smtClean="0"/>
+              <a:t>Java|C</a:t>
+            </a:r>
+            <a:r>
+              <a:rPr lang="en-US" altLang="zh-CN" sz="2400" dirty="0" smtClean="0"/>
+              <a:t>#</a:t>
+            </a:r>
+            <a:r>
+              <a:rPr lang="zh-CN" altLang="en-US" sz="2400" dirty="0"/>
+              <a:t> </a:t>
+            </a:r>
+            <a:r>
+              <a:rPr lang="en-US" altLang="zh-CN" sz="2400" dirty="0" smtClean="0"/>
+              <a:t>single </a:t>
+            </a:r>
+            <a:r>
+              <a:rPr lang="en-US" altLang="zh-CN" sz="2400" dirty="0"/>
+              <a:t>Inheritance</a:t>
+            </a:r>
+            <a:endParaRPr lang="zh-CN" altLang="zh-CN" sz="2400" dirty="0">
+              <a:solidFill>
+                <a:schemeClr val="tx1">
+                  <a:lumMod val="65000"/>
+                  <a:lumOff val="35000"/>
+                </a:schemeClr>
+              </a:solidFill>
+              <a:latin typeface="Arial Unicode MS" panose="020B0604020202020204" pitchFamily="34" charset="-122"/>
+            </a:endParaRPr>
+          </a:p>
+        </p:txBody>
+      </p:sp>
+    </p:spTree>
+    <p:extLst>
+      <p:ext uri="{BB962C8B-B14F-4D97-AF65-F5344CB8AC3E}">
+        <p14:creationId xmlns:p14="http://schemas.microsoft.com/office/powerpoint/2010/main" val="2522973974"/>
+      </p:ext>
+    </p:extLst>
+  </p:cSld>
+  <p:clrMapOvr>
+    <a:masterClrMapping/>
+  </p:clrMapOvr>
+  <p:timing>
+    <p:tnLst>
+      <p:par>
+        <p:cTn id="1" dur="indefinite" restart="never" nodeType="tmRoot"/>
+      </p:par>
+    </p:tnLst>
+  </p:timing>
 </p:sld>
 </file>
 
@@ -3909,7 +10726,7 @@
         <a:sysClr val="windowText" lastClr="000000"/>
       </a:dk1>
       <a:lt1>
-        <a:sysClr val="window" lastClr="FFFFFF"/>
+        <a:sysClr val="window" lastClr="C7EDCC"/>
       </a:lt1>
       <a:dk2>
         <a:srgbClr val="1F497D"/>
@@ -4182,4 +10999,265 @@
   <a:objectDefaults/>
   <a:extraClrSchemeLst/>
 </a:theme>
+</file>
+
+<file path=ppt/theme/theme2.xml><?xml version="1.0" encoding="utf-8"?>
+<a:theme xmlns:a="http://schemas.openxmlformats.org/drawingml/2006/main" name="Office 主题">
+  <a:themeElements>
+    <a:clrScheme name="Office">
+      <a:dk1>
+        <a:sysClr val="windowText" lastClr="000000"/>
+      </a:dk1>
+      <a:lt1>
+        <a:sysClr val="window" lastClr="C7EDCC"/>
+      </a:lt1>
+      <a:dk2>
+        <a:srgbClr val="44546A"/>
+      </a:dk2>
+      <a:lt2>
+        <a:srgbClr val="E7E6E6"/>
+      </a:lt2>
+      <a:accent1>
+        <a:srgbClr val="5B9BD5"/>
+      </a:accent1>
+      <a:accent2>
+        <a:srgbClr val="ED7D31"/>
+      </a:accent2>
+      <a:accent3>
+        <a:srgbClr val="A5A5A5"/>
+      </a:accent3>
+      <a:accent4>
+        <a:srgbClr val="FFC000"/>
+      </a:accent4>
+      <a:accent5>
+        <a:srgbClr val="4472C4"/>
+      </a:accent5>
+      <a:accent6>
+        <a:srgbClr val="70AD47"/>
+      </a:accent6>
+      <a:hlink>
+        <a:srgbClr val="0563C1"/>
+      </a:hlink>
+      <a:folHlink>
+        <a:srgbClr val="954F72"/>
+      </a:folHlink>
+    </a:clrScheme>
+    <a:fontScheme name="Office">
+      <a:majorFont>
+        <a:latin typeface="Calibri Light" panose="020F0302020204030204"/>
+        <a:ea typeface=""/>
+        <a:cs typeface=""/>
+        <a:font script="Jpan" typeface="ＭＳ Ｐゴシック"/>
+        <a:font script="Hang" typeface="맑은 고딕"/>
+        <a:font script="Hans" typeface="宋体"/>
+        <a:font script="Hant" typeface="新細明體"/>
+        <a:font script="Arab" typeface="Times New Roman"/>
+        <a:font script="Hebr" typeface="Times New Roman"/>
+        <a:font script="Thai" typeface="Angsana New"/>
+        <a:font script="Ethi" typeface="Nyala"/>
+        <a:font script="Beng" typeface="Vrinda"/>
+        <a:font script="Gujr" typeface="Shruti"/>
+        <a:font script="Khmr" typeface="MoolBoran"/>
+        <a:font script="Knda" typeface="Tunga"/>
+        <a:font script="Guru" typeface="Raavi"/>
+        <a:font script="Cans" typeface="Euphemia"/>
+        <a:font script="Cher" typeface="Plantagenet Cherokee"/>
+        <a:font script="Yiii" typeface="Microsoft Yi Baiti"/>
+        <a:font script="Tibt" typeface="Microsoft Himalaya"/>
+        <a:font script="Thaa" typeface="MV Boli"/>
+        <a:font script="Deva" typeface="Mangal"/>
+        <a:font script="Telu" typeface="Gautami"/>
+        <a:font script="Taml" typeface="Latha"/>
+        <a:font script="Syrc" typeface="Estrangelo Edessa"/>
+        <a:font script="Orya" typeface="Kalinga"/>
+        <a:font script="Mlym" typeface="Kartika"/>
+        <a:font script="Laoo" typeface="DokChampa"/>
+        <a:font script="Sinh" typeface="Iskoola Pota"/>
+        <a:font script="Mong" typeface="Mongolian Baiti"/>
+        <a:font script="Viet" typeface="Times New Roman"/>
+        <a:font script="Uigh" typeface="Microsoft Uighur"/>
+        <a:font script="Geor" typeface="Sylfaen"/>
+      </a:majorFont>
+      <a:minorFont>
+        <a:latin typeface="Calibri" panose="020F0502020204030204"/>
+        <a:ea typeface=""/>
+        <a:cs typeface=""/>
+        <a:font script="Jpan" typeface="ＭＳ Ｐゴシック"/>
+        <a:font script="Hang" typeface="맑은 고딕"/>
+        <a:font script="Hans" typeface="宋体"/>
+        <a:font script="Hant" typeface="新細明體"/>
+        <a:font script="Arab" typeface="Arial"/>
+        <a:font script="Hebr" typeface="Arial"/>
+        <a:font script="Thai" typeface="Cordia New"/>
+        <a:font script="Ethi" typeface="Nyala"/>
+        <a:font script="Beng" typeface="Vrinda"/>
+        <a:font script="Gujr" typeface="Shruti"/>
+        <a:font script="Khmr" typeface="DaunPenh"/>
+        <a:font script="Knda" typeface="Tunga"/>
+        <a:font script="Guru" typeface="Raavi"/>
+        <a:font script="Cans" typeface="Euphemia"/>
+        <a:font script="Cher" typeface="Plantagenet Cherokee"/>
+        <a:font script="Yiii" typeface="Microsoft Yi Baiti"/>
+        <a:font script="Tibt" typeface="Microsoft Himalaya"/>
+        <a:font script="Thaa" typeface="MV Boli"/>
+        <a:font script="Deva" typeface="Mangal"/>
+        <a:font script="Telu" typeface="Gautami"/>
+        <a:font script="Taml" typeface="Latha"/>
+        <a:font script="Syrc" typeface="Estrangelo Edessa"/>
+        <a:font script="Orya" typeface="Kalinga"/>
+        <a:font script="Mlym" typeface="Kartika"/>
+        <a:font script="Laoo" typeface="DokChampa"/>
+        <a:font script="Sinh" typeface="Iskoola Pota"/>
+        <a:font script="Mong" typeface="Mongolian Baiti"/>
+        <a:font script="Viet" typeface="Arial"/>
+        <a:font script="Uigh" typeface="Microsoft Uighur"/>
+        <a:font script="Geor" typeface="Sylfaen"/>
+      </a:minorFont>
+    </a:fontScheme>
+    <a:fmtScheme name="Office">
+      <a:fillStyleLst>
+        <a:solidFill>
+          <a:schemeClr val="phClr"/>
+        </a:solidFill>
+        <a:gradFill rotWithShape="1">
+          <a:gsLst>
+            <a:gs pos="0">
+              <a:schemeClr val="phClr">
+                <a:lumMod val="110000"/>
+                <a:satMod val="105000"/>
+                <a:tint val="67000"/>
+              </a:schemeClr>
+            </a:gs>
+            <a:gs pos="50000">
+              <a:schemeClr val="phClr">
+                <a:lumMod val="105000"/>
+                <a:satMod val="103000"/>
+                <a:tint val="73000"/>
+              </a:schemeClr>
+            </a:gs>
+            <a:gs pos="100000">
+              <a:schemeClr val="phClr">
+                <a:lumMod val="105000"/>
+                <a:satMod val="109000"/>
+                <a:tint val="81000"/>
+              </a:schemeClr>
+            </a:gs>
+          </a:gsLst>
+          <a:lin ang="5400000" scaled="0"/>
+        </a:gradFill>
+        <a:gradFill rotWithShape="1">
+          <a:gsLst>
+            <a:gs pos="0">
+              <a:schemeClr val="phClr">
+                <a:satMod val="103000"/>
+                <a:lumMod val="102000"/>
+                <a:tint val="94000"/>
+              </a:schemeClr>
+            </a:gs>
+            <a:gs pos="50000">
+              <a:schemeClr val="phClr">
+                <a:satMod val="110000"/>
+                <a:lumMod val="100000"/>
+                <a:shade val="100000"/>
+              </a:schemeClr>
+            </a:gs>
+            <a:gs pos="100000">
+              <a:schemeClr val="phClr">
+                <a:lumMod val="99000"/>
+                <a:satMod val="120000"/>
+                <a:shade val="78000"/>
+              </a:schemeClr>
+            </a:gs>
+          </a:gsLst>
+          <a:lin ang="5400000" scaled="0"/>
+        </a:gradFill>
+      </a:fillStyleLst>
+      <a:lnStyleLst>
+        <a:ln w="6350" cap="flat" cmpd="sng" algn="ctr">
+          <a:solidFill>
+            <a:schemeClr val="phClr"/>
+          </a:solidFill>
+          <a:prstDash val="solid"/>
+          <a:miter lim="800000"/>
+        </a:ln>
+        <a:ln w="12700" cap="flat" cmpd="sng" algn="ctr">
+          <a:solidFill>
+            <a:schemeClr val="phClr"/>
+          </a:solidFill>
+          <a:prstDash val="solid"/>
+          <a:miter lim="800000"/>
+        </a:ln>
+        <a:ln w="19050" cap="flat" cmpd="sng" algn="ctr">
+          <a:solidFill>
+            <a:schemeClr val="phClr"/>
+          </a:solidFill>
+          <a:prstDash val="solid"/>
+          <a:miter lim="800000"/>
+        </a:ln>
+      </a:lnStyleLst>
+      <a:effectStyleLst>
+        <a:effectStyle>
+          <a:effectLst/>
+        </a:effectStyle>
+        <a:effectStyle>
+          <a:effectLst/>
+        </a:effectStyle>
+        <a:effectStyle>
+          <a:effectLst>
+            <a:outerShdw blurRad="57150" dist="19050" dir="5400000" algn="ctr" rotWithShape="0">
+              <a:srgbClr val="000000">
+                <a:alpha val="63000"/>
+              </a:srgbClr>
+            </a:outerShdw>
+          </a:effectLst>
+        </a:effectStyle>
+      </a:effectStyleLst>
+      <a:bgFillStyleLst>
+        <a:solidFill>
+          <a:schemeClr val="phClr"/>
+        </a:solidFill>
+        <a:solidFill>
+          <a:schemeClr val="phClr">
+            <a:tint val="95000"/>
+            <a:satMod val="170000"/>
+          </a:schemeClr>
+        </a:solidFill>
+        <a:gradFill rotWithShape="1">
+          <a:gsLst>
+            <a:gs pos="0">
+              <a:schemeClr val="phClr">
+                <a:tint val="93000"/>
+                <a:satMod val="150000"/>
+                <a:shade val="98000"/>
+                <a:lumMod val="102000"/>
+              </a:schemeClr>
+            </a:gs>
+            <a:gs pos="50000">
+              <a:schemeClr val="phClr">
+                <a:tint val="98000"/>
+                <a:satMod val="130000"/>
+                <a:shade val="90000"/>
+                <a:lumMod val="103000"/>
+              </a:schemeClr>
+            </a:gs>
+            <a:gs pos="100000">
+              <a:schemeClr val="phClr">
+                <a:shade val="63000"/>
+                <a:satMod val="120000"/>
+              </a:schemeClr>
+            </a:gs>
+          </a:gsLst>
+          <a:lin ang="5400000" scaled="0"/>
+        </a:gradFill>
+      </a:bgFillStyleLst>
+    </a:fmtScheme>
+  </a:themeElements>
+  <a:objectDefaults/>
+  <a:extraClrSchemeLst/>
+  <a:extLst>
+    <a:ext uri="{05A4C25C-085E-4340-85A3-A5531E510DB2}">
+      <thm15:themeFamily xmlns:thm15="http://schemas.microsoft.com/office/thememl/2012/main" name="Office Theme" id="{62F939B6-93AF-4DB8-9C6B-D6C7DFDC589F}" vid="{4A3C46E8-61CC-4603-A589-7422A47A8E4A}"/>
+    </a:ext>
+  </a:extLst>
+</a:theme>
 </file>